--- a/PPT/PPT2020/DB第09章.pptx
+++ b/PPT/PPT2020/DB第09章.pptx
@@ -332,7 +332,7 @@
             </a:extLst>
           </p:cNvPr>
           <p:cNvSpPr>
-            <a:spLocks noGrp="1" noChangeArrowheads="1"/>
+            <a:spLocks noGrp="1" noRot="1" noChangeAspect="1" noChangeArrowheads="1"/>
           </p:cNvSpPr>
           <p:nvPr>
             <p:ph type="sldImg" idx="4294967295"/>
@@ -3731,7 +3731,7 @@
         </p:nvSpPr>
         <p:spPr bwMode="auto">
           <a:xfrm>
-            <a:off x="1836738" y="5949950"/>
+            <a:off x="2123728" y="5899150"/>
             <a:ext cx="5256212" cy="574675"/>
           </a:xfrm>
           <a:prstGeom prst="rect">
@@ -3886,7 +3886,7 @@
               <a:buNone/>
             </a:pPr>
             <a:r>
-              <a:rPr lang="zh-CN" altLang="en-US" sz="2400" b="1">
+              <a:rPr lang="zh-CN" altLang="en-US" sz="2400" b="1" dirty="0">
                 <a:solidFill>
                   <a:schemeClr val="bg1"/>
                 </a:solidFill>
@@ -3894,9 +3894,9 @@
                 <a:ea typeface="隶书" panose="02010509060101010101" pitchFamily="49" charset="-122"/>
                 <a:sym typeface="Arial" panose="020B0604020202020204" pitchFamily="34" charset="0"/>
               </a:rPr>
-              <a:t>河北大学计算机科学与技术学院</a:t>
-            </a:r>
-            <a:endParaRPr lang="en-US" altLang="zh-CN" sz="2400" b="1">
+              <a:t>河北大学网络空间安全与计算机学院</a:t>
+            </a:r>
+            <a:endParaRPr lang="en-US" altLang="zh-CN" sz="2400" b="1" dirty="0">
               <a:solidFill>
                 <a:schemeClr val="bg1"/>
               </a:solidFill>
@@ -4455,19 +4455,19 @@
               </a:lnSpc>
             </a:pPr>
             <a:r>
-              <a:rPr lang="en-US" altLang="zh-CN"/>
+              <a:rPr lang="en-US" altLang="zh-CN" dirty="0"/>
               <a:t>[</a:t>
             </a:r>
             <a:r>
-              <a:rPr lang="zh-CN" altLang="en-US"/>
+              <a:rPr lang="zh-CN" altLang="en-US" dirty="0"/>
               <a:t>例</a:t>
             </a:r>
             <a:r>
-              <a:rPr lang="en-US" altLang="zh-CN"/>
+              <a:rPr lang="en-US" altLang="zh-CN" dirty="0"/>
               <a:t>9.1-</a:t>
             </a:r>
             <a:r>
-              <a:rPr lang="en-US" altLang="zh-CN">
+              <a:rPr lang="en-US" altLang="zh-CN" dirty="0">
                 <a:solidFill>
                   <a:srgbClr val="0066FF"/>
                 </a:solidFill>
@@ -4475,7 +4475,7 @@
               <a:t>C4</a:t>
             </a:r>
             <a:r>
-              <a:rPr lang="en-US" altLang="zh-CN"/>
+              <a:rPr lang="en-US" altLang="zh-CN" dirty="0"/>
               <a:t>] SELECT *</a:t>
             </a:r>
           </a:p>
@@ -4488,7 +4488,7 @@
               <a:buNone/>
             </a:pPr>
             <a:r>
-              <a:rPr lang="en-US" altLang="zh-CN"/>
+              <a:rPr lang="en-US" altLang="zh-CN" dirty="0"/>
               <a:t>                      FROM Student</a:t>
             </a:r>
           </a:p>
@@ -4501,10 +4501,46 @@
               <a:buNone/>
             </a:pPr>
             <a:r>
-              <a:rPr lang="en-US" altLang="zh-CN"/>
-              <a:t>                      WHERE Sdept='CS' AND Sage&gt;20;</a:t>
-            </a:r>
-            <a:endParaRPr lang="zh-CN" altLang="en-US"/>
+              <a:rPr lang="en-US" altLang="zh-CN" dirty="0"/>
+              <a:t>                      WHERE </a:t>
+            </a:r>
+            <a:r>
+              <a:rPr lang="en-US" altLang="zh-CN" dirty="0" err="1"/>
+              <a:t>Sdept</a:t>
+            </a:r>
+            <a:r>
+              <a:rPr lang="en-US" altLang="zh-CN" dirty="0"/>
+              <a:t>='CS' AND Sage&gt;20;</a:t>
+            </a:r>
+            <a:endParaRPr lang="zh-CN" altLang="en-US" dirty="0"/>
+          </a:p>
+          <a:p>
+            <a:pPr marL="457200" lvl="1" indent="0">
+              <a:lnSpc>
+                <a:spcPct val="120000"/>
+              </a:lnSpc>
+              <a:buNone/>
+            </a:pPr>
+            <a:r>
+              <a:rPr lang="zh-CN" altLang="en-US" dirty="0"/>
+              <a:t>假设</a:t>
+            </a:r>
+            <a:r>
+              <a:rPr lang="en-US" altLang="zh-CN" dirty="0" err="1"/>
+              <a:t>Sdept</a:t>
+            </a:r>
+            <a:r>
+              <a:rPr lang="zh-CN" altLang="en-US" dirty="0"/>
+              <a:t>和</a:t>
+            </a:r>
+            <a:r>
+              <a:rPr lang="en-US" altLang="zh-CN" dirty="0"/>
+              <a:t>Sage</a:t>
+            </a:r>
+            <a:r>
+              <a:rPr lang="zh-CN" altLang="en-US" dirty="0"/>
+              <a:t>上都有索引</a:t>
+            </a:r>
           </a:p>
           <a:p>
             <a:pPr lvl="1">
@@ -4513,66 +4549,39 @@
               </a:lnSpc>
             </a:pPr>
             <a:r>
-              <a:rPr lang="zh-CN" altLang="en-US"/>
-              <a:t>假设</a:t>
-            </a:r>
-            <a:r>
-              <a:rPr lang="en-US" altLang="zh-CN"/>
+              <a:rPr lang="zh-CN" altLang="en-US" dirty="0"/>
+              <a:t>算法一：分别用</a:t>
+            </a:r>
+            <a:r>
+              <a:rPr lang="en-US" altLang="zh-CN" dirty="0"/>
+              <a:t>Index Scan</a:t>
+            </a:r>
+            <a:r>
+              <a:rPr lang="zh-CN" altLang="en-US" dirty="0"/>
+              <a:t>找到</a:t>
+            </a:r>
+            <a:r>
+              <a:rPr lang="en-US" altLang="zh-CN" dirty="0" err="1"/>
               <a:t>Sdept</a:t>
             </a:r>
             <a:r>
-              <a:rPr lang="zh-CN" altLang="en-US"/>
-              <a:t>和</a:t>
-            </a:r>
-            <a:r>
-              <a:rPr lang="en-US" altLang="zh-CN"/>
-              <a:t>Sage</a:t>
-            </a:r>
-            <a:r>
-              <a:rPr lang="zh-CN" altLang="en-US"/>
-              <a:t>上都有索引</a:t>
-            </a:r>
-          </a:p>
-          <a:p>
-            <a:pPr lvl="1">
-              <a:lnSpc>
-                <a:spcPct val="120000"/>
-              </a:lnSpc>
-            </a:pPr>
-            <a:r>
-              <a:rPr lang="zh-CN" altLang="en-US"/>
-              <a:t>算法一：分别用</a:t>
-            </a:r>
-            <a:r>
-              <a:rPr lang="en-US" altLang="zh-CN"/>
-              <a:t>Index Scan</a:t>
-            </a:r>
-            <a:r>
-              <a:rPr lang="zh-CN" altLang="en-US"/>
-              <a:t>找到</a:t>
-            </a:r>
-            <a:r>
-              <a:rPr lang="en-US" altLang="zh-CN"/>
-              <a:t>Sdept</a:t>
-            </a:r>
-            <a:r>
-              <a:rPr lang="zh-CN" altLang="en-US"/>
+              <a:rPr lang="zh-CN" altLang="en-US" dirty="0"/>
               <a:t>＝</a:t>
             </a:r>
             <a:r>
-              <a:rPr lang="en-US" altLang="zh-CN"/>
+              <a:rPr lang="en-US" altLang="zh-CN" dirty="0"/>
               <a:t>’CS’</a:t>
             </a:r>
             <a:r>
-              <a:rPr lang="zh-CN" altLang="en-US"/>
+              <a:rPr lang="zh-CN" altLang="en-US" dirty="0"/>
               <a:t>的一组元组指针和</a:t>
             </a:r>
             <a:r>
-              <a:rPr lang="en-US" altLang="zh-CN"/>
+              <a:rPr lang="en-US" altLang="zh-CN" dirty="0"/>
               <a:t>Sage&gt;20</a:t>
             </a:r>
             <a:r>
-              <a:rPr lang="zh-CN" altLang="en-US"/>
+              <a:rPr lang="zh-CN" altLang="en-US" dirty="0"/>
               <a:t>的另一组元组指针</a:t>
             </a:r>
           </a:p>
@@ -4586,7 +4595,7 @@
               <a:buChar char="l"/>
             </a:pPr>
             <a:r>
-              <a:rPr lang="zh-CN" altLang="en-US"/>
+              <a:rPr lang="zh-CN" altLang="en-US" dirty="0"/>
               <a:t>求这两组指针的交集</a:t>
             </a:r>
           </a:p>
@@ -4600,15 +4609,15 @@
               <a:buChar char="l"/>
             </a:pPr>
             <a:r>
-              <a:rPr lang="zh-CN" altLang="en-US"/>
+              <a:rPr lang="zh-CN" altLang="en-US" dirty="0"/>
               <a:t>到</a:t>
             </a:r>
             <a:r>
-              <a:rPr lang="en-US" altLang="zh-CN"/>
+              <a:rPr lang="en-US" altLang="zh-CN" dirty="0"/>
               <a:t>Student</a:t>
             </a:r>
             <a:r>
-              <a:rPr lang="zh-CN" altLang="en-US"/>
+              <a:rPr lang="zh-CN" altLang="en-US" dirty="0"/>
               <a:t>表中检索</a:t>
             </a:r>
           </a:p>
@@ -4622,15 +4631,15 @@
               <a:buChar char="l"/>
             </a:pPr>
             <a:r>
-              <a:rPr lang="zh-CN" altLang="en-US"/>
+              <a:rPr lang="zh-CN" altLang="en-US" dirty="0"/>
               <a:t>得到计算机系年龄大于</a:t>
             </a:r>
             <a:r>
-              <a:rPr lang="en-US" altLang="zh-CN"/>
+              <a:rPr lang="en-US" altLang="zh-CN" dirty="0"/>
               <a:t>20</a:t>
             </a:r>
             <a:r>
-              <a:rPr lang="zh-CN" altLang="en-US"/>
+              <a:rPr lang="zh-CN" altLang="en-US" dirty="0"/>
               <a:t>的学生</a:t>
             </a:r>
           </a:p>
@@ -4708,8 +4717,8 @@
         </p:nvSpPr>
         <p:spPr>
           <a:xfrm>
-            <a:off x="250825" y="1098550"/>
-            <a:ext cx="8642350" cy="4854575"/>
+            <a:off x="218838" y="1772816"/>
+            <a:ext cx="8642350" cy="3194546"/>
           </a:xfrm>
         </p:spPr>
         <p:txBody>
@@ -4722,15 +4731,19 @@
               </a:lnSpc>
             </a:pPr>
             <a:r>
-              <a:rPr lang="zh-CN" altLang="en-US"/>
+              <a:rPr lang="zh-CN" altLang="en-US" dirty="0"/>
               <a:t>算法二：找到</a:t>
             </a:r>
             <a:r>
-              <a:rPr lang="en-US" altLang="zh-CN"/>
-              <a:t>Sdept=’CS’</a:t>
-            </a:r>
-            <a:r>
-              <a:rPr lang="zh-CN" altLang="en-US"/>
+              <a:rPr lang="en-US" altLang="zh-CN" dirty="0" err="1"/>
+              <a:t>Sdept</a:t>
+            </a:r>
+            <a:r>
+              <a:rPr lang="en-US" altLang="zh-CN" dirty="0"/>
+              <a:t>=’CS’</a:t>
+            </a:r>
+            <a:r>
+              <a:rPr lang="zh-CN" altLang="en-US" dirty="0"/>
               <a:t>的一组元组指针，</a:t>
             </a:r>
           </a:p>
@@ -4744,15 +4757,15 @@
               <a:buChar char="l"/>
             </a:pPr>
             <a:r>
-              <a:rPr lang="zh-CN" altLang="en-US"/>
+              <a:rPr lang="zh-CN" altLang="en-US" dirty="0"/>
               <a:t>通过这些元组指针到</a:t>
             </a:r>
             <a:r>
-              <a:rPr lang="en-US" altLang="zh-CN"/>
+              <a:rPr lang="en-US" altLang="zh-CN" dirty="0"/>
               <a:t>Student</a:t>
             </a:r>
             <a:r>
-              <a:rPr lang="zh-CN" altLang="en-US"/>
+              <a:rPr lang="zh-CN" altLang="en-US" dirty="0"/>
               <a:t>表中检索</a:t>
             </a:r>
           </a:p>
@@ -4766,23 +4779,23 @@
               <a:buChar char="l"/>
             </a:pPr>
             <a:r>
-              <a:rPr lang="zh-CN" altLang="en-US"/>
+              <a:rPr lang="zh-CN" altLang="en-US" dirty="0"/>
               <a:t>对得到的元组检查另一些选择条件</a:t>
             </a:r>
             <a:r>
-              <a:rPr lang="en-US" altLang="zh-CN"/>
+              <a:rPr lang="en-US" altLang="zh-CN" dirty="0"/>
               <a:t>(</a:t>
             </a:r>
             <a:r>
-              <a:rPr lang="zh-CN" altLang="en-US"/>
+              <a:rPr lang="zh-CN" altLang="en-US" dirty="0"/>
               <a:t>如</a:t>
             </a:r>
             <a:r>
-              <a:rPr lang="en-US" altLang="zh-CN"/>
+              <a:rPr lang="en-US" altLang="zh-CN" dirty="0"/>
               <a:t>Sage&gt;20)</a:t>
             </a:r>
             <a:r>
-              <a:rPr lang="zh-CN" altLang="en-US"/>
+              <a:rPr lang="zh-CN" altLang="en-US" dirty="0"/>
               <a:t>是否满足</a:t>
             </a:r>
           </a:p>
@@ -4796,15 +4809,15 @@
               <a:buChar char="l"/>
             </a:pPr>
             <a:r>
-              <a:rPr lang="zh-CN" altLang="en-US"/>
+              <a:rPr lang="zh-CN" altLang="en-US" dirty="0"/>
               <a:t>把满足条件的元组作为结果输出。  </a:t>
             </a:r>
           </a:p>
           <a:p>
-            <a:endParaRPr lang="zh-CN" altLang="en-US"/>
-          </a:p>
-          <a:p>
-            <a:endParaRPr lang="zh-CN" altLang="en-US"/>
+            <a:endParaRPr lang="zh-CN" altLang="en-US" dirty="0"/>
+          </a:p>
+          <a:p>
+            <a:endParaRPr lang="zh-CN" altLang="en-US" dirty="0"/>
           </a:p>
         </p:txBody>
       </p:sp>
@@ -4903,6 +4916,9 @@
                 <a:solidFill>
                   <a:srgbClr val="0066FF"/>
                 </a:solidFill>
+                <a:highlight>
+                  <a:srgbClr val="FFFF00"/>
+                </a:highlight>
               </a:rPr>
               <a:t>连接操作</a:t>
             </a:r>
@@ -4912,7 +4928,23 @@
                   <a:srgbClr val="0066FF"/>
                 </a:solidFill>
               </a:rPr>
-              <a:t>是查询处理中最耗时的操作之一</a:t>
+              <a:t>是查询处理中</a:t>
+            </a:r>
+            <a:r>
+              <a:rPr lang="zh-CN" altLang="en-US" u="sng" noProof="1">
+                <a:solidFill>
+                  <a:srgbClr val="0066FF"/>
+                </a:solidFill>
+              </a:rPr>
+              <a:t>最耗时的操作</a:t>
+            </a:r>
+            <a:r>
+              <a:rPr lang="zh-CN" altLang="en-US" noProof="1">
+                <a:solidFill>
+                  <a:srgbClr val="0066FF"/>
+                </a:solidFill>
+              </a:rPr>
+              <a:t>之一</a:t>
             </a:r>
             <a:r>
               <a:rPr lang="zh-CN" altLang="en-US" noProof="1">
@@ -4975,7 +5007,7 @@
                   <a:srgbClr val="000000"/>
                 </a:solidFill>
               </a:rPr>
-              <a:t>   </a:t>
+              <a:t>       </a:t>
             </a:r>
             <a:r>
               <a:rPr lang="en-US" altLang="zh-CN" noProof="1">
@@ -5605,48 +5637,30 @@
               <a:buNone/>
             </a:pPr>
             <a:r>
-              <a:rPr lang="zh-CN" altLang="en-US"/>
+              <a:rPr lang="zh-CN" altLang="en-US" dirty="0"/>
               <a:t>（</a:t>
             </a:r>
             <a:r>
-              <a:rPr lang="en-US" altLang="zh-CN"/>
+              <a:rPr lang="en-US" altLang="zh-CN" dirty="0"/>
               <a:t>2</a:t>
             </a:r>
             <a:r>
-              <a:rPr lang="zh-CN" altLang="en-US"/>
+              <a:rPr lang="zh-CN" altLang="en-US" dirty="0"/>
               <a:t>）排序</a:t>
             </a:r>
             <a:r>
-              <a:rPr lang="en-US" altLang="zh-CN"/>
+              <a:rPr lang="en-US" altLang="zh-CN" dirty="0"/>
               <a:t>-</a:t>
             </a:r>
             <a:r>
-              <a:rPr lang="zh-CN" altLang="en-US"/>
+              <a:rPr lang="zh-CN" altLang="en-US" dirty="0"/>
               <a:t>合并算法</a:t>
             </a:r>
             <a:r>
-              <a:rPr lang="en-US" altLang="zh-CN"/>
-              <a:t>(sort-merge join </a:t>
-            </a:r>
-            <a:r>
-              <a:rPr lang="zh-CN" altLang="en-US"/>
-              <a:t>或</a:t>
-            </a:r>
-            <a:r>
-              <a:rPr lang="en-US" altLang="zh-CN"/>
-              <a:t>merge </a:t>
-            </a:r>
-          </a:p>
-          <a:p>
-            <a:pPr marL="0" indent="0">
-              <a:buFont typeface="Wingdings" panose="05000000000000000000" pitchFamily="2" charset="2"/>
-              <a:buNone/>
-            </a:pPr>
-            <a:r>
-              <a:rPr lang="en-US" altLang="zh-CN"/>
-              <a:t>          join) </a:t>
-            </a:r>
-            <a:endParaRPr lang="zh-CN" altLang="en-US"/>
+              <a:rPr lang="en-US" altLang="zh-CN" dirty="0"/>
+              <a:t>(sort-merge join) </a:t>
+            </a:r>
+            <a:endParaRPr lang="zh-CN" altLang="en-US" dirty="0"/>
           </a:p>
           <a:p>
             <a:pPr marL="914400" lvl="1" indent="-457200">
@@ -5654,32 +5668,32 @@
               <a:buAutoNum type="circleNumDbPlain"/>
             </a:pPr>
             <a:r>
-              <a:rPr lang="zh-CN" altLang="en-US"/>
-              <a:t>如果连接的表没有排好序，先对</a:t>
-            </a:r>
-            <a:r>
-              <a:rPr lang="en-US" altLang="zh-CN"/>
+              <a:rPr lang="zh-CN" altLang="en-US" sz="1800" dirty="0"/>
+              <a:t>如果无序，先对</a:t>
+            </a:r>
+            <a:r>
+              <a:rPr lang="en-US" altLang="zh-CN" sz="1800" dirty="0"/>
               <a:t>Student</a:t>
             </a:r>
             <a:r>
-              <a:rPr lang="zh-CN" altLang="en-US"/>
-              <a:t>表和</a:t>
-            </a:r>
-            <a:r>
-              <a:rPr lang="en-US" altLang="zh-CN"/>
+              <a:rPr lang="zh-CN" altLang="en-US" sz="1800" dirty="0"/>
+              <a:t>和</a:t>
+            </a:r>
+            <a:r>
+              <a:rPr lang="en-US" altLang="zh-CN" sz="1800" dirty="0"/>
               <a:t>SC</a:t>
             </a:r>
             <a:r>
-              <a:rPr lang="zh-CN" altLang="en-US"/>
-              <a:t>表按连接属性</a:t>
-            </a:r>
-            <a:r>
-              <a:rPr lang="en-US" altLang="zh-CN"/>
+              <a:rPr lang="zh-CN" altLang="en-US" sz="1800" dirty="0"/>
+              <a:t>表按属性</a:t>
+            </a:r>
+            <a:r>
+              <a:rPr lang="en-US" altLang="zh-CN" sz="1800" dirty="0" err="1"/>
               <a:t>Sno</a:t>
             </a:r>
             <a:r>
-              <a:rPr lang="zh-CN" altLang="en-US"/>
-              <a:t>排序 </a:t>
+              <a:rPr lang="zh-CN" altLang="en-US" sz="1800" dirty="0"/>
+              <a:t>排序。 </a:t>
             </a:r>
           </a:p>
           <a:p>
@@ -5688,40 +5702,40 @@
               <a:buAutoNum type="circleNumDbPlain"/>
             </a:pPr>
             <a:r>
-              <a:rPr lang="zh-CN" altLang="en-US"/>
+              <a:rPr lang="zh-CN" altLang="en-US" sz="1800" dirty="0"/>
               <a:t>取</a:t>
             </a:r>
             <a:r>
-              <a:rPr lang="en-US" altLang="zh-CN"/>
+              <a:rPr lang="en-US" altLang="zh-CN" sz="1800" dirty="0"/>
               <a:t>Student</a:t>
             </a:r>
             <a:r>
-              <a:rPr lang="zh-CN" altLang="en-US"/>
+              <a:rPr lang="zh-CN" altLang="en-US" sz="1800" dirty="0"/>
               <a:t>表中第一个</a:t>
             </a:r>
             <a:r>
-              <a:rPr lang="en-US" altLang="zh-CN"/>
+              <a:rPr lang="en-US" altLang="zh-CN" sz="1800" dirty="0" err="1"/>
               <a:t>Sno</a:t>
             </a:r>
             <a:r>
-              <a:rPr lang="zh-CN" altLang="en-US"/>
+              <a:rPr lang="zh-CN" altLang="en-US" sz="1800" dirty="0"/>
               <a:t>，依次扫描</a:t>
             </a:r>
             <a:r>
-              <a:rPr lang="en-US" altLang="zh-CN"/>
+              <a:rPr lang="en-US" altLang="zh-CN" sz="1800" dirty="0"/>
               <a:t>SC</a:t>
             </a:r>
             <a:r>
-              <a:rPr lang="zh-CN" altLang="en-US"/>
+              <a:rPr lang="zh-CN" altLang="en-US" sz="1800" dirty="0"/>
               <a:t>表中具有相同</a:t>
             </a:r>
             <a:r>
-              <a:rPr lang="en-US" altLang="zh-CN"/>
+              <a:rPr lang="en-US" altLang="zh-CN" sz="1800" dirty="0" err="1"/>
               <a:t>Sno</a:t>
             </a:r>
             <a:r>
-              <a:rPr lang="zh-CN" altLang="en-US"/>
-              <a:t>的元组 </a:t>
+              <a:rPr lang="zh-CN" altLang="en-US" sz="1800" dirty="0"/>
+              <a:t>的元组。 </a:t>
             </a:r>
           </a:p>
           <a:p>
@@ -5730,48 +5744,48 @@
               <a:buAutoNum type="circleNumDbPlain"/>
             </a:pPr>
             <a:r>
-              <a:rPr lang="zh-CN" altLang="en-US"/>
+              <a:rPr lang="zh-CN" altLang="en-US" sz="1800" dirty="0"/>
               <a:t>当扫描到</a:t>
             </a:r>
             <a:r>
-              <a:rPr lang="en-US" altLang="zh-CN"/>
+              <a:rPr lang="en-US" altLang="zh-CN" sz="1800" dirty="0" err="1"/>
               <a:t>Sno</a:t>
             </a:r>
             <a:r>
-              <a:rPr lang="zh-CN" altLang="en-US"/>
+              <a:rPr lang="zh-CN" altLang="en-US" sz="1800" dirty="0"/>
               <a:t>不相同的第一个</a:t>
             </a:r>
             <a:r>
-              <a:rPr lang="en-US" altLang="zh-CN"/>
+              <a:rPr lang="en-US" altLang="zh-CN" sz="1800" dirty="0"/>
               <a:t>SC</a:t>
             </a:r>
             <a:r>
-              <a:rPr lang="zh-CN" altLang="en-US"/>
+              <a:rPr lang="zh-CN" altLang="en-US" sz="1800" dirty="0"/>
               <a:t>元组时，返回</a:t>
             </a:r>
             <a:r>
-              <a:rPr lang="en-US" altLang="zh-CN"/>
+              <a:rPr lang="en-US" altLang="zh-CN" sz="1800" dirty="0"/>
               <a:t>Student</a:t>
             </a:r>
             <a:r>
-              <a:rPr lang="zh-CN" altLang="en-US"/>
+              <a:rPr lang="zh-CN" altLang="en-US" sz="1800" dirty="0"/>
               <a:t>表扫描它的下一个元组，再扫描</a:t>
             </a:r>
             <a:r>
-              <a:rPr lang="en-US" altLang="zh-CN"/>
+              <a:rPr lang="en-US" altLang="zh-CN" sz="1800" dirty="0"/>
               <a:t>SC</a:t>
             </a:r>
             <a:r>
-              <a:rPr lang="zh-CN" altLang="en-US"/>
+              <a:rPr lang="zh-CN" altLang="en-US" sz="1800" dirty="0"/>
               <a:t>表中具有相同</a:t>
             </a:r>
             <a:r>
-              <a:rPr lang="en-US" altLang="zh-CN"/>
+              <a:rPr lang="en-US" altLang="zh-CN" sz="1800" dirty="0" err="1"/>
               <a:t>Sno</a:t>
             </a:r>
             <a:r>
-              <a:rPr lang="zh-CN" altLang="en-US"/>
-              <a:t>的元组，把它们连接起来 </a:t>
+              <a:rPr lang="zh-CN" altLang="en-US" sz="1800" dirty="0"/>
+              <a:t>的元组，把它们连接起来。 </a:t>
             </a:r>
           </a:p>
           <a:p>
@@ -5780,81 +5794,27 @@
               <a:buAutoNum type="circleNumDbPlain"/>
             </a:pPr>
             <a:r>
-              <a:rPr lang="zh-CN" altLang="en-US"/>
+              <a:rPr lang="zh-CN" altLang="en-US" sz="1800" dirty="0"/>
               <a:t>重复上述步骤直到</a:t>
             </a:r>
             <a:r>
-              <a:rPr lang="en-US" altLang="zh-CN"/>
+              <a:rPr lang="en-US" altLang="zh-CN" sz="1800" dirty="0"/>
               <a:t>Student </a:t>
             </a:r>
             <a:r>
-              <a:rPr lang="zh-CN" altLang="en-US"/>
-              <a:t>表扫描完</a:t>
-            </a:r>
-            <a:endParaRPr lang="en-US" altLang="zh-CN"/>
-          </a:p>
-        </p:txBody>
-      </p:sp>
-    </p:spTree>
-  </p:cSld>
-  <p:clrMapOvr>
-    <a:masterClrMapping/>
-  </p:clrMapOvr>
-</p:sld>
-</file>
-
-<file path=ppt/slides/slide16.xml><?xml version="1.0" encoding="utf-8"?>
-<p:sld xmlns:a="http://schemas.openxmlformats.org/drawingml/2006/main" xmlns:r="http://schemas.openxmlformats.org/officeDocument/2006/relationships" xmlns:p="http://schemas.openxmlformats.org/presentationml/2006/main">
-  <p:cSld>
-    <p:spTree>
-      <p:nvGrpSpPr>
-        <p:cNvPr id="1" name=""/>
-        <p:cNvGrpSpPr/>
-        <p:nvPr/>
-      </p:nvGrpSpPr>
-      <p:grpSpPr>
-        <a:xfrm>
-          <a:off x="0" y="0"/>
-          <a:ext cx="0" cy="0"/>
-          <a:chOff x="0" y="0"/>
-          <a:chExt cx="0" cy="0"/>
-        </a:xfrm>
-      </p:grpSpPr>
-      <p:sp>
-        <p:nvSpPr>
-          <p:cNvPr id="18433" name="标题 1">
-            <a:extLst>
-              <a:ext uri="{FF2B5EF4-FFF2-40B4-BE49-F238E27FC236}">
-                <a16:creationId xmlns:a16="http://schemas.microsoft.com/office/drawing/2014/main" id="{1398B94B-3C59-4798-A8AF-E00F2C5F8658}"/>
-              </a:ext>
-            </a:extLst>
-          </p:cNvPr>
-          <p:cNvSpPr>
-            <a:spLocks noGrp="1" noChangeArrowheads="1"/>
-          </p:cNvSpPr>
-          <p:nvPr>
-            <p:ph type="title"/>
-          </p:nvPr>
-        </p:nvSpPr>
-        <p:spPr/>
-        <p:txBody>
-          <a:bodyPr/>
-          <a:lstStyle/>
-          <a:p>
-            <a:r>
-              <a:rPr lang="zh-CN" altLang="zh-CN" sz="3600"/>
-              <a:t>连接操作的实现（续）</a:t>
-            </a:r>
-            <a:endParaRPr lang="zh-CN" altLang="en-US" sz="3600"/>
+              <a:rPr lang="zh-CN" altLang="en-US" sz="1800" dirty="0"/>
+              <a:t>表扫描完。</a:t>
+            </a:r>
+            <a:endParaRPr lang="en-US" altLang="zh-CN" sz="1800" dirty="0"/>
           </a:p>
         </p:txBody>
       </p:sp>
       <p:grpSp>
         <p:nvGrpSpPr>
-          <p:cNvPr id="18434" name="组合 11">
+          <p:cNvPr id="4" name="组合 11">
             <a:extLst>
               <a:ext uri="{FF2B5EF4-FFF2-40B4-BE49-F238E27FC236}">
-                <a16:creationId xmlns:a16="http://schemas.microsoft.com/office/drawing/2014/main" id="{67748FDA-D22D-4E87-89D0-0ED7C113C530}"/>
+                <a16:creationId xmlns:a16="http://schemas.microsoft.com/office/drawing/2014/main" id="{929BCB6E-4993-43D9-8723-94992229EA5A}"/>
               </a:ext>
             </a:extLst>
           </p:cNvPr>
@@ -5865,7 +5825,7 @@
         </p:nvGrpSpPr>
         <p:grpSpPr bwMode="auto">
           <a:xfrm>
-            <a:off x="1187450" y="908050"/>
+            <a:off x="1331640" y="3356992"/>
             <a:ext cx="5976938" cy="2917825"/>
             <a:chOff x="1115616" y="1700808"/>
             <a:chExt cx="5977335" cy="2917934"/>
@@ -5873,10 +5833,10 @@
         </p:grpSpPr>
         <p:sp>
           <p:nvSpPr>
-            <p:cNvPr id="18435" name="Rectangle 5">
+            <p:cNvPr id="5" name="Rectangle 5">
               <a:extLst>
                 <a:ext uri="{FF2B5EF4-FFF2-40B4-BE49-F238E27FC236}">
-                  <a16:creationId xmlns:a16="http://schemas.microsoft.com/office/drawing/2014/main" id="{56D05BD4-B8C8-493B-BBDD-9B4642D84E5F}"/>
+                  <a16:creationId xmlns:a16="http://schemas.microsoft.com/office/drawing/2014/main" id="{9D1524A2-DF35-4355-BE01-3D581DA9A326}"/>
                 </a:ext>
               </a:extLst>
             </p:cNvPr>
@@ -5893,25 +5853,25 @@
             <a:prstGeom prst="rect">
               <a:avLst/>
             </a:prstGeom>
-            <a:noFill/>
-            <a:ln w="25400">
-              <a:solidFill>
-                <a:schemeClr val="tx1"/>
-              </a:solidFill>
-              <a:bevel/>
+            <a:ln>
               <a:headEnd/>
               <a:tailEnd/>
             </a:ln>
-            <a:extLst>
-              <a:ext uri="{909E8E84-426E-40DD-AFC4-6F175D3DCCD1}">
-                <a14:hiddenFill xmlns:a14="http://schemas.microsoft.com/office/drawing/2010/main">
-                  <a:solidFill>
-                    <a:srgbClr val="FFFFFF"/>
-                  </a:solidFill>
-                </a14:hiddenFill>
-              </a:ext>
-            </a:extLst>
           </p:spPr>
+          <p:style>
+            <a:lnRef idx="0">
+              <a:schemeClr val="accent1"/>
+            </a:lnRef>
+            <a:fillRef idx="3">
+              <a:schemeClr val="accent1"/>
+            </a:fillRef>
+            <a:effectRef idx="3">
+              <a:schemeClr val="accent1"/>
+            </a:effectRef>
+            <a:fontRef idx="minor">
+              <a:schemeClr val="lt1"/>
+            </a:fontRef>
+          </p:style>
           <p:txBody>
             <a:bodyPr wrap="none" anchor="ctr"/>
             <a:lstStyle>
@@ -6206,10 +6166,10 @@
         </p:sp>
         <p:sp>
           <p:nvSpPr>
-            <p:cNvPr id="18436" name="Rectangle 6">
+            <p:cNvPr id="6" name="Rectangle 6">
               <a:extLst>
                 <a:ext uri="{FF2B5EF4-FFF2-40B4-BE49-F238E27FC236}">
-                  <a16:creationId xmlns:a16="http://schemas.microsoft.com/office/drawing/2014/main" id="{3EE24F34-20B5-4C0D-B3D7-F5F11670C699}"/>
+                  <a16:creationId xmlns:a16="http://schemas.microsoft.com/office/drawing/2014/main" id="{3B1C295E-3FFE-4660-BC23-6C44947DECFB}"/>
                 </a:ext>
               </a:extLst>
             </p:cNvPr>
@@ -6226,25 +6186,25 @@
             <a:prstGeom prst="rect">
               <a:avLst/>
             </a:prstGeom>
-            <a:noFill/>
-            <a:ln w="25400">
-              <a:solidFill>
-                <a:schemeClr val="tx1"/>
-              </a:solidFill>
-              <a:bevel/>
+            <a:ln>
               <a:headEnd/>
               <a:tailEnd/>
             </a:ln>
-            <a:extLst>
-              <a:ext uri="{909E8E84-426E-40DD-AFC4-6F175D3DCCD1}">
-                <a14:hiddenFill xmlns:a14="http://schemas.microsoft.com/office/drawing/2010/main">
-                  <a:solidFill>
-                    <a:srgbClr val="FFFFFF"/>
-                  </a:solidFill>
-                </a14:hiddenFill>
-              </a:ext>
-            </a:extLst>
           </p:spPr>
+          <p:style>
+            <a:lnRef idx="0">
+              <a:schemeClr val="accent1"/>
+            </a:lnRef>
+            <a:fillRef idx="3">
+              <a:schemeClr val="accent1"/>
+            </a:fillRef>
+            <a:effectRef idx="3">
+              <a:schemeClr val="accent1"/>
+            </a:effectRef>
+            <a:fontRef idx="minor">
+              <a:schemeClr val="lt1"/>
+            </a:fontRef>
+          </p:style>
           <p:txBody>
             <a:bodyPr wrap="none" anchor="ctr"/>
             <a:lstStyle>
@@ -6543,10 +6503,10 @@
         </p:sp>
         <p:sp>
           <p:nvSpPr>
-            <p:cNvPr id="18437" name="Line 7">
+            <p:cNvPr id="7" name="Line 7">
               <a:extLst>
                 <a:ext uri="{FF2B5EF4-FFF2-40B4-BE49-F238E27FC236}">
-                  <a16:creationId xmlns:a16="http://schemas.microsoft.com/office/drawing/2014/main" id="{71540292-9D2C-4ADB-90B7-7B3CDD17B004}"/>
+                  <a16:creationId xmlns:a16="http://schemas.microsoft.com/office/drawing/2014/main" id="{4FF91366-53B4-4449-850E-3A77887266F2}"/>
                 </a:ext>
               </a:extLst>
             </p:cNvPr>
@@ -6700,10 +6660,10 @@
         </p:sp>
         <p:sp>
           <p:nvSpPr>
-            <p:cNvPr id="18438" name="Line 8">
+            <p:cNvPr id="8" name="Line 8">
               <a:extLst>
                 <a:ext uri="{FF2B5EF4-FFF2-40B4-BE49-F238E27FC236}">
-                  <a16:creationId xmlns:a16="http://schemas.microsoft.com/office/drawing/2014/main" id="{F353CF29-51F1-4B5C-9C82-9393FF4BEB61}"/>
+                  <a16:creationId xmlns:a16="http://schemas.microsoft.com/office/drawing/2014/main" id="{BFB5CA1B-0E3B-4592-B825-63B5347EF00D}"/>
                 </a:ext>
               </a:extLst>
             </p:cNvPr>
@@ -6857,10 +6817,10 @@
         </p:sp>
         <p:sp>
           <p:nvSpPr>
-            <p:cNvPr id="18439" name="Line 9">
+            <p:cNvPr id="9" name="Line 9">
               <a:extLst>
                 <a:ext uri="{FF2B5EF4-FFF2-40B4-BE49-F238E27FC236}">
-                  <a16:creationId xmlns:a16="http://schemas.microsoft.com/office/drawing/2014/main" id="{5CD19FCE-2160-4ADA-AFA6-F2F6E332153E}"/>
+                  <a16:creationId xmlns:a16="http://schemas.microsoft.com/office/drawing/2014/main" id="{C8BC5040-15BE-4526-BFB2-92085690A88A}"/>
                 </a:ext>
               </a:extLst>
             </p:cNvPr>
@@ -7014,10 +6974,10 @@
         </p:sp>
         <p:sp>
           <p:nvSpPr>
-            <p:cNvPr id="18440" name="Line 10">
+            <p:cNvPr id="10" name="Line 10">
               <a:extLst>
                 <a:ext uri="{FF2B5EF4-FFF2-40B4-BE49-F238E27FC236}">
-                  <a16:creationId xmlns:a16="http://schemas.microsoft.com/office/drawing/2014/main" id="{0D2F6A8E-8440-4A0A-8AB7-6F5D0E21145A}"/>
+                  <a16:creationId xmlns:a16="http://schemas.microsoft.com/office/drawing/2014/main" id="{83F77EB7-8586-4269-ACC6-125887E7D915}"/>
                 </a:ext>
               </a:extLst>
             </p:cNvPr>
@@ -7170,6 +7130,60 @@
           </p:txBody>
         </p:sp>
       </p:grpSp>
+    </p:spTree>
+  </p:cSld>
+  <p:clrMapOvr>
+    <a:masterClrMapping/>
+  </p:clrMapOvr>
+</p:sld>
+</file>
+
+<file path=ppt/slides/slide16.xml><?xml version="1.0" encoding="utf-8"?>
+<p:sld xmlns:a="http://schemas.openxmlformats.org/drawingml/2006/main" xmlns:r="http://schemas.openxmlformats.org/officeDocument/2006/relationships" xmlns:p="http://schemas.openxmlformats.org/presentationml/2006/main">
+  <p:cSld>
+    <p:spTree>
+      <p:nvGrpSpPr>
+        <p:cNvPr id="1" name=""/>
+        <p:cNvGrpSpPr/>
+        <p:nvPr/>
+      </p:nvGrpSpPr>
+      <p:grpSpPr>
+        <a:xfrm>
+          <a:off x="0" y="0"/>
+          <a:ext cx="0" cy="0"/>
+          <a:chOff x="0" y="0"/>
+          <a:chExt cx="0" cy="0"/>
+        </a:xfrm>
+      </p:grpSpPr>
+      <p:sp>
+        <p:nvSpPr>
+          <p:cNvPr id="18433" name="标题 1">
+            <a:extLst>
+              <a:ext uri="{FF2B5EF4-FFF2-40B4-BE49-F238E27FC236}">
+                <a16:creationId xmlns:a16="http://schemas.microsoft.com/office/drawing/2014/main" id="{1398B94B-3C59-4798-A8AF-E00F2C5F8658}"/>
+              </a:ext>
+            </a:extLst>
+          </p:cNvPr>
+          <p:cNvSpPr>
+            <a:spLocks noGrp="1" noChangeArrowheads="1"/>
+          </p:cNvSpPr>
+          <p:nvPr>
+            <p:ph type="title"/>
+          </p:nvPr>
+        </p:nvSpPr>
+        <p:spPr/>
+        <p:txBody>
+          <a:bodyPr/>
+          <a:lstStyle/>
+          <a:p>
+            <a:r>
+              <a:rPr lang="zh-CN" altLang="zh-CN" sz="3600"/>
+              <a:t>连接操作的实现（续）</a:t>
+            </a:r>
+            <a:endParaRPr lang="zh-CN" altLang="en-US" sz="3600"/>
+          </a:p>
+        </p:txBody>
+      </p:sp>
       <p:sp>
         <p:nvSpPr>
           <p:cNvPr id="18441" name="文本框 1">
@@ -7186,8 +7200,8 @@
         </p:nvSpPr>
         <p:spPr bwMode="auto">
           <a:xfrm>
-            <a:off x="142875" y="4437063"/>
-            <a:ext cx="8543925" cy="1077912"/>
+            <a:off x="683568" y="1844824"/>
+            <a:ext cx="7344815" cy="2271648"/>
           </a:xfrm>
           <a:prstGeom prst="rect">
             <a:avLst/>
@@ -7217,7 +7231,7 @@
           </a:extLst>
         </p:spPr>
         <p:txBody>
-          <a:bodyPr>
+          <a:bodyPr wrap="square">
             <a:spAutoFit/>
           </a:bodyPr>
           <a:lstStyle>
@@ -7340,30 +7354,32 @@
               <a:buChar char="•"/>
             </a:pPr>
             <a:r>
-              <a:rPr lang="en-US" altLang="zh-CN" b="1">
+              <a:rPr lang="en-US" altLang="zh-CN" sz="2000" b="1" dirty="0">
                 <a:sym typeface="Arial" panose="020B0604020202020204" pitchFamily="34" charset="0"/>
               </a:rPr>
               <a:t>Student</a:t>
             </a:r>
             <a:r>
-              <a:rPr lang="zh-CN" altLang="en-US" b="1">
+              <a:rPr lang="zh-CN" altLang="en-US" sz="2000" b="1" dirty="0">
                 <a:sym typeface="Arial" panose="020B0604020202020204" pitchFamily="34" charset="0"/>
               </a:rPr>
               <a:t>表和</a:t>
             </a:r>
             <a:r>
-              <a:rPr lang="en-US" altLang="zh-CN" b="1">
+              <a:rPr lang="en-US" altLang="zh-CN" sz="2000" b="1" dirty="0">
                 <a:sym typeface="Arial" panose="020B0604020202020204" pitchFamily="34" charset="0"/>
               </a:rPr>
               <a:t>SC</a:t>
             </a:r>
             <a:r>
-              <a:rPr lang="zh-CN" altLang="en-US" b="1">
+              <a:rPr lang="zh-CN" altLang="en-US" sz="2000" b="1" dirty="0">
                 <a:sym typeface="Arial" panose="020B0604020202020204" pitchFamily="34" charset="0"/>
               </a:rPr>
               <a:t>表都只要扫描一遍</a:t>
             </a:r>
-            <a:endParaRPr lang="zh-CN" altLang="en-US" b="1"/>
+            <a:endParaRPr lang="en-US" altLang="zh-CN" sz="2000" b="1" dirty="0">
+              <a:sym typeface="Arial" panose="020B0604020202020204" pitchFamily="34" charset="0"/>
+            </a:endParaRPr>
           </a:p>
           <a:p>
             <a:pPr>
@@ -7373,13 +7389,7 @@
               <a:buFont typeface="Arial" panose="020B0604020202020204" pitchFamily="34" charset="0"/>
               <a:buChar char="•"/>
             </a:pPr>
-            <a:r>
-              <a:rPr lang="zh-CN" altLang="en-US" b="1">
-                <a:sym typeface="Arial" panose="020B0604020202020204" pitchFamily="34" charset="0"/>
-              </a:rPr>
-              <a:t>如果两个表原来无序，执行时间要加上对两个表的排序时间</a:t>
-            </a:r>
-            <a:endParaRPr lang="zh-CN" altLang="en-US" b="1"/>
+            <a:endParaRPr lang="zh-CN" altLang="en-US" sz="2000" b="1" dirty="0"/>
           </a:p>
           <a:p>
             <a:pPr>
@@ -7390,24 +7400,52 @@
               <a:buChar char="•"/>
             </a:pPr>
             <a:r>
-              <a:rPr lang="zh-CN" altLang="en-US" b="1">
+              <a:rPr lang="zh-CN" altLang="en-US" sz="2000" b="1" dirty="0">
                 <a:sym typeface="Arial" panose="020B0604020202020204" pitchFamily="34" charset="0"/>
               </a:rPr>
+              <a:t>如果两个表原来无序，执行时间要加上对两个表的排序时间</a:t>
+            </a:r>
+            <a:endParaRPr lang="en-US" altLang="zh-CN" sz="2000" b="1" dirty="0">
+              <a:sym typeface="Arial" panose="020B0604020202020204" pitchFamily="34" charset="0"/>
+            </a:endParaRPr>
+          </a:p>
+          <a:p>
+            <a:pPr>
+              <a:lnSpc>
+                <a:spcPct val="120000"/>
+              </a:lnSpc>
+              <a:buFont typeface="Arial" panose="020B0604020202020204" pitchFamily="34" charset="0"/>
+              <a:buChar char="•"/>
+            </a:pPr>
+            <a:endParaRPr lang="zh-CN" altLang="en-US" sz="2000" b="1" dirty="0"/>
+          </a:p>
+          <a:p>
+            <a:pPr>
+              <a:lnSpc>
+                <a:spcPct val="120000"/>
+              </a:lnSpc>
+              <a:buFont typeface="Arial" panose="020B0604020202020204" pitchFamily="34" charset="0"/>
+              <a:buChar char="•"/>
+            </a:pPr>
+            <a:r>
+              <a:rPr lang="zh-CN" altLang="en-US" sz="2000" b="1" dirty="0">
+                <a:sym typeface="Arial" panose="020B0604020202020204" pitchFamily="34" charset="0"/>
+              </a:rPr>
               <a:t>对于大表，先排序后使用排序</a:t>
             </a:r>
             <a:r>
-              <a:rPr lang="en-US" altLang="zh-CN" b="1">
+              <a:rPr lang="en-US" altLang="zh-CN" sz="2000" b="1" dirty="0">
                 <a:sym typeface="Arial" panose="020B0604020202020204" pitchFamily="34" charset="0"/>
               </a:rPr>
               <a:t>-</a:t>
             </a:r>
             <a:r>
-              <a:rPr lang="zh-CN" altLang="en-US" b="1">
+              <a:rPr lang="zh-CN" altLang="en-US" sz="2000" b="1" dirty="0">
                 <a:sym typeface="Arial" panose="020B0604020202020204" pitchFamily="34" charset="0"/>
               </a:rPr>
               <a:t>合并连接算法执行连接，总的时间一般仍会减少 </a:t>
             </a:r>
-            <a:endParaRPr lang="zh-CN" altLang="en-US" b="1"/>
+            <a:endParaRPr lang="zh-CN" altLang="en-US" sz="2000" b="1" dirty="0"/>
           </a:p>
         </p:txBody>
       </p:sp>
@@ -7518,12 +7556,20 @@
               <a:buNone/>
             </a:pPr>
             <a:r>
-              <a:rPr lang="en-US" altLang="zh-CN" sz="2800"/>
+              <a:rPr lang="en-US" altLang="zh-CN" sz="2800" dirty="0"/>
               <a:t>9.1 </a:t>
             </a:r>
             <a:r>
-              <a:rPr lang="zh-CN" altLang="en-US" sz="2800"/>
-              <a:t>关系数据库系统的查询处理 </a:t>
+              <a:rPr lang="zh-CN" altLang="en-US" sz="2800" dirty="0"/>
+              <a:t>关系数据库系统的</a:t>
+            </a:r>
+            <a:r>
+              <a:rPr lang="zh-CN" altLang="en-US" sz="2800" dirty="0">
+                <a:highlight>
+                  <a:srgbClr val="FFFF00"/>
+                </a:highlight>
+              </a:rPr>
+              <a:t>查询处理 </a:t>
             </a:r>
           </a:p>
           <a:p>
@@ -7535,7 +7581,7 @@
               <a:buNone/>
             </a:pPr>
             <a:r>
-              <a:rPr lang="en-US" altLang="zh-CN" sz="2800">
+              <a:rPr lang="en-US" altLang="zh-CN" sz="2800" dirty="0">
                 <a:solidFill>
                   <a:srgbClr val="0066FF"/>
                 </a:solidFill>
@@ -7543,12 +7589,23 @@
               <a:t>9.2 </a:t>
             </a:r>
             <a:r>
-              <a:rPr lang="zh-CN" altLang="en-US" sz="2800">
+              <a:rPr lang="zh-CN" altLang="en-US" sz="2800" dirty="0">
                 <a:solidFill>
                   <a:srgbClr val="0066FF"/>
                 </a:solidFill>
               </a:rPr>
-              <a:t>关系数据库系统的查询优化 </a:t>
+              <a:t>关系数据库系统的</a:t>
+            </a:r>
+            <a:r>
+              <a:rPr lang="zh-CN" altLang="en-US" sz="2800" dirty="0">
+                <a:solidFill>
+                  <a:srgbClr val="0066FF"/>
+                </a:solidFill>
+                <a:highlight>
+                  <a:srgbClr val="FFFF00"/>
+                </a:highlight>
+              </a:rPr>
+              <a:t>查询优化 </a:t>
             </a:r>
           </a:p>
           <a:p>
@@ -7560,11 +7617,11 @@
               <a:buNone/>
             </a:pPr>
             <a:r>
-              <a:rPr lang="en-US" altLang="zh-CN" sz="2800"/>
+              <a:rPr lang="en-US" altLang="zh-CN" sz="2800" dirty="0"/>
               <a:t>9.3 </a:t>
             </a:r>
             <a:r>
-              <a:rPr lang="zh-CN" altLang="en-US" sz="2800"/>
+              <a:rPr lang="zh-CN" altLang="en-US" sz="2800" dirty="0"/>
               <a:t>代数优化 </a:t>
             </a:r>
           </a:p>
@@ -7577,11 +7634,11 @@
               <a:buNone/>
             </a:pPr>
             <a:r>
-              <a:rPr lang="en-US" altLang="zh-CN" sz="2800"/>
+              <a:rPr lang="en-US" altLang="zh-CN" sz="2800" dirty="0"/>
               <a:t>9.4 </a:t>
             </a:r>
             <a:r>
-              <a:rPr lang="zh-CN" altLang="en-US" sz="2800"/>
+              <a:rPr lang="zh-CN" altLang="en-US" sz="2800" dirty="0"/>
               <a:t>物理优化 </a:t>
             </a:r>
           </a:p>
@@ -7594,11 +7651,11 @@
               <a:buNone/>
             </a:pPr>
             <a:r>
-              <a:rPr lang="en-US" altLang="zh-CN" sz="2800"/>
+              <a:rPr lang="en-US" altLang="zh-CN" sz="2800" dirty="0"/>
               <a:t>*9.5 </a:t>
             </a:r>
             <a:r>
-              <a:rPr lang="zh-CN" altLang="en-US" sz="2800"/>
+              <a:rPr lang="zh-CN" altLang="en-US" sz="2800" dirty="0"/>
               <a:t>查询计划的执行</a:t>
             </a:r>
           </a:p>
@@ -7611,16 +7668,16 @@
               <a:buNone/>
             </a:pPr>
             <a:r>
-              <a:rPr lang="en-US" altLang="zh-CN" sz="2800"/>
+              <a:rPr lang="en-US" altLang="zh-CN" sz="2800" dirty="0"/>
               <a:t>9.6 </a:t>
             </a:r>
             <a:r>
-              <a:rPr lang="zh-CN" altLang="en-US" sz="2800"/>
+              <a:rPr lang="zh-CN" altLang="en-US" sz="2800" dirty="0"/>
               <a:t>小 结 </a:t>
             </a:r>
           </a:p>
           <a:p>
-            <a:endParaRPr lang="zh-CN" altLang="en-US"/>
+            <a:endParaRPr lang="zh-CN" altLang="en-US" dirty="0"/>
           </a:p>
         </p:txBody>
       </p:sp>
@@ -7906,11 +7963,18 @@
             </a:pPr>
             <a:r>
               <a:rPr lang="zh-CN" altLang="en-US" sz="2000" noProof="1">
+                <a:highlight>
+                  <a:srgbClr val="FFFF00"/>
+                </a:highlight>
                 <a:sym typeface="+mn-ea"/>
               </a:rPr>
               <a:t>集中式数据库</a:t>
             </a:r>
-            <a:endParaRPr lang="zh-CN" altLang="en-US" sz="2000" noProof="1"/>
+            <a:endParaRPr lang="zh-CN" altLang="en-US" sz="2000" noProof="1">
+              <a:highlight>
+                <a:srgbClr val="FFFF00"/>
+              </a:highlight>
+            </a:endParaRPr>
           </a:p>
           <a:p>
             <a:pPr lvl="2">
@@ -8065,11 +8129,18 @@
             </a:pPr>
             <a:r>
               <a:rPr lang="zh-CN" altLang="en-US" sz="2000" noProof="1">
+                <a:highlight>
+                  <a:srgbClr val="FFFF00"/>
+                </a:highlight>
                 <a:sym typeface="+mn-ea"/>
               </a:rPr>
               <a:t>分布式数据库</a:t>
             </a:r>
-            <a:endParaRPr lang="zh-CN" altLang="en-US" sz="2000" noProof="1"/>
+            <a:endParaRPr lang="zh-CN" altLang="en-US" sz="2000" noProof="1">
+              <a:highlight>
+                <a:srgbClr val="FFFF00"/>
+              </a:highlight>
+            </a:endParaRPr>
           </a:p>
           <a:p>
             <a:pPr lvl="2">
@@ -8321,15 +8392,15 @@
               <a:t>* </a:t>
             </a:r>
             <a:r>
-              <a:rPr lang="zh-CN" altLang="en-US" sz="2800" noProof="1"/>
+              <a:rPr lang="zh-CN" altLang="en-US" sz="2800" strike="sngStrike" noProof="1"/>
               <a:t>第</a:t>
             </a:r>
             <a:r>
-              <a:rPr lang="en-US" altLang="zh-CN" sz="2800" noProof="1"/>
+              <a:rPr lang="en-US" altLang="zh-CN" sz="2800" strike="sngStrike" noProof="1"/>
               <a:t>12</a:t>
             </a:r>
             <a:r>
-              <a:rPr lang="zh-CN" altLang="en-US" sz="2800" noProof="1"/>
+              <a:rPr lang="zh-CN" altLang="en-US" sz="2800" strike="sngStrike" noProof="1"/>
               <a:t>章  数据库管理系统</a:t>
             </a:r>
           </a:p>
@@ -8431,12 +8502,24 @@
               <a:t>[</a:t>
             </a:r>
             <a:r>
-              <a:rPr lang="zh-CN" altLang="en-US" dirty="0"/>
+              <a:rPr lang="zh-CN" altLang="en-US" dirty="0">
+                <a:highlight>
+                  <a:srgbClr val="FFFF00"/>
+                </a:highlight>
+              </a:rPr>
               <a:t>例</a:t>
             </a:r>
             <a:r>
+              <a:rPr lang="en-US" altLang="zh-CN" dirty="0">
+                <a:highlight>
+                  <a:srgbClr val="FFFF00"/>
+                </a:highlight>
+              </a:rPr>
+              <a:t>9.3</a:t>
+            </a:r>
+            <a:r>
               <a:rPr lang="en-US" altLang="zh-CN" dirty="0"/>
-              <a:t>9.3] </a:t>
+              <a:t>] </a:t>
             </a:r>
             <a:r>
               <a:rPr lang="zh-CN" altLang="en-US" dirty="0"/>
@@ -8463,15 +8546,15 @@
               <a:t>    </a:t>
             </a:r>
             <a:r>
-              <a:rPr lang="zh-CN" altLang="en-US" dirty="0"/>
+              <a:rPr lang="zh-CN" altLang="en-US" sz="2000" dirty="0"/>
               <a:t>用</a:t>
             </a:r>
             <a:r>
-              <a:rPr lang="en-US" altLang="zh-CN" dirty="0"/>
+              <a:rPr lang="en-US" altLang="zh-CN" sz="2000" dirty="0"/>
               <a:t>SQL</a:t>
             </a:r>
             <a:r>
-              <a:rPr lang="zh-CN" altLang="en-US" dirty="0"/>
+              <a:rPr lang="zh-CN" altLang="en-US" sz="2000" dirty="0"/>
               <a:t>表达：</a:t>
             </a:r>
           </a:p>
@@ -8523,7 +8606,7 @@
             </a:r>
             <a:r>
               <a:rPr lang="en-US" altLang="zh-CN" sz="2400" dirty="0"/>
-              <a:t>=</a:t>
+              <a:t> = </a:t>
             </a:r>
             <a:r>
               <a:rPr lang="en-US" altLang="zh-CN" sz="2400" dirty="0" err="1"/>
@@ -8560,16 +8643,28 @@
             </a:r>
             <a:r>
               <a:rPr lang="zh-CN" altLang="en-US" dirty="0"/>
-              <a:t>课程数据库中有</a:t>
-            </a:r>
+              <a:t>课程数据库中：</a:t>
+            </a:r>
+            <a:endParaRPr lang="en-US" altLang="zh-CN" dirty="0"/>
+          </a:p>
+          <a:p>
+            <a:pPr lvl="2">
+              <a:defRPr/>
+            </a:pPr>
             <a:r>
               <a:rPr lang="en-US" altLang="zh-CN" dirty="0"/>
               <a:t>1000</a:t>
             </a:r>
             <a:r>
               <a:rPr lang="zh-CN" altLang="en-US" dirty="0"/>
-              <a:t>个学生记录，</a:t>
-            </a:r>
+              <a:t>个学生记录</a:t>
+            </a:r>
+            <a:endParaRPr lang="en-US" altLang="zh-CN" dirty="0"/>
+          </a:p>
+          <a:p>
+            <a:pPr lvl="2">
+              <a:defRPr/>
+            </a:pPr>
             <a:r>
               <a:rPr lang="en-US" altLang="zh-CN" dirty="0"/>
               <a:t>10000</a:t>
@@ -8580,7 +8675,7 @@
             </a:r>
           </a:p>
           <a:p>
-            <a:pPr lvl="1">
+            <a:pPr lvl="2">
               <a:defRPr/>
             </a:pPr>
             <a:r>
@@ -8718,7 +8813,30 @@
             </a:pPr>
             <a:r>
               <a:rPr lang="zh-CN" altLang="en-US" dirty="0"/>
-              <a:t>可以用多种等价的关系代数表达式来完成这一查询</a:t>
+              <a:t>可以用多种</a:t>
+            </a:r>
+            <a:r>
+              <a:rPr lang="zh-CN" altLang="en-US" dirty="0">
+                <a:solidFill>
+                  <a:srgbClr val="FF0000"/>
+                </a:solidFill>
+                <a:highlight>
+                  <a:srgbClr val="FFFF00"/>
+                </a:highlight>
+              </a:rPr>
+              <a:t>等价的</a:t>
+            </a:r>
+            <a:r>
+              <a:rPr lang="zh-CN" altLang="en-US" dirty="0">
+                <a:highlight>
+                  <a:srgbClr val="FFFF00"/>
+                </a:highlight>
+              </a:rPr>
+              <a:t>关系代数表达式</a:t>
+            </a:r>
+            <a:r>
+              <a:rPr lang="zh-CN" altLang="en-US" dirty="0"/>
+              <a:t>来完成这一查询</a:t>
             </a:r>
           </a:p>
           <a:p>
@@ -10504,7 +10622,7 @@
           <a:graphicData uri="http://schemas.openxmlformats.org/presentationml/2006/ole">
             <mc:AlternateContent xmlns:mc="http://schemas.openxmlformats.org/markup-compatibility/2006">
               <mc:Choice xmlns:v="urn:schemas-microsoft-com:vml" Requires="v">
-                <p:oleObj spid="_x0000_s25606" r:id="rId3" imgW="357150" imgH="395416" progId="Equation.3">
+                <p:oleObj spid="_x0000_s25660" r:id="rId3" imgW="357150" imgH="395416" progId="Equation.3">
                   <p:embed/>
                 </p:oleObj>
               </mc:Choice>
@@ -10593,7 +10711,7 @@
           <a:graphicData uri="http://schemas.openxmlformats.org/presentationml/2006/ole">
             <mc:AlternateContent xmlns:mc="http://schemas.openxmlformats.org/markup-compatibility/2006">
               <mc:Choice xmlns:v="urn:schemas-microsoft-com:vml" Requires="v">
-                <p:oleObj spid="_x0000_s25607" r:id="rId5" imgW="408528" imgH="395761" progId="Equation.3">
+                <p:oleObj spid="_x0000_s25661" r:id="rId5" imgW="408528" imgH="395761" progId="Equation.3">
                   <p:embed/>
                 </p:oleObj>
               </mc:Choice>
@@ -10682,7 +10800,7 @@
           <a:graphicData uri="http://schemas.openxmlformats.org/presentationml/2006/ole">
             <mc:AlternateContent xmlns:mc="http://schemas.openxmlformats.org/markup-compatibility/2006">
               <mc:Choice xmlns:v="urn:schemas-microsoft-com:vml" Requires="v">
-                <p:oleObj spid="_x0000_s25608" r:id="rId7" imgW="535026" imgH="394900" progId="Equation.3">
+                <p:oleObj spid="_x0000_s25662" r:id="rId7" imgW="535026" imgH="394900" progId="Equation.3">
                   <p:embed/>
                 </p:oleObj>
               </mc:Choice>
@@ -10799,59 +10917,93 @@
           <a:bodyPr/>
           <a:lstStyle/>
           <a:p>
-            <a:pPr marL="742950" indent="-285750" algn="l">
+            <a:pPr marL="457200" algn="l">
               <a:lnSpc>
                 <a:spcPct val="150000"/>
               </a:lnSpc>
               <a:spcBef>
                 <a:spcPct val="20000"/>
               </a:spcBef>
-              <a:buFont typeface="Wingdings" panose="05000000000000000000" pitchFamily="2" charset="2"/>
-              <a:buChar char="n"/>
             </a:pPr>
             <a:r>
-              <a:rPr lang="en-US" altLang="zh-CN" sz="1800" i="1">
+              <a:rPr lang="en-US" altLang="zh-CN" sz="1800" i="1" dirty="0">
                 <a:sym typeface="宋体" panose="02010600030101010101" pitchFamily="2" charset="-122"/>
               </a:rPr>
               <a:t>Q</a:t>
             </a:r>
             <a:r>
-              <a:rPr lang="en-US" altLang="zh-CN" sz="1800" baseline="-25000">
+              <a:rPr lang="en-US" altLang="zh-CN" sz="1800" baseline="-25000" dirty="0">
                 <a:sym typeface="宋体" panose="02010600030101010101" pitchFamily="2" charset="-122"/>
               </a:rPr>
               <a:t>1</a:t>
             </a:r>
             <a:r>
-              <a:rPr lang="en-US" altLang="zh-CN" sz="1800">
+              <a:rPr lang="en-US" altLang="zh-CN" sz="1800" dirty="0">
                 <a:sym typeface="宋体" panose="02010600030101010101" pitchFamily="2" charset="-122"/>
               </a:rPr>
               <a:t>=π</a:t>
             </a:r>
             <a:r>
-              <a:rPr lang="en-US" altLang="zh-CN" sz="1800" baseline="-25000">
+              <a:rPr lang="en-US" altLang="zh-CN" sz="1800" baseline="-25000" dirty="0" err="1">
                 <a:sym typeface="宋体" panose="02010600030101010101" pitchFamily="2" charset="-122"/>
               </a:rPr>
               <a:t>Sname</a:t>
             </a:r>
             <a:r>
-              <a:rPr lang="en-US" altLang="zh-CN" sz="1800">
+              <a:rPr lang="en-US" altLang="zh-CN" sz="1800" dirty="0">
                 <a:sym typeface="宋体" panose="02010600030101010101" pitchFamily="2" charset="-122"/>
               </a:rPr>
-              <a:t>(σ</a:t>
-            </a:r>
-            <a:r>
-              <a:rPr lang="en-US" altLang="zh-CN" sz="1800" baseline="-25000">
+              <a:t>(</a:t>
+            </a:r>
+            <a:r>
+              <a:rPr lang="en-US" altLang="zh-CN" sz="1800" dirty="0" err="1">
                 <a:sym typeface="宋体" panose="02010600030101010101" pitchFamily="2" charset="-122"/>
               </a:rPr>
-              <a:t>Student.Sno=SC.Sno∧SC.Cno='2'</a:t>
-            </a:r>
-            <a:r>
-              <a:rPr lang="en-US" altLang="zh-CN" sz="1800">
+              <a:t>σ</a:t>
+            </a:r>
+            <a:r>
+              <a:rPr lang="en-US" altLang="zh-CN" sz="1800" baseline="-25000" dirty="0" err="1">
                 <a:sym typeface="宋体" panose="02010600030101010101" pitchFamily="2" charset="-122"/>
               </a:rPr>
-              <a:t> (Student×SC))</a:t>
-            </a:r>
-            <a:endParaRPr lang="zh-CN" altLang="en-US" sz="1800"/>
+              <a:t>Student.Sno</a:t>
+            </a:r>
+            <a:r>
+              <a:rPr lang="en-US" altLang="zh-CN" sz="1800" baseline="-25000" dirty="0">
+                <a:sym typeface="宋体" panose="02010600030101010101" pitchFamily="2" charset="-122"/>
+              </a:rPr>
+              <a:t>=</a:t>
+            </a:r>
+            <a:r>
+              <a:rPr lang="en-US" altLang="zh-CN" sz="1800" baseline="-25000" dirty="0" err="1">
+                <a:sym typeface="宋体" panose="02010600030101010101" pitchFamily="2" charset="-122"/>
+              </a:rPr>
+              <a:t>SC.Sno∧SC.Cno</a:t>
+            </a:r>
+            <a:r>
+              <a:rPr lang="en-US" altLang="zh-CN" sz="1800" baseline="-25000" dirty="0">
+                <a:sym typeface="宋体" panose="02010600030101010101" pitchFamily="2" charset="-122"/>
+              </a:rPr>
+              <a:t>='2'</a:t>
+            </a:r>
+            <a:r>
+              <a:rPr lang="en-US" altLang="zh-CN" sz="1800" dirty="0">
+                <a:sym typeface="宋体" panose="02010600030101010101" pitchFamily="2" charset="-122"/>
+              </a:rPr>
+              <a:t> (</a:t>
+            </a:r>
+            <a:r>
+              <a:rPr lang="en-US" altLang="zh-CN" sz="1800" dirty="0" err="1">
+                <a:sym typeface="宋体" panose="02010600030101010101" pitchFamily="2" charset="-122"/>
+              </a:rPr>
+              <a:t>Student×SC</a:t>
+            </a:r>
+            <a:r>
+              <a:rPr lang="en-US" altLang="zh-CN" sz="1800" dirty="0">
+                <a:sym typeface="宋体" panose="02010600030101010101" pitchFamily="2" charset="-122"/>
+              </a:rPr>
+              <a:t>))</a:t>
+            </a:r>
+            <a:endParaRPr lang="zh-CN" altLang="en-US" sz="1800" dirty="0"/>
           </a:p>
         </p:txBody>
       </p:sp>
@@ -10884,15 +11036,15 @@
               <a:buNone/>
             </a:pPr>
             <a:r>
-              <a:rPr lang="zh-CN" altLang="en-US" sz="1800"/>
+              <a:rPr lang="zh-CN" altLang="en-US" sz="1800" dirty="0"/>
               <a:t>（</a:t>
             </a:r>
             <a:r>
-              <a:rPr lang="en-US" altLang="zh-CN" sz="1800"/>
+              <a:rPr lang="en-US" altLang="zh-CN" sz="1800" dirty="0"/>
               <a:t>2</a:t>
             </a:r>
             <a:r>
-              <a:rPr lang="zh-CN" altLang="en-US" sz="1800"/>
+              <a:rPr lang="zh-CN" altLang="en-US" sz="1800" dirty="0"/>
               <a:t>）作选择操作 </a:t>
             </a:r>
           </a:p>
@@ -10903,7 +11055,7 @@
               </a:lnSpc>
             </a:pPr>
             <a:r>
-              <a:rPr lang="zh-CN" altLang="en-US" sz="1800"/>
+              <a:rPr lang="zh-CN" altLang="en-US" sz="1800" dirty="0"/>
               <a:t>依次读入连接后的元组，按照选择条件选取满足要求的记录</a:t>
             </a:r>
           </a:p>
@@ -10914,39 +11066,39 @@
               </a:lnSpc>
             </a:pPr>
             <a:r>
-              <a:rPr lang="zh-CN" altLang="en-US" sz="1800"/>
+              <a:rPr lang="zh-CN" altLang="en-US" sz="1800" dirty="0"/>
               <a:t>假定内存处理时间忽略。读取中间文件花费的时间</a:t>
             </a:r>
             <a:r>
-              <a:rPr lang="en-US" altLang="zh-CN" sz="1800"/>
+              <a:rPr lang="en-US" altLang="zh-CN" sz="1800" dirty="0"/>
               <a:t>(</a:t>
             </a:r>
             <a:r>
-              <a:rPr lang="zh-CN" altLang="en-US" sz="1800"/>
+              <a:rPr lang="zh-CN" altLang="en-US" sz="1800" dirty="0"/>
               <a:t>同写中间文件一样</a:t>
             </a:r>
             <a:r>
-              <a:rPr lang="en-US" altLang="zh-CN" sz="1800"/>
+              <a:rPr lang="en-US" altLang="zh-CN" sz="1800" dirty="0"/>
               <a:t>)</a:t>
             </a:r>
             <a:r>
-              <a:rPr lang="zh-CN" altLang="en-US" sz="1800"/>
+              <a:rPr lang="zh-CN" altLang="en-US" sz="1800" dirty="0"/>
               <a:t>需读入</a:t>
             </a:r>
             <a:r>
-              <a:rPr lang="en-US" altLang="zh-CN" sz="1800"/>
+              <a:rPr lang="en-US" altLang="zh-CN" sz="1800" dirty="0"/>
               <a:t>10</a:t>
             </a:r>
             <a:r>
-              <a:rPr lang="en-US" altLang="zh-CN" sz="1800" baseline="30000"/>
+              <a:rPr lang="en-US" altLang="zh-CN" sz="1800" baseline="30000" dirty="0"/>
               <a:t>6</a:t>
             </a:r>
             <a:r>
-              <a:rPr lang="zh-CN" altLang="en-US" sz="1800"/>
+              <a:rPr lang="zh-CN" altLang="en-US" sz="1800" dirty="0"/>
               <a:t>块。</a:t>
             </a:r>
             <a:r>
-              <a:rPr lang="en-US" altLang="zh-CN" sz="1800"/>
+              <a:rPr lang="en-US" altLang="zh-CN" sz="1800" dirty="0"/>
               <a:t> </a:t>
             </a:r>
           </a:p>
@@ -10957,19 +11109,19 @@
               </a:lnSpc>
             </a:pPr>
             <a:r>
-              <a:rPr lang="zh-CN" altLang="en-US" sz="1800"/>
+              <a:rPr lang="zh-CN" altLang="en-US" sz="1800" dirty="0"/>
               <a:t>若满足条件的元组假设仅</a:t>
             </a:r>
             <a:r>
-              <a:rPr lang="en-US" altLang="zh-CN" sz="1800"/>
+              <a:rPr lang="en-US" altLang="zh-CN" sz="1800" dirty="0"/>
               <a:t>50</a:t>
             </a:r>
             <a:r>
-              <a:rPr lang="zh-CN" altLang="en-US" sz="1800"/>
+              <a:rPr lang="zh-CN" altLang="en-US" sz="1800" dirty="0"/>
               <a:t>个，均可放在内存。</a:t>
             </a:r>
             <a:r>
-              <a:rPr lang="zh-CN" altLang="en-US"/>
+              <a:rPr lang="zh-CN" altLang="en-US" dirty="0"/>
               <a:t> </a:t>
             </a:r>
           </a:p>
@@ -10979,7 +11131,7 @@
                 <a:spcPct val="150000"/>
               </a:lnSpc>
             </a:pPr>
-            <a:endParaRPr lang="zh-CN" altLang="en-US"/>
+            <a:endParaRPr lang="zh-CN" altLang="en-US" dirty="0"/>
           </a:p>
           <a:p>
             <a:pPr marL="0" indent="0">
@@ -10987,67 +11139,67 @@
               <a:buNone/>
             </a:pPr>
             <a:r>
-              <a:rPr lang="zh-CN" altLang="en-US" sz="1800">
+              <a:rPr lang="zh-CN" altLang="en-US" sz="1800" dirty="0">
                 <a:sym typeface="宋体" panose="02010600030101010101" pitchFamily="2" charset="-122"/>
               </a:rPr>
               <a:t>（</a:t>
             </a:r>
             <a:r>
-              <a:rPr lang="en-US" altLang="zh-CN" sz="1800">
+              <a:rPr lang="en-US" altLang="zh-CN" sz="1800" dirty="0">
                 <a:sym typeface="宋体" panose="02010600030101010101" pitchFamily="2" charset="-122"/>
               </a:rPr>
               <a:t>3</a:t>
             </a:r>
             <a:r>
-              <a:rPr lang="zh-CN" altLang="en-US" sz="1800">
+              <a:rPr lang="zh-CN" altLang="en-US" sz="1800" dirty="0">
                 <a:sym typeface="宋体" panose="02010600030101010101" pitchFamily="2" charset="-122"/>
               </a:rPr>
               <a:t>）作投影操作 </a:t>
             </a:r>
-            <a:endParaRPr lang="zh-CN" altLang="en-US" sz="1800"/>
+            <a:endParaRPr lang="zh-CN" altLang="en-US" sz="1800" dirty="0"/>
           </a:p>
           <a:p>
             <a:pPr lvl="1"/>
             <a:r>
-              <a:rPr lang="zh-CN" altLang="en-US" sz="1800">
+              <a:rPr lang="zh-CN" altLang="en-US" sz="1800" dirty="0">
                 <a:sym typeface="宋体" panose="02010600030101010101" pitchFamily="2" charset="-122"/>
               </a:rPr>
               <a:t>把第（</a:t>
             </a:r>
             <a:r>
-              <a:rPr lang="en-US" altLang="zh-CN" sz="1800">
+              <a:rPr lang="en-US" altLang="zh-CN" sz="1800" dirty="0">
                 <a:sym typeface="宋体" panose="02010600030101010101" pitchFamily="2" charset="-122"/>
               </a:rPr>
               <a:t>2</a:t>
             </a:r>
             <a:r>
-              <a:rPr lang="zh-CN" altLang="en-US" sz="1800">
+              <a:rPr lang="zh-CN" altLang="en-US" sz="1800" dirty="0">
                 <a:sym typeface="宋体" panose="02010600030101010101" pitchFamily="2" charset="-122"/>
               </a:rPr>
               <a:t>）步的结果在</a:t>
             </a:r>
             <a:r>
-              <a:rPr lang="en-US" altLang="zh-CN" sz="1800">
+              <a:rPr lang="en-US" altLang="zh-CN" sz="1800" dirty="0" err="1">
                 <a:sym typeface="宋体" panose="02010600030101010101" pitchFamily="2" charset="-122"/>
               </a:rPr>
               <a:t>Sname</a:t>
             </a:r>
             <a:r>
-              <a:rPr lang="zh-CN" altLang="en-US" sz="1800">
+              <a:rPr lang="zh-CN" altLang="en-US" sz="1800" dirty="0">
                 <a:sym typeface="宋体" panose="02010600030101010101" pitchFamily="2" charset="-122"/>
               </a:rPr>
               <a:t>上作投影输出，得到最终结果 </a:t>
             </a:r>
-            <a:endParaRPr lang="zh-CN" altLang="en-US" sz="1800"/>
+            <a:endParaRPr lang="zh-CN" altLang="en-US" sz="1800" dirty="0"/>
           </a:p>
           <a:p>
             <a:pPr lvl="1"/>
-            <a:endParaRPr lang="zh-CN" altLang="en-US"/>
+            <a:endParaRPr lang="zh-CN" altLang="en-US" dirty="0"/>
           </a:p>
           <a:p>
             <a:pPr marL="0" indent="0"/>
             <a:r>
-              <a:rPr lang="zh-CN" altLang="en-US" sz="2400">
+              <a:rPr lang="zh-CN" altLang="en-US" sz="2400" dirty="0">
                 <a:solidFill>
                   <a:srgbClr val="0066FF"/>
                 </a:solidFill>
@@ -11056,37 +11208,58 @@
               <a:t>第一种情况下执行查询的总读写数据块</a:t>
             </a:r>
             <a:r>
-              <a:rPr lang="en-US" altLang="zh-CN" sz="2400">
+              <a:rPr lang="en-US" altLang="zh-CN" sz="2400" dirty="0">
                 <a:solidFill>
                   <a:srgbClr val="0066FF"/>
                 </a:solidFill>
                 <a:sym typeface="宋体" panose="02010600030101010101" pitchFamily="2" charset="-122"/>
               </a:rPr>
-              <a:t>=2100+10</a:t>
-            </a:r>
-            <a:r>
-              <a:rPr lang="en-US" altLang="zh-CN" sz="2400" baseline="30000">
+              <a:t>=</a:t>
+            </a:r>
+            <a:r>
+              <a:rPr lang="en-US" altLang="zh-CN" sz="2400" dirty="0">
                 <a:solidFill>
                   <a:srgbClr val="0066FF"/>
                 </a:solidFill>
+                <a:highlight>
+                  <a:srgbClr val="FFFF00"/>
+                </a:highlight>
                 <a:sym typeface="宋体" panose="02010600030101010101" pitchFamily="2" charset="-122"/>
               </a:rPr>
+              <a:t>2100+10</a:t>
+            </a:r>
+            <a:r>
+              <a:rPr lang="en-US" altLang="zh-CN" sz="2400" baseline="30000" dirty="0">
+                <a:solidFill>
+                  <a:srgbClr val="0066FF"/>
+                </a:solidFill>
+                <a:highlight>
+                  <a:srgbClr val="FFFF00"/>
+                </a:highlight>
+                <a:sym typeface="宋体" panose="02010600030101010101" pitchFamily="2" charset="-122"/>
+              </a:rPr>
               <a:t>6</a:t>
             </a:r>
             <a:r>
-              <a:rPr lang="en-US" altLang="zh-CN" sz="2400">
+              <a:rPr lang="en-US" altLang="zh-CN" sz="2400" dirty="0">
                 <a:solidFill>
                   <a:srgbClr val="0066FF"/>
                 </a:solidFill>
+                <a:highlight>
+                  <a:srgbClr val="FFFF00"/>
+                </a:highlight>
                 <a:sym typeface="宋体" panose="02010600030101010101" pitchFamily="2" charset="-122"/>
               </a:rPr>
               <a:t> +10</a:t>
             </a:r>
             <a:r>
-              <a:rPr lang="en-US" altLang="zh-CN" sz="2400" baseline="30000">
+              <a:rPr lang="en-US" altLang="zh-CN" sz="2400" baseline="30000" dirty="0">
                 <a:solidFill>
                   <a:srgbClr val="0066FF"/>
                 </a:solidFill>
+                <a:highlight>
+                  <a:srgbClr val="FFFF00"/>
+                </a:highlight>
                 <a:sym typeface="宋体" panose="02010600030101010101" pitchFamily="2" charset="-122"/>
               </a:rPr>
               <a:t>6</a:t>
@@ -11094,7 +11267,7 @@
           </a:p>
           <a:p>
             <a:pPr marL="0" indent="0"/>
-            <a:endParaRPr lang="zh-CN" altLang="en-US"/>
+            <a:endParaRPr lang="zh-CN" altLang="en-US" dirty="0"/>
           </a:p>
         </p:txBody>
       </p:sp>
@@ -11185,11 +11358,11 @@
               <a:buNone/>
             </a:pPr>
             <a:r>
-              <a:rPr lang="en-US" altLang="zh-CN"/>
+              <a:rPr lang="en-US" altLang="zh-CN" dirty="0"/>
               <a:t>2.</a:t>
             </a:r>
             <a:r>
-              <a:rPr lang="zh-CN" altLang="en-US"/>
+              <a:rPr lang="zh-CN" altLang="en-US" dirty="0"/>
               <a:t>第二种情况 </a:t>
             </a:r>
           </a:p>
@@ -11202,35 +11375,43 @@
               <a:buNone/>
             </a:pPr>
             <a:r>
-              <a:rPr lang="zh-CN" altLang="en-US"/>
+              <a:rPr lang="zh-CN" altLang="en-US" dirty="0"/>
               <a:t>    </a:t>
             </a:r>
             <a:r>
-              <a:rPr lang="en-US" altLang="zh-CN" i="1"/>
+              <a:rPr lang="en-US" altLang="zh-CN" i="1" dirty="0"/>
               <a:t>Q</a:t>
             </a:r>
             <a:r>
-              <a:rPr lang="en-US" altLang="zh-CN" baseline="-25000"/>
+              <a:rPr lang="en-US" altLang="zh-CN" baseline="-25000" dirty="0"/>
               <a:t>2</a:t>
             </a:r>
             <a:r>
-              <a:rPr lang="en-US" altLang="zh-CN"/>
+              <a:rPr lang="en-US" altLang="zh-CN" dirty="0"/>
               <a:t>=π</a:t>
             </a:r>
             <a:r>
-              <a:rPr lang="en-US" altLang="zh-CN" baseline="-25000"/>
+              <a:rPr lang="en-US" altLang="zh-CN" baseline="-25000" dirty="0" err="1"/>
               <a:t>Sname</a:t>
             </a:r>
             <a:r>
-              <a:rPr lang="en-US" altLang="zh-CN"/>
-              <a:t>(σ</a:t>
-            </a:r>
-            <a:r>
-              <a:rPr lang="en-US" altLang="zh-CN" baseline="-25000"/>
-              <a:t>Sc.Cno='2'</a:t>
-            </a:r>
-            <a:r>
-              <a:rPr lang="en-US" altLang="zh-CN"/>
+              <a:rPr lang="en-US" altLang="zh-CN" dirty="0"/>
+              <a:t>(</a:t>
+            </a:r>
+            <a:r>
+              <a:rPr lang="en-US" altLang="zh-CN" dirty="0" err="1"/>
+              <a:t>σ</a:t>
+            </a:r>
+            <a:r>
+              <a:rPr lang="en-US" altLang="zh-CN" baseline="-25000" dirty="0" err="1"/>
+              <a:t>Sc.Cno</a:t>
+            </a:r>
+            <a:r>
+              <a:rPr lang="en-US" altLang="zh-CN" baseline="-25000" dirty="0"/>
+              <a:t>='2'</a:t>
+            </a:r>
+            <a:r>
+              <a:rPr lang="en-US" altLang="zh-CN" dirty="0"/>
               <a:t> (Student     SC))</a:t>
             </a:r>
           </a:p>
@@ -11243,15 +11424,15 @@
               <a:buNone/>
             </a:pPr>
             <a:r>
-              <a:rPr lang="zh-CN" altLang="en-US"/>
+              <a:rPr lang="zh-CN" altLang="en-US" dirty="0"/>
               <a:t>（</a:t>
             </a:r>
             <a:r>
-              <a:rPr lang="en-US" altLang="zh-CN" sz="1800"/>
+              <a:rPr lang="en-US" altLang="zh-CN" sz="1800" dirty="0"/>
               <a:t>1</a:t>
             </a:r>
             <a:r>
-              <a:rPr lang="zh-CN" altLang="en-US" sz="1800"/>
+              <a:rPr lang="zh-CN" altLang="en-US" sz="1800" dirty="0"/>
               <a:t>）计算自然连接 </a:t>
             </a:r>
           </a:p>
@@ -11265,31 +11446,31 @@
               <a:buChar char="l"/>
             </a:pPr>
             <a:r>
-              <a:rPr lang="zh-CN" altLang="en-US" sz="1800"/>
+              <a:rPr lang="zh-CN" altLang="en-US" sz="1800" dirty="0"/>
               <a:t>执行自然连接，读取</a:t>
             </a:r>
             <a:r>
-              <a:rPr lang="en-US" altLang="zh-CN" sz="1800"/>
+              <a:rPr lang="en-US" altLang="zh-CN" sz="1800" dirty="0"/>
               <a:t>Student</a:t>
             </a:r>
             <a:r>
-              <a:rPr lang="zh-CN" altLang="en-US" sz="1800"/>
+              <a:rPr lang="zh-CN" altLang="en-US" sz="1800" dirty="0"/>
               <a:t>和</a:t>
             </a:r>
             <a:r>
-              <a:rPr lang="en-US" altLang="zh-CN" sz="1800"/>
+              <a:rPr lang="en-US" altLang="zh-CN" sz="1800" dirty="0"/>
               <a:t>SC</a:t>
             </a:r>
             <a:r>
-              <a:rPr lang="zh-CN" altLang="en-US" sz="1800"/>
+              <a:rPr lang="zh-CN" altLang="en-US" sz="1800" dirty="0"/>
               <a:t>表的策略不变，总的读取块数仍为</a:t>
             </a:r>
             <a:r>
-              <a:rPr lang="en-US" altLang="zh-CN" sz="1800"/>
+              <a:rPr lang="en-US" altLang="zh-CN" sz="1800" dirty="0"/>
               <a:t>2100</a:t>
             </a:r>
             <a:r>
-              <a:rPr lang="zh-CN" altLang="en-US" sz="1800"/>
+              <a:rPr lang="zh-CN" altLang="en-US" sz="1800" dirty="0"/>
               <a:t>块</a:t>
             </a:r>
           </a:p>
@@ -11303,19 +11484,19 @@
               <a:buChar char="l"/>
             </a:pPr>
             <a:r>
-              <a:rPr lang="zh-CN" altLang="en-US" sz="1800"/>
+              <a:rPr lang="zh-CN" altLang="en-US" sz="1800" dirty="0"/>
               <a:t>自然连接的结果比第一种情况大大减少，为</a:t>
             </a:r>
             <a:r>
-              <a:rPr lang="en-US" altLang="zh-CN" sz="1800"/>
+              <a:rPr lang="en-US" altLang="zh-CN" sz="1800" dirty="0"/>
               <a:t>10</a:t>
             </a:r>
             <a:r>
-              <a:rPr lang="en-US" altLang="zh-CN" sz="1800" baseline="30000"/>
+              <a:rPr lang="en-US" altLang="zh-CN" sz="1800" baseline="30000" dirty="0"/>
               <a:t>4</a:t>
             </a:r>
             <a:r>
-              <a:rPr lang="zh-CN" altLang="en-US" sz="1800"/>
+              <a:rPr lang="zh-CN" altLang="en-US" sz="1800" dirty="0"/>
               <a:t>个元组</a:t>
             </a:r>
           </a:p>
@@ -11329,31 +11510,31 @@
               <a:buChar char="l"/>
             </a:pPr>
             <a:r>
-              <a:rPr lang="zh-CN" altLang="en-US" sz="1800"/>
+              <a:rPr lang="zh-CN" altLang="en-US" sz="1800" dirty="0"/>
               <a:t>写出数据块</a:t>
             </a:r>
             <a:r>
-              <a:rPr lang="en-US" altLang="zh-CN" sz="1800"/>
+              <a:rPr lang="en-US" altLang="zh-CN" sz="1800" dirty="0"/>
               <a:t>=</a:t>
             </a:r>
             <a:r>
-              <a:rPr lang="zh-CN" altLang="en-US" sz="1800"/>
+              <a:rPr lang="zh-CN" altLang="en-US" sz="1800" dirty="0"/>
               <a:t> </a:t>
             </a:r>
             <a:r>
-              <a:rPr lang="en-US" altLang="zh-CN" sz="1800"/>
+              <a:rPr lang="en-US" altLang="zh-CN" sz="1800" dirty="0"/>
               <a:t>10</a:t>
             </a:r>
             <a:r>
-              <a:rPr lang="en-US" altLang="zh-CN" sz="1800" baseline="30000"/>
+              <a:rPr lang="en-US" altLang="zh-CN" sz="1800" baseline="30000" dirty="0"/>
               <a:t>3</a:t>
             </a:r>
             <a:r>
-              <a:rPr lang="en-US" altLang="zh-CN" sz="1800"/>
+              <a:rPr lang="en-US" altLang="zh-CN" sz="1800" dirty="0"/>
               <a:t> </a:t>
             </a:r>
             <a:r>
-              <a:rPr lang="zh-CN" altLang="en-US" sz="1800"/>
+              <a:rPr lang="zh-CN" altLang="en-US" sz="1800" dirty="0"/>
               <a:t>块</a:t>
             </a:r>
           </a:p>
@@ -11366,60 +11547,60 @@
               <a:buNone/>
             </a:pPr>
             <a:r>
-              <a:rPr lang="zh-CN" altLang="en-US" sz="1800">
+              <a:rPr lang="zh-CN" altLang="en-US" sz="1800" dirty="0">
                 <a:sym typeface="宋体" panose="02010600030101010101" pitchFamily="2" charset="-122"/>
               </a:rPr>
               <a:t>（</a:t>
             </a:r>
             <a:r>
-              <a:rPr lang="en-US" altLang="zh-CN" sz="1800">
+              <a:rPr lang="en-US" altLang="zh-CN" sz="1800" dirty="0">
                 <a:sym typeface="宋体" panose="02010600030101010101" pitchFamily="2" charset="-122"/>
               </a:rPr>
               <a:t>2</a:t>
             </a:r>
             <a:r>
-              <a:rPr lang="zh-CN" altLang="en-US" sz="1800">
+              <a:rPr lang="zh-CN" altLang="en-US" sz="1800" dirty="0">
                 <a:sym typeface="宋体" panose="02010600030101010101" pitchFamily="2" charset="-122"/>
               </a:rPr>
               <a:t>）读取中间文件块，执行选择运算，读取的数据块 </a:t>
             </a:r>
             <a:r>
-              <a:rPr lang="en-US" altLang="zh-CN" sz="1800">
+              <a:rPr lang="en-US" altLang="zh-CN" sz="1800" dirty="0">
                 <a:sym typeface="宋体" panose="02010600030101010101" pitchFamily="2" charset="-122"/>
               </a:rPr>
               <a:t>=</a:t>
             </a:r>
             <a:r>
-              <a:rPr lang="zh-CN" altLang="en-US" sz="1800">
+              <a:rPr lang="zh-CN" altLang="en-US" sz="1800" dirty="0">
                 <a:sym typeface="宋体" panose="02010600030101010101" pitchFamily="2" charset="-122"/>
               </a:rPr>
               <a:t> </a:t>
             </a:r>
             <a:r>
-              <a:rPr lang="en-US" altLang="zh-CN" sz="1800">
+              <a:rPr lang="en-US" altLang="zh-CN" sz="1800" dirty="0">
                 <a:sym typeface="宋体" panose="02010600030101010101" pitchFamily="2" charset="-122"/>
               </a:rPr>
               <a:t>10</a:t>
             </a:r>
             <a:r>
-              <a:rPr lang="en-US" altLang="zh-CN" sz="1800" baseline="30000">
+              <a:rPr lang="en-US" altLang="zh-CN" sz="1800" baseline="30000" dirty="0">
                 <a:sym typeface="宋体" panose="02010600030101010101" pitchFamily="2" charset="-122"/>
               </a:rPr>
               <a:t>3</a:t>
             </a:r>
             <a:r>
-              <a:rPr lang="en-US" altLang="zh-CN" sz="1800">
+              <a:rPr lang="en-US" altLang="zh-CN" sz="1800" dirty="0">
                 <a:sym typeface="宋体" panose="02010600030101010101" pitchFamily="2" charset="-122"/>
               </a:rPr>
               <a:t> </a:t>
             </a:r>
             <a:r>
-              <a:rPr lang="zh-CN" altLang="en-US" sz="1800">
+              <a:rPr lang="zh-CN" altLang="en-US" sz="1800" dirty="0">
                 <a:sym typeface="宋体" panose="02010600030101010101" pitchFamily="2" charset="-122"/>
               </a:rPr>
               <a:t>块</a:t>
             </a:r>
-            <a:endParaRPr lang="zh-CN" altLang="en-US" sz="1800"/>
+            <a:endParaRPr lang="zh-CN" altLang="en-US" sz="1800" dirty="0"/>
           </a:p>
           <a:p>
             <a:pPr marL="457200" lvl="1" indent="0">
@@ -11430,36 +11611,36 @@
               <a:buNone/>
             </a:pPr>
             <a:r>
-              <a:rPr lang="zh-CN" altLang="en-US" sz="1800">
+              <a:rPr lang="zh-CN" altLang="en-US" sz="1800" dirty="0">
                 <a:sym typeface="宋体" panose="02010600030101010101" pitchFamily="2" charset="-122"/>
               </a:rPr>
               <a:t>（</a:t>
             </a:r>
             <a:r>
-              <a:rPr lang="en-US" altLang="zh-CN" sz="1800">
+              <a:rPr lang="en-US" altLang="zh-CN" sz="1800" dirty="0">
                 <a:sym typeface="宋体" panose="02010600030101010101" pitchFamily="2" charset="-122"/>
               </a:rPr>
               <a:t>3</a:t>
             </a:r>
             <a:r>
-              <a:rPr lang="zh-CN" altLang="en-US" sz="1800">
+              <a:rPr lang="zh-CN" altLang="en-US" sz="1800" dirty="0">
                 <a:sym typeface="宋体" panose="02010600030101010101" pitchFamily="2" charset="-122"/>
               </a:rPr>
               <a:t>）把第</a:t>
             </a:r>
             <a:r>
-              <a:rPr lang="en-US" altLang="zh-CN" sz="1800">
+              <a:rPr lang="en-US" altLang="zh-CN" sz="1800" dirty="0">
                 <a:sym typeface="宋体" panose="02010600030101010101" pitchFamily="2" charset="-122"/>
               </a:rPr>
               <a:t>2</a:t>
             </a:r>
             <a:r>
-              <a:rPr lang="zh-CN" altLang="en-US" sz="1800">
+              <a:rPr lang="zh-CN" altLang="en-US" sz="1800" dirty="0">
                 <a:sym typeface="宋体" panose="02010600030101010101" pitchFamily="2" charset="-122"/>
               </a:rPr>
               <a:t>步结果投影输出。</a:t>
             </a:r>
-            <a:endParaRPr lang="zh-CN" altLang="en-US" sz="1800"/>
+            <a:endParaRPr lang="zh-CN" altLang="en-US" sz="1800" dirty="0"/>
           </a:p>
           <a:p>
             <a:pPr marL="457200" lvl="1" indent="0">
@@ -11468,7 +11649,7 @@
               </a:lnSpc>
             </a:pPr>
             <a:r>
-              <a:rPr lang="zh-CN" altLang="en-US" sz="1800">
+              <a:rPr lang="zh-CN" altLang="en-US" sz="1800" dirty="0">
                 <a:solidFill>
                   <a:srgbClr val="0066FF"/>
                 </a:solidFill>
@@ -11477,37 +11658,58 @@
               <a:t>第二种情况下执行查询的总读写数据块</a:t>
             </a:r>
             <a:r>
-              <a:rPr lang="en-US" altLang="zh-CN" sz="1800">
+              <a:rPr lang="en-US" altLang="zh-CN" sz="1800" dirty="0">
                 <a:solidFill>
                   <a:srgbClr val="0066FF"/>
                 </a:solidFill>
                 <a:sym typeface="宋体" panose="02010600030101010101" pitchFamily="2" charset="-122"/>
               </a:rPr>
-              <a:t>=2100+ 10</a:t>
-            </a:r>
-            <a:r>
-              <a:rPr lang="en-US" altLang="zh-CN" sz="1800" baseline="30000">
+              <a:t>=</a:t>
+            </a:r>
+            <a:r>
+              <a:rPr lang="en-US" altLang="zh-CN" sz="1800" dirty="0">
                 <a:solidFill>
                   <a:srgbClr val="0066FF"/>
                 </a:solidFill>
+                <a:highlight>
+                  <a:srgbClr val="FFFF00"/>
+                </a:highlight>
                 <a:sym typeface="宋体" panose="02010600030101010101" pitchFamily="2" charset="-122"/>
               </a:rPr>
+              <a:t>2100+ 10</a:t>
+            </a:r>
+            <a:r>
+              <a:rPr lang="en-US" altLang="zh-CN" sz="1800" baseline="30000" dirty="0">
+                <a:solidFill>
+                  <a:srgbClr val="0066FF"/>
+                </a:solidFill>
+                <a:highlight>
+                  <a:srgbClr val="FFFF00"/>
+                </a:highlight>
+                <a:sym typeface="宋体" panose="02010600030101010101" pitchFamily="2" charset="-122"/>
+              </a:rPr>
               <a:t>3</a:t>
             </a:r>
             <a:r>
-              <a:rPr lang="en-US" altLang="zh-CN" sz="1800">
+              <a:rPr lang="en-US" altLang="zh-CN" sz="1800" dirty="0">
                 <a:solidFill>
                   <a:srgbClr val="0066FF"/>
                 </a:solidFill>
+                <a:highlight>
+                  <a:srgbClr val="FFFF00"/>
+                </a:highlight>
                 <a:sym typeface="宋体" panose="02010600030101010101" pitchFamily="2" charset="-122"/>
               </a:rPr>
               <a:t> +10</a:t>
             </a:r>
             <a:r>
-              <a:rPr lang="en-US" altLang="zh-CN" sz="1800" baseline="30000">
+              <a:rPr lang="en-US" altLang="zh-CN" sz="1800" baseline="30000" dirty="0">
                 <a:solidFill>
                   <a:srgbClr val="0066FF"/>
                 </a:solidFill>
+                <a:highlight>
+                  <a:srgbClr val="FFFF00"/>
+                </a:highlight>
                 <a:sym typeface="宋体" panose="02010600030101010101" pitchFamily="2" charset="-122"/>
               </a:rPr>
               <a:t>3</a:t>
@@ -11520,7 +11722,7 @@
               </a:lnSpc>
             </a:pPr>
             <a:r>
-              <a:rPr lang="zh-CN" altLang="en-US" sz="1800">
+              <a:rPr lang="zh-CN" altLang="en-US" sz="1800" dirty="0">
                 <a:solidFill>
                   <a:srgbClr val="FF0000"/>
                 </a:solidFill>
@@ -11529,7 +11731,7 @@
               <a:t>其执行代价大约是第一种情况（</a:t>
             </a:r>
             <a:r>
-              <a:rPr lang="en-US" altLang="zh-CN" sz="1800">
+              <a:rPr lang="en-US" altLang="zh-CN" sz="1800" dirty="0">
                 <a:solidFill>
                   <a:srgbClr val="0066FF"/>
                 </a:solidFill>
@@ -11538,7 +11740,7 @@
               <a:t>2100+10</a:t>
             </a:r>
             <a:r>
-              <a:rPr lang="en-US" altLang="zh-CN" sz="1800" baseline="30000">
+              <a:rPr lang="en-US" altLang="zh-CN" sz="1800" baseline="30000" dirty="0">
                 <a:solidFill>
                   <a:srgbClr val="0066FF"/>
                 </a:solidFill>
@@ -11547,7 +11749,7 @@
               <a:t>6</a:t>
             </a:r>
             <a:r>
-              <a:rPr lang="en-US" altLang="zh-CN" sz="1800">
+              <a:rPr lang="en-US" altLang="zh-CN" sz="1800" dirty="0">
                 <a:solidFill>
                   <a:srgbClr val="0066FF"/>
                 </a:solidFill>
@@ -11556,7 +11758,7 @@
               <a:t> +10</a:t>
             </a:r>
             <a:r>
-              <a:rPr lang="en-US" altLang="zh-CN" sz="1800" baseline="30000">
+              <a:rPr lang="en-US" altLang="zh-CN" sz="1800" baseline="30000" dirty="0">
                 <a:solidFill>
                   <a:srgbClr val="0066FF"/>
                 </a:solidFill>
@@ -11565,7 +11767,7 @@
               <a:t>6</a:t>
             </a:r>
             <a:r>
-              <a:rPr lang="zh-CN" altLang="en-US" sz="1800">
+              <a:rPr lang="zh-CN" altLang="en-US" sz="1800" dirty="0">
                 <a:solidFill>
                   <a:srgbClr val="FF0000"/>
                 </a:solidFill>
@@ -11574,7 +11776,7 @@
               <a:t>）的</a:t>
             </a:r>
             <a:r>
-              <a:rPr lang="en-US" altLang="zh-CN" sz="1800">
+              <a:rPr lang="en-US" altLang="zh-CN" sz="1800" dirty="0">
                 <a:solidFill>
                   <a:srgbClr val="FF0000"/>
                 </a:solidFill>
@@ -11583,7 +11785,7 @@
               <a:t>488</a:t>
             </a:r>
             <a:r>
-              <a:rPr lang="zh-CN" altLang="en-US" sz="1800">
+              <a:rPr lang="zh-CN" altLang="en-US" sz="1800" dirty="0">
                 <a:solidFill>
                   <a:srgbClr val="FF0000"/>
                 </a:solidFill>
@@ -11610,7 +11812,7 @@
         </p:nvGrpSpPr>
         <p:grpSpPr bwMode="auto">
           <a:xfrm>
-            <a:off x="5076825" y="1835150"/>
+            <a:off x="4932040" y="1811412"/>
             <a:ext cx="1600200" cy="825500"/>
             <a:chOff x="2325" y="6446"/>
             <a:chExt cx="705" cy="367"/>
@@ -12249,7 +12451,19 @@
                 </a:solidFill>
                 <a:sym typeface="+mn-ea"/>
               </a:rPr>
-              <a:t>=100+100</a:t>
+              <a:t>=</a:t>
+            </a:r>
+            <a:r>
+              <a:rPr lang="en-US" altLang="zh-CN" sz="2000" dirty="0">
+                <a:solidFill>
+                  <a:srgbClr val="0066FF"/>
+                </a:solidFill>
+                <a:highlight>
+                  <a:srgbClr val="FFFF00"/>
+                </a:highlight>
+                <a:sym typeface="+mn-ea"/>
+              </a:rPr>
+              <a:t>100+100</a:t>
             </a:r>
           </a:p>
           <a:p>
@@ -12280,10 +12494,33 @@
                 </a:solidFill>
                 <a:sym typeface="+mn-ea"/>
               </a:rPr>
-              <a:t>其执行代价大约是第一种情况（</a:t>
-            </a:r>
-            <a:r>
-              <a:rPr lang="en-US" altLang="zh-CN" sz="2000" dirty="0">
+              <a:t>其执行代价大约</a:t>
+            </a:r>
+            <a:endParaRPr lang="en-US" altLang="zh-CN" sz="2000" dirty="0">
+              <a:solidFill>
+                <a:srgbClr val="FF0000"/>
+              </a:solidFill>
+              <a:sym typeface="+mn-ea"/>
+            </a:endParaRPr>
+          </a:p>
+          <a:p>
+            <a:pPr lvl="2">
+              <a:lnSpc>
+                <a:spcPct val="120000"/>
+              </a:lnSpc>
+              <a:defRPr/>
+            </a:pPr>
+            <a:r>
+              <a:rPr lang="zh-CN" altLang="en-US" sz="1800" dirty="0">
+                <a:solidFill>
+                  <a:srgbClr val="FF0000"/>
+                </a:solidFill>
+                <a:sym typeface="+mn-ea"/>
+              </a:rPr>
+              <a:t>是第一种情况（</a:t>
+            </a:r>
+            <a:r>
+              <a:rPr lang="en-US" altLang="zh-CN" sz="1800" dirty="0">
                 <a:solidFill>
                   <a:srgbClr val="0066FF"/>
                 </a:solidFill>
@@ -12293,7 +12530,7 @@
               <a:t>2100+10</a:t>
             </a:r>
             <a:r>
-              <a:rPr lang="en-US" altLang="zh-CN" sz="2000" baseline="30000" dirty="0">
+              <a:rPr lang="en-US" altLang="zh-CN" sz="1800" baseline="30000" dirty="0">
                 <a:solidFill>
                   <a:srgbClr val="0066FF"/>
                 </a:solidFill>
@@ -12303,7 +12540,7 @@
               <a:t>6</a:t>
             </a:r>
             <a:r>
-              <a:rPr lang="en-US" altLang="zh-CN" sz="2000" dirty="0">
+              <a:rPr lang="en-US" altLang="zh-CN" sz="1800" dirty="0">
                 <a:solidFill>
                   <a:srgbClr val="0066FF"/>
                 </a:solidFill>
@@ -12313,7 +12550,7 @@
               <a:t> +10</a:t>
             </a:r>
             <a:r>
-              <a:rPr lang="en-US" altLang="zh-CN" sz="2000" baseline="30000" dirty="0">
+              <a:rPr lang="en-US" altLang="zh-CN" sz="1800" baseline="30000" dirty="0">
                 <a:solidFill>
                   <a:srgbClr val="0066FF"/>
                 </a:solidFill>
@@ -12323,16 +12560,30 @@
               <a:t>6</a:t>
             </a:r>
             <a:r>
-              <a:rPr lang="zh-CN" altLang="en-US" sz="2000" dirty="0">
+              <a:rPr lang="zh-CN" altLang="en-US" sz="1800" dirty="0">
                 <a:solidFill>
                   <a:srgbClr val="FF0000"/>
                 </a:solidFill>
                 <a:sym typeface="+mn-ea"/>
               </a:rPr>
-              <a:t>）的万分之一，</a:t>
-            </a:r>
-            <a:r>
-              <a:rPr lang="zh-CN" altLang="en-US" sz="2000" dirty="0">
+              <a:t>）的万分之一</a:t>
+            </a:r>
+            <a:endParaRPr lang="en-US" altLang="zh-CN" sz="1800" dirty="0">
+              <a:solidFill>
+                <a:srgbClr val="FF0000"/>
+              </a:solidFill>
+              <a:sym typeface="+mn-ea"/>
+            </a:endParaRPr>
+          </a:p>
+          <a:p>
+            <a:pPr lvl="2">
+              <a:lnSpc>
+                <a:spcPct val="120000"/>
+              </a:lnSpc>
+              <a:defRPr/>
+            </a:pPr>
+            <a:r>
+              <a:rPr lang="zh-CN" altLang="en-US" sz="1800" dirty="0">
                 <a:solidFill>
                   <a:srgbClr val="FF0000"/>
                 </a:solidFill>
@@ -12342,7 +12593,7 @@
               <a:t>是第二种</a:t>
             </a:r>
             <a:r>
-              <a:rPr lang="zh-CN" altLang="en-US" sz="1830" dirty="0">
+              <a:rPr lang="zh-CN" altLang="en-US" sz="1630" dirty="0">
                 <a:solidFill>
                   <a:srgbClr val="FF0000"/>
                 </a:solidFill>
@@ -12351,7 +12602,7 @@
               <a:t>情</a:t>
             </a:r>
             <a:r>
-              <a:rPr lang="zh-CN" altLang="en-US" sz="2000" dirty="0">
+              <a:rPr lang="zh-CN" altLang="en-US" sz="1800" dirty="0">
                 <a:solidFill>
                   <a:srgbClr val="FF0000"/>
                 </a:solidFill>
@@ -12360,7 +12611,7 @@
               <a:t>况（</a:t>
             </a:r>
             <a:r>
-              <a:rPr lang="en-US" altLang="zh-CN" sz="2000" dirty="0">
+              <a:rPr lang="en-US" altLang="zh-CN" sz="1800" dirty="0">
                 <a:solidFill>
                   <a:srgbClr val="0066FF"/>
                 </a:solidFill>
@@ -12369,7 +12620,7 @@
               <a:t>2100+ 10</a:t>
             </a:r>
             <a:r>
-              <a:rPr lang="en-US" altLang="zh-CN" sz="2000" baseline="30000" dirty="0">
+              <a:rPr lang="en-US" altLang="zh-CN" sz="1800" baseline="30000" dirty="0">
                 <a:solidFill>
                   <a:srgbClr val="0066FF"/>
                 </a:solidFill>
@@ -12378,7 +12629,7 @@
               <a:t>3</a:t>
             </a:r>
             <a:r>
-              <a:rPr lang="en-US" altLang="zh-CN" sz="2000" dirty="0">
+              <a:rPr lang="en-US" altLang="zh-CN" sz="1800" dirty="0">
                 <a:solidFill>
                   <a:srgbClr val="0066FF"/>
                 </a:solidFill>
@@ -12387,7 +12638,7 @@
               <a:t> +10</a:t>
             </a:r>
             <a:r>
-              <a:rPr lang="en-US" altLang="zh-CN" sz="2000" baseline="30000" dirty="0">
+              <a:rPr lang="en-US" altLang="zh-CN" sz="1800" baseline="30000" dirty="0">
                 <a:solidFill>
                   <a:srgbClr val="0066FF"/>
                 </a:solidFill>
@@ -12396,7 +12647,7 @@
               <a:t>3</a:t>
             </a:r>
             <a:r>
-              <a:rPr lang="zh-CN" altLang="en-US" sz="2000" dirty="0">
+              <a:rPr lang="zh-CN" altLang="en-US" sz="1800" dirty="0">
                 <a:solidFill>
                   <a:srgbClr val="FF0000"/>
                 </a:solidFill>
@@ -12405,7 +12656,7 @@
               <a:t>）的</a:t>
             </a:r>
             <a:r>
-              <a:rPr lang="en-US" altLang="zh-CN" sz="2000" dirty="0">
+              <a:rPr lang="en-US" altLang="zh-CN" sz="1800" dirty="0">
                 <a:solidFill>
                   <a:srgbClr val="FF0000"/>
                 </a:solidFill>
@@ -12414,7 +12665,7 @@
               <a:t>20</a:t>
             </a:r>
             <a:r>
-              <a:rPr lang="zh-CN" altLang="en-US" sz="2000" dirty="0">
+              <a:rPr lang="zh-CN" altLang="en-US" sz="1800" dirty="0">
                 <a:solidFill>
                   <a:srgbClr val="FF0000"/>
                 </a:solidFill>
@@ -12422,7 +12673,7 @@
               </a:rPr>
               <a:t>分之一</a:t>
             </a:r>
-            <a:endParaRPr lang="zh-CN" altLang="en-US" sz="2000" dirty="0">
+            <a:endParaRPr lang="zh-CN" altLang="en-US" sz="1800" dirty="0">
               <a:solidFill>
                 <a:srgbClr val="FF0000"/>
               </a:solidFill>
@@ -12862,7 +13113,8 @@
           <a:bodyPr/>
           <a:lstStyle/>
           <a:p>
-            <a:pPr>
+            <a:pPr marL="0" indent="0">
+              <a:buNone/>
               <a:defRPr/>
             </a:pPr>
             <a:r>
@@ -13132,8 +13384,8 @@
         </p:nvSpPr>
         <p:spPr bwMode="auto">
           <a:xfrm>
-            <a:off x="3602038" y="2205038"/>
-            <a:ext cx="1150937" cy="576262"/>
+            <a:off x="3602039" y="2205037"/>
+            <a:ext cx="753938" cy="685035"/>
           </a:xfrm>
           <a:prstGeom prst="downArrow">
             <a:avLst>
@@ -13141,9 +13393,30 @@
               <a:gd name="adj2" fmla="val 25000"/>
             </a:avLst>
           </a:prstGeom>
-          <a:solidFill>
-            <a:srgbClr val="EEE678"/>
-          </a:solidFill>
+          <a:gradFill flip="none" rotWithShape="1">
+            <a:gsLst>
+              <a:gs pos="0">
+                <a:srgbClr val="EEE678">
+                  <a:shade val="30000"/>
+                  <a:satMod val="115000"/>
+                </a:srgbClr>
+              </a:gs>
+              <a:gs pos="50000">
+                <a:srgbClr val="EEE678">
+                  <a:shade val="67500"/>
+                  <a:satMod val="115000"/>
+                </a:srgbClr>
+              </a:gs>
+              <a:gs pos="100000">
+                <a:srgbClr val="EEE678">
+                  <a:shade val="100000"/>
+                  <a:satMod val="115000"/>
+                </a:srgbClr>
+              </a:gs>
+            </a:gsLst>
+            <a:lin ang="16200000" scaled="1"/>
+            <a:tileRect/>
+          </a:gradFill>
           <a:ln w="25400">
             <a:solidFill>
               <a:schemeClr val="tx1"/>
@@ -14103,7 +14376,19 @@
             </a:r>
             <a:r>
               <a:rPr lang="zh-CN" altLang="en-US" dirty="0"/>
-              <a:t>表的选择操作算法有全表扫描或索引扫描，经过初步估算，索引扫描方法较优。</a:t>
+              <a:t>表的选择操作算法有全表扫描或索引扫描，经过初步估算，</a:t>
+            </a:r>
+            <a:r>
+              <a:rPr lang="zh-CN" altLang="en-US" dirty="0">
+                <a:solidFill>
+                  <a:srgbClr val="FF0000"/>
+                </a:solidFill>
+              </a:rPr>
+              <a:t>索引扫描方法</a:t>
+            </a:r>
+            <a:r>
+              <a:rPr lang="zh-CN" altLang="en-US" dirty="0"/>
+              <a:t>较优。</a:t>
             </a:r>
           </a:p>
           <a:p>
@@ -14499,7 +14784,7 @@
               <a:buNone/>
             </a:pPr>
             <a:r>
-              <a:rPr lang="en-US" altLang="zh-CN" sz="2800">
+              <a:rPr lang="en-US" altLang="zh-CN" sz="2800" dirty="0">
                 <a:solidFill>
                   <a:srgbClr val="0066FF"/>
                 </a:solidFill>
@@ -14507,12 +14792,23 @@
               <a:t>9.1 </a:t>
             </a:r>
             <a:r>
-              <a:rPr lang="zh-CN" altLang="en-US" sz="2800">
+              <a:rPr lang="zh-CN" altLang="en-US" sz="2800" dirty="0">
                 <a:solidFill>
                   <a:srgbClr val="0066FF"/>
                 </a:solidFill>
               </a:rPr>
-              <a:t>关系数据库系统的查询处理 </a:t>
+              <a:t>关系数据库系统的</a:t>
+            </a:r>
+            <a:r>
+              <a:rPr lang="zh-CN" altLang="en-US" sz="2800" dirty="0">
+                <a:solidFill>
+                  <a:srgbClr val="0066FF"/>
+                </a:solidFill>
+                <a:highlight>
+                  <a:srgbClr val="FFFF00"/>
+                </a:highlight>
+              </a:rPr>
+              <a:t>查询处理 </a:t>
             </a:r>
           </a:p>
           <a:p>
@@ -14524,12 +14820,20 @@
               <a:buNone/>
             </a:pPr>
             <a:r>
-              <a:rPr lang="en-US" altLang="zh-CN" sz="2800"/>
+              <a:rPr lang="en-US" altLang="zh-CN" sz="2800" dirty="0"/>
               <a:t>9.2 </a:t>
             </a:r>
             <a:r>
-              <a:rPr lang="zh-CN" altLang="en-US" sz="2800"/>
-              <a:t>关系数据库系统的查询优化 </a:t>
+              <a:rPr lang="zh-CN" altLang="en-US" sz="2800" dirty="0"/>
+              <a:t>关系数据库系统的</a:t>
+            </a:r>
+            <a:r>
+              <a:rPr lang="zh-CN" altLang="en-US" sz="2800" dirty="0">
+                <a:highlight>
+                  <a:srgbClr val="FFFF00"/>
+                </a:highlight>
+              </a:rPr>
+              <a:t>查询优化 </a:t>
             </a:r>
           </a:p>
           <a:p>
@@ -14541,11 +14845,11 @@
               <a:buNone/>
             </a:pPr>
             <a:r>
-              <a:rPr lang="en-US" altLang="zh-CN" sz="2800"/>
+              <a:rPr lang="en-US" altLang="zh-CN" sz="2800" dirty="0"/>
               <a:t>9.3 </a:t>
             </a:r>
             <a:r>
-              <a:rPr lang="zh-CN" altLang="en-US" sz="2800"/>
+              <a:rPr lang="zh-CN" altLang="en-US" sz="2800" dirty="0"/>
               <a:t>代数优化 </a:t>
             </a:r>
           </a:p>
@@ -14558,11 +14862,11 @@
               <a:buNone/>
             </a:pPr>
             <a:r>
-              <a:rPr lang="en-US" altLang="zh-CN" sz="2800"/>
+              <a:rPr lang="en-US" altLang="zh-CN" sz="2800" dirty="0"/>
               <a:t>9.4 </a:t>
             </a:r>
             <a:r>
-              <a:rPr lang="zh-CN" altLang="en-US" sz="2800"/>
+              <a:rPr lang="zh-CN" altLang="en-US" sz="2800" dirty="0"/>
               <a:t>物理优化 </a:t>
             </a:r>
           </a:p>
@@ -14575,11 +14879,11 @@
               <a:buNone/>
             </a:pPr>
             <a:r>
-              <a:rPr lang="en-US" altLang="zh-CN" sz="2800"/>
+              <a:rPr lang="en-US" altLang="zh-CN" sz="2800" dirty="0"/>
               <a:t>*9.5 </a:t>
             </a:r>
             <a:r>
-              <a:rPr lang="zh-CN" altLang="en-US" sz="2800"/>
+              <a:rPr lang="zh-CN" altLang="en-US" sz="2800" dirty="0"/>
               <a:t>查询计划的执行</a:t>
             </a:r>
           </a:p>
@@ -14592,16 +14896,16 @@
               <a:buNone/>
             </a:pPr>
             <a:r>
-              <a:rPr lang="en-US" altLang="zh-CN" sz="2800"/>
+              <a:rPr lang="en-US" altLang="zh-CN" sz="2800" dirty="0"/>
               <a:t>9.6 </a:t>
             </a:r>
             <a:r>
-              <a:rPr lang="zh-CN" altLang="en-US" sz="2800"/>
+              <a:rPr lang="zh-CN" altLang="en-US" sz="2800" dirty="0"/>
               <a:t>小 结 </a:t>
             </a:r>
           </a:p>
           <a:p>
-            <a:endParaRPr lang="zh-CN" altLang="en-US"/>
+            <a:endParaRPr lang="zh-CN" altLang="en-US" dirty="0"/>
           </a:p>
         </p:txBody>
       </p:sp>
@@ -14678,7 +14982,12 @@
             <p:ph idx="1"/>
           </p:nvPr>
         </p:nvSpPr>
-        <p:spPr/>
+        <p:spPr>
+          <a:xfrm>
+            <a:off x="457200" y="908720"/>
+            <a:ext cx="8229600" cy="3313286"/>
+          </a:xfrm>
+        </p:spPr>
         <p:txBody>
           <a:bodyPr/>
           <a:lstStyle/>
@@ -14689,17 +14998,50 @@
               </a:lnSpc>
             </a:pPr>
             <a:r>
-              <a:rPr lang="zh-CN" altLang="en-US"/>
-              <a:t>代数优化策略：通过对关系代数表达式的等价变换来提高查询效率 </a:t>
-            </a:r>
-          </a:p>
-          <a:p>
-            <a:pPr>
+              <a:rPr lang="zh-CN" altLang="en-US" dirty="0"/>
+              <a:t>代数优化策略：</a:t>
+            </a:r>
+            <a:endParaRPr lang="en-US" altLang="zh-CN" dirty="0"/>
+          </a:p>
+          <a:p>
+            <a:pPr marL="0" indent="0">
               <a:lnSpc>
                 <a:spcPct val="120000"/>
               </a:lnSpc>
+              <a:buNone/>
             </a:pPr>
-            <a:endParaRPr lang="zh-CN" altLang="en-US"/>
+            <a:r>
+              <a:rPr lang="zh-CN" altLang="en-US" sz="2400" dirty="0"/>
+              <a:t>通过对</a:t>
+            </a:r>
+            <a:r>
+              <a:rPr lang="zh-CN" altLang="en-US" sz="2400" dirty="0">
+                <a:highlight>
+                  <a:srgbClr val="FFFF00"/>
+                </a:highlight>
+              </a:rPr>
+              <a:t>关系代数表达式</a:t>
+            </a:r>
+            <a:r>
+              <a:rPr lang="zh-CN" altLang="en-US" sz="2400" dirty="0"/>
+              <a:t>的</a:t>
+            </a:r>
+            <a:r>
+              <a:rPr lang="zh-CN" altLang="en-US" sz="2400" dirty="0">
+                <a:solidFill>
+                  <a:srgbClr val="FF0000"/>
+                </a:solidFill>
+              </a:rPr>
+              <a:t>等价变换</a:t>
+            </a:r>
+            <a:r>
+              <a:rPr lang="zh-CN" altLang="en-US" sz="2400" dirty="0"/>
+              <a:t>来提高查询效率</a:t>
+            </a:r>
+            <a:r>
+              <a:rPr lang="zh-CN" altLang="en-US" dirty="0"/>
+              <a:t> </a:t>
+            </a:r>
           </a:p>
           <a:p>
             <a:pPr lvl="1">
@@ -14708,8 +15050,8 @@
               </a:lnSpc>
             </a:pPr>
             <a:r>
-              <a:rPr lang="zh-CN" altLang="en-US"/>
-              <a:t>关系代数表达式的等价：指用相同的关系代替两个表达式中相应的关系所得到的结果是相同的</a:t>
+              <a:rPr lang="zh-CN" altLang="en-US" sz="2000" dirty="0"/>
+              <a:t>关系代数表达式的等价：得到的结果相同</a:t>
             </a:r>
           </a:p>
           <a:p>
@@ -14719,51 +15061,47 @@
               </a:lnSpc>
             </a:pPr>
             <a:r>
-              <a:rPr lang="zh-CN" altLang="en-US"/>
-              <a:t>两个关系表达式</a:t>
-            </a:r>
-            <a:r>
-              <a:rPr lang="en-US" altLang="zh-CN"/>
+              <a:rPr lang="en-US" altLang="zh-CN" sz="2000" dirty="0"/>
               <a:t>E</a:t>
             </a:r>
             <a:r>
-              <a:rPr lang="en-US" altLang="zh-CN" baseline="-25000"/>
+              <a:rPr lang="en-US" altLang="zh-CN" sz="2000" baseline="-25000" dirty="0"/>
               <a:t>1</a:t>
             </a:r>
             <a:r>
-              <a:rPr lang="zh-CN" altLang="en-US"/>
+              <a:rPr lang="zh-CN" altLang="en-US" sz="2000" dirty="0"/>
               <a:t>和</a:t>
             </a:r>
             <a:r>
-              <a:rPr lang="en-US" altLang="zh-CN"/>
+              <a:rPr lang="en-US" altLang="zh-CN" sz="2000" dirty="0"/>
               <a:t>E</a:t>
             </a:r>
             <a:r>
-              <a:rPr lang="en-US" altLang="zh-CN" baseline="-25000"/>
+              <a:rPr lang="en-US" altLang="zh-CN" sz="2000" baseline="-25000" dirty="0"/>
               <a:t>2</a:t>
             </a:r>
             <a:r>
-              <a:rPr lang="zh-CN" altLang="en-US"/>
+              <a:rPr lang="zh-CN" altLang="en-US" sz="2000" dirty="0"/>
               <a:t>是等价的，可记为</a:t>
             </a:r>
             <a:r>
-              <a:rPr lang="en-US" altLang="zh-CN"/>
+              <a:rPr lang="en-US" altLang="zh-CN" sz="2000" dirty="0"/>
               <a:t>E</a:t>
             </a:r>
             <a:r>
-              <a:rPr lang="en-US" altLang="zh-CN" baseline="-25000"/>
+              <a:rPr lang="en-US" altLang="zh-CN" sz="2000" baseline="-25000" dirty="0"/>
               <a:t>1</a:t>
             </a:r>
             <a:r>
-              <a:rPr lang="en-US" altLang="zh-CN"/>
+              <a:rPr lang="en-US" altLang="zh-CN" sz="2000" dirty="0"/>
               <a:t>≡E</a:t>
             </a:r>
             <a:r>
-              <a:rPr lang="en-US" altLang="zh-CN" baseline="-25000"/>
+              <a:rPr lang="en-US" altLang="zh-CN" sz="2000" baseline="-25000" dirty="0"/>
               <a:t>2</a:t>
             </a:r>
             <a:r>
-              <a:rPr lang="en-US" altLang="zh-CN"/>
+              <a:rPr lang="en-US" altLang="zh-CN" sz="2000" dirty="0"/>
               <a:t>  </a:t>
             </a:r>
           </a:p>
@@ -14774,27 +15112,104 @@
               </a:lnSpc>
             </a:pPr>
             <a:r>
-              <a:rPr lang="zh-CN" altLang="en-US"/>
-              <a:t>等价变换规则</a:t>
-            </a:r>
-            <a:r>
-              <a:rPr lang="en-US" altLang="zh-CN"/>
+              <a:rPr lang="zh-CN" altLang="en-US" sz="2000" dirty="0"/>
+              <a:t>等价变换规则：</a:t>
+            </a:r>
+            <a:r>
+              <a:rPr lang="en-US" altLang="zh-CN" sz="2000" dirty="0"/>
               <a:t>11</a:t>
             </a:r>
             <a:r>
-              <a:rPr lang="zh-CN" altLang="en-US"/>
-              <a:t>个公式 </a:t>
-            </a:r>
-            <a:r>
-              <a:rPr lang="en-US" altLang="zh-CN"/>
+              <a:rPr lang="zh-CN" altLang="en-US" sz="2000" dirty="0"/>
+              <a:t>个公式 （</a:t>
+            </a:r>
+            <a:r>
+              <a:rPr lang="en-US" altLang="zh-CN" sz="2000" dirty="0"/>
               <a:t>P281</a:t>
             </a:r>
-          </a:p>
-          <a:p>
-            <a:endParaRPr lang="zh-CN" altLang="en-US"/>
+            <a:r>
+              <a:rPr lang="zh-CN" altLang="en-US" sz="2000" dirty="0"/>
+              <a:t>）</a:t>
+            </a:r>
+            <a:endParaRPr lang="en-US" altLang="zh-CN" sz="2000" dirty="0"/>
+          </a:p>
+          <a:p>
+            <a:endParaRPr lang="zh-CN" altLang="en-US" dirty="0"/>
           </a:p>
         </p:txBody>
       </p:sp>
+      <p:pic>
+        <p:nvPicPr>
+          <p:cNvPr id="3" name="图片 2">
+            <a:extLst>
+              <a:ext uri="{FF2B5EF4-FFF2-40B4-BE49-F238E27FC236}">
+                <a16:creationId xmlns:a16="http://schemas.microsoft.com/office/drawing/2014/main" id="{C2B35CF3-9DB8-446F-8726-5296A7BB3D11}"/>
+              </a:ext>
+            </a:extLst>
+          </p:cNvPr>
+          <p:cNvPicPr>
+            <a:picLocks noChangeAspect="1"/>
+          </p:cNvPicPr>
+          <p:nvPr/>
+        </p:nvPicPr>
+        <p:blipFill>
+          <a:blip r:embed="rId2">
+            <a:extLst>
+              <a:ext uri="{28A0092B-C50C-407E-A947-70E740481C1C}">
+                <a14:useLocalDpi xmlns:a14="http://schemas.microsoft.com/office/drawing/2010/main" val="0"/>
+              </a:ext>
+            </a:extLst>
+          </a:blip>
+          <a:stretch>
+            <a:fillRect/>
+          </a:stretch>
+        </p:blipFill>
+        <p:spPr>
+          <a:xfrm>
+            <a:off x="947864" y="3332638"/>
+            <a:ext cx="3048072" cy="3455964"/>
+          </a:xfrm>
+          <a:prstGeom prst="rect">
+            <a:avLst/>
+          </a:prstGeom>
+        </p:spPr>
+      </p:pic>
+      <p:pic>
+        <p:nvPicPr>
+          <p:cNvPr id="5" name="图片 4">
+            <a:extLst>
+              <a:ext uri="{FF2B5EF4-FFF2-40B4-BE49-F238E27FC236}">
+                <a16:creationId xmlns:a16="http://schemas.microsoft.com/office/drawing/2014/main" id="{F6839AE7-F0CD-4101-BEB0-46A170F1DF8F}"/>
+              </a:ext>
+            </a:extLst>
+          </p:cNvPr>
+          <p:cNvPicPr>
+            <a:picLocks noChangeAspect="1"/>
+          </p:cNvPicPr>
+          <p:nvPr/>
+        </p:nvPicPr>
+        <p:blipFill>
+          <a:blip r:embed="rId3">
+            <a:extLst>
+              <a:ext uri="{28A0092B-C50C-407E-A947-70E740481C1C}">
+                <a14:useLocalDpi xmlns:a14="http://schemas.microsoft.com/office/drawing/2010/main" val="0"/>
+              </a:ext>
+            </a:extLst>
+          </a:blip>
+          <a:stretch>
+            <a:fillRect/>
+          </a:stretch>
+        </p:blipFill>
+        <p:spPr>
+          <a:xfrm>
+            <a:off x="4636994" y="3332637"/>
+            <a:ext cx="4049806" cy="3455963"/>
+          </a:xfrm>
+          <a:prstGeom prst="rect">
+            <a:avLst/>
+          </a:prstGeom>
+        </p:spPr>
+      </p:pic>
     </p:spTree>
   </p:cSld>
   <p:clrMapOvr>
@@ -14882,7 +15297,15 @@
             </a:pPr>
             <a:r>
               <a:rPr lang="zh-CN" altLang="en-US" dirty="0"/>
-              <a:t>典型的启发式规则</a:t>
+              <a:t>典型的</a:t>
+            </a:r>
+            <a:r>
+              <a:rPr lang="zh-CN" altLang="en-US" dirty="0">
+                <a:highlight>
+                  <a:srgbClr val="FFFF00"/>
+                </a:highlight>
+              </a:rPr>
+              <a:t>启发式规则</a:t>
             </a:r>
           </a:p>
           <a:p>
@@ -15181,7 +15604,7 @@
               <a:rPr lang="en-US" altLang="zh-CN" sz="2000" dirty="0">
                 <a:sym typeface="+mn-ea"/>
               </a:rPr>
-              <a:t>	FROM      Student, SC</a:t>
+              <a:t>	   FROM      Student, SC</a:t>
             </a:r>
             <a:endParaRPr lang="zh-CN" altLang="en-US" sz="2000" dirty="0"/>
           </a:p>
@@ -15195,7 +15618,7 @@
               <a:rPr lang="en-US" altLang="zh-CN" sz="2000" dirty="0">
                 <a:sym typeface="+mn-ea"/>
               </a:rPr>
-              <a:t>	WHERE   </a:t>
+              <a:t>	   WHERE   </a:t>
             </a:r>
             <a:r>
               <a:rPr lang="en-US" altLang="zh-CN" sz="2000" dirty="0" err="1">
@@ -15219,7 +15642,7 @@
               <a:rPr lang="en-US" altLang="zh-CN" sz="2000" dirty="0">
                 <a:sym typeface="+mn-ea"/>
               </a:rPr>
-              <a:t> AND 	</a:t>
+              <a:t> AND </a:t>
             </a:r>
             <a:r>
               <a:rPr lang="en-US" altLang="zh-CN" sz="2000" dirty="0" err="1">
@@ -15343,29 +15766,33 @@
           <a:prstGeom prst="rect">
             <a:avLst/>
           </a:prstGeom>
-          <a:noFill/>
+          <a:gradFill flip="none" rotWithShape="1">
+            <a:gsLst>
+              <a:gs pos="0">
+                <a:srgbClr val="92D050">
+                  <a:tint val="66000"/>
+                  <a:satMod val="160000"/>
+                </a:srgbClr>
+              </a:gs>
+              <a:gs pos="50000">
+                <a:srgbClr val="92D050">
+                  <a:tint val="44500"/>
+                  <a:satMod val="160000"/>
+                </a:srgbClr>
+              </a:gs>
+              <a:gs pos="100000">
+                <a:srgbClr val="92D050">
+                  <a:tint val="23500"/>
+                  <a:satMod val="160000"/>
+                </a:srgbClr>
+              </a:gs>
+            </a:gsLst>
+            <a:lin ang="2700000" scaled="1"/>
+            <a:tileRect/>
+          </a:gradFill>
           <a:ln>
             <a:noFill/>
           </a:ln>
-          <a:extLst>
-            <a:ext uri="{909E8E84-426E-40DD-AFC4-6F175D3DCCD1}">
-              <a14:hiddenFill xmlns:a14="http://schemas.microsoft.com/office/drawing/2010/main">
-                <a:solidFill>
-                  <a:srgbClr val="FFFFFF"/>
-                </a:solidFill>
-              </a14:hiddenFill>
-            </a:ext>
-            <a:ext uri="{91240B29-F687-4F45-9708-019B960494DF}">
-              <a14:hiddenLine xmlns:a14="http://schemas.microsoft.com/office/drawing/2010/main" w="9525">
-                <a:solidFill>
-                  <a:srgbClr val="000000"/>
-                </a:solidFill>
-                <a:miter lim="800000"/>
-                <a:headEnd/>
-                <a:tailEnd/>
-              </a14:hiddenLine>
-            </a:ext>
-          </a:extLst>
         </p:spPr>
       </p:pic>
       <p:sp>
@@ -15684,7 +16111,7 @@
         <p:grpSpPr bwMode="auto">
           <a:xfrm>
             <a:off x="3276600" y="2133600"/>
-            <a:ext cx="2806700" cy="3873500"/>
+            <a:ext cx="2447528" cy="3873500"/>
             <a:chOff x="0" y="0"/>
             <a:chExt cx="1239" cy="2155"/>
           </a:xfrm>
@@ -16063,19 +16490,35 @@
               <a:t>利用</a:t>
             </a:r>
             <a:r>
-              <a:rPr lang="zh-CN" altLang="en-US" u="sng" dirty="0"/>
+              <a:rPr lang="zh-CN" altLang="en-US" u="sng" dirty="0">
+                <a:highlight>
+                  <a:srgbClr val="FFFF00"/>
+                </a:highlight>
+              </a:rPr>
               <a:t>规则</a:t>
             </a:r>
             <a:r>
-              <a:rPr lang="en-US" altLang="zh-CN" u="sng" dirty="0"/>
+              <a:rPr lang="en-US" altLang="zh-CN" u="sng" dirty="0">
+                <a:highlight>
+                  <a:srgbClr val="FFFF00"/>
+                </a:highlight>
+              </a:rPr>
               <a:t>4</a:t>
             </a:r>
             <a:r>
-              <a:rPr lang="zh-CN" altLang="en-US" u="sng" dirty="0"/>
+              <a:rPr lang="zh-CN" altLang="en-US" u="sng" dirty="0">
+                <a:highlight>
+                  <a:srgbClr val="FFFF00"/>
+                </a:highlight>
+              </a:rPr>
               <a:t>、</a:t>
             </a:r>
             <a:r>
-              <a:rPr lang="en-US" altLang="zh-CN" u="sng" dirty="0"/>
+              <a:rPr lang="en-US" altLang="zh-CN" u="sng" dirty="0">
+                <a:highlight>
+                  <a:srgbClr val="FFFF00"/>
+                </a:highlight>
+              </a:rPr>
               <a:t>6</a:t>
             </a:r>
             <a:r>
@@ -16787,7 +17230,19 @@
             <p:ph idx="1"/>
           </p:nvPr>
         </p:nvSpPr>
-        <p:spPr/>
+        <p:spPr>
+          <a:xfrm>
+            <a:off x="251520" y="1115438"/>
+            <a:ext cx="3672408" cy="4854575"/>
+          </a:xfrm>
+          <a:effectLst>
+            <a:outerShdw blurRad="50800" dist="38100" dir="2700000" algn="tl" rotWithShape="0">
+              <a:prstClr val="black">
+                <a:alpha val="40000"/>
+              </a:prstClr>
+            </a:outerShdw>
+          </a:effectLst>
+        </p:spPr>
         <p:txBody>
           <a:bodyPr/>
           <a:lstStyle/>
@@ -16800,7 +17255,7 @@
               <a:buNone/>
             </a:pPr>
             <a:r>
-              <a:rPr lang="en-US" altLang="zh-CN" sz="8000">
+              <a:rPr lang="en-US" altLang="zh-CN" sz="8000" dirty="0">
                 <a:solidFill>
                   <a:srgbClr val="0066FF"/>
                 </a:solidFill>
@@ -16817,43 +17272,89 @@
               <a:buNone/>
             </a:pPr>
             <a:r>
-              <a:rPr lang="zh-CN" altLang="en-US" sz="2800"/>
+              <a:rPr lang="zh-CN" altLang="en-US" sz="2800" dirty="0"/>
               <a:t>作业：</a:t>
             </a:r>
-            <a:r>
-              <a:rPr lang="en-US" altLang="zh-CN" sz="2800"/>
+            <a:endParaRPr lang="en-US" altLang="zh-CN" sz="2800" dirty="0"/>
+          </a:p>
+          <a:p>
+            <a:pPr lvl="1" eaLnBrk="1" hangingPunct="1">
+              <a:lnSpc>
+                <a:spcPct val="140000"/>
+              </a:lnSpc>
+              <a:buFont typeface="Wingdings" panose="05000000000000000000" pitchFamily="2" charset="2"/>
+              <a:buNone/>
+            </a:pPr>
+            <a:r>
+              <a:rPr lang="en-US" altLang="zh-CN" sz="2800" dirty="0"/>
               <a:t>2</a:t>
             </a:r>
             <a:r>
-              <a:rPr lang="zh-CN" altLang="en-US" sz="2800"/>
+              <a:rPr lang="zh-CN" altLang="en-US" sz="2800" dirty="0"/>
               <a:t>、</a:t>
             </a:r>
             <a:r>
-              <a:rPr lang="en-US" altLang="zh-CN" sz="2800"/>
+              <a:rPr lang="en-US" altLang="zh-CN" sz="2800" dirty="0"/>
               <a:t>3</a:t>
             </a:r>
             <a:r>
-              <a:rPr lang="zh-CN" altLang="en-US" sz="2800"/>
+              <a:rPr lang="zh-CN" altLang="en-US" sz="2800" dirty="0"/>
               <a:t>、</a:t>
             </a:r>
             <a:r>
-              <a:rPr lang="en-US" altLang="zh-CN" sz="2800"/>
+              <a:rPr lang="en-US" altLang="zh-CN" sz="2800" dirty="0"/>
               <a:t>4</a:t>
             </a:r>
             <a:r>
-              <a:rPr lang="zh-CN" altLang="en-US" sz="2800"/>
+              <a:rPr lang="zh-CN" altLang="en-US" sz="2800" dirty="0"/>
               <a:t>、</a:t>
             </a:r>
             <a:r>
-              <a:rPr lang="en-US" altLang="zh-CN" sz="2800"/>
+              <a:rPr lang="en-US" altLang="zh-CN" sz="2800" dirty="0"/>
               <a:t>5</a:t>
             </a:r>
           </a:p>
           <a:p>
-            <a:endParaRPr lang="en-US" altLang="zh-CN"/>
+            <a:endParaRPr lang="en-US" altLang="zh-CN" dirty="0"/>
           </a:p>
         </p:txBody>
       </p:sp>
+      <p:pic>
+        <p:nvPicPr>
+          <p:cNvPr id="3" name="图片 2">
+            <a:extLst>
+              <a:ext uri="{FF2B5EF4-FFF2-40B4-BE49-F238E27FC236}">
+                <a16:creationId xmlns:a16="http://schemas.microsoft.com/office/drawing/2014/main" id="{4F798DD0-8B72-45DB-ACAC-9BD9FB5E80AB}"/>
+              </a:ext>
+            </a:extLst>
+          </p:cNvPr>
+          <p:cNvPicPr>
+            <a:picLocks noChangeAspect="1"/>
+          </p:cNvPicPr>
+          <p:nvPr/>
+        </p:nvPicPr>
+        <p:blipFill>
+          <a:blip r:embed="rId2">
+            <a:extLst>
+              <a:ext uri="{28A0092B-C50C-407E-A947-70E740481C1C}">
+                <a14:useLocalDpi xmlns:a14="http://schemas.microsoft.com/office/drawing/2010/main" val="0"/>
+              </a:ext>
+            </a:extLst>
+          </a:blip>
+          <a:stretch>
+            <a:fillRect/>
+          </a:stretch>
+        </p:blipFill>
+        <p:spPr>
+          <a:xfrm>
+            <a:off x="4067944" y="836712"/>
+            <a:ext cx="4896544" cy="5614560"/>
+          </a:xfrm>
+          <a:prstGeom prst="rect">
+            <a:avLst/>
+          </a:prstGeom>
+        </p:spPr>
+      </p:pic>
     </p:spTree>
   </p:cSld>
   <p:clrMapOvr>
@@ -16936,15 +17437,36 @@
         </p:nvSpPr>
         <p:spPr bwMode="auto">
           <a:xfrm>
-            <a:off x="3348038" y="5805488"/>
-            <a:ext cx="2403475" cy="358775"/>
+            <a:off x="3348039" y="6022553"/>
+            <a:ext cx="2303464" cy="358775"/>
           </a:xfrm>
           <a:prstGeom prst="rect">
             <a:avLst/>
           </a:prstGeom>
-          <a:solidFill>
-            <a:srgbClr val="FF9999"/>
-          </a:solidFill>
+          <a:gradFill flip="none" rotWithShape="1">
+            <a:gsLst>
+              <a:gs pos="0">
+                <a:srgbClr val="92D050">
+                  <a:tint val="66000"/>
+                  <a:satMod val="160000"/>
+                </a:srgbClr>
+              </a:gs>
+              <a:gs pos="50000">
+                <a:srgbClr val="92D050">
+                  <a:tint val="44500"/>
+                  <a:satMod val="160000"/>
+                </a:srgbClr>
+              </a:gs>
+              <a:gs pos="100000">
+                <a:srgbClr val="92D050">
+                  <a:tint val="23500"/>
+                  <a:satMod val="160000"/>
+                </a:srgbClr>
+              </a:gs>
+            </a:gsLst>
+            <a:lin ang="13500000" scaled="1"/>
+            <a:tileRect/>
+          </a:gradFill>
           <a:ln w="25400">
             <a:solidFill>
               <a:schemeClr val="tx1"/>
@@ -17069,7 +17591,15 @@
           </a:lstStyle>
           <a:p>
             <a:r>
-              <a:rPr lang="zh-CN" altLang="en-US" b="1"/>
+              <a:rPr lang="zh-CN" altLang="en-US" b="1" dirty="0">
+                <a:effectLst>
+                  <a:outerShdw blurRad="38100" dist="38100" dir="2700000" algn="tl">
+                    <a:srgbClr val="000000">
+                      <a:alpha val="43137"/>
+                    </a:srgbClr>
+                  </a:outerShdw>
+                </a:effectLst>
+              </a:rPr>
               <a:t>查询计划的执行代码</a:t>
             </a:r>
           </a:p>
@@ -17091,31 +17621,31 @@
         </p:nvSpPr>
         <p:spPr bwMode="auto">
           <a:xfrm>
-            <a:off x="3708400" y="3860800"/>
+            <a:off x="3708400" y="4077865"/>
             <a:ext cx="1466850" cy="576263"/>
           </a:xfrm>
           <a:prstGeom prst="rect">
             <a:avLst/>
           </a:prstGeom>
-          <a:noFill/>
-          <a:ln w="25400">
-            <a:solidFill>
-              <a:schemeClr val="tx1"/>
-            </a:solidFill>
-            <a:miter lim="800000"/>
+          <a:ln>
             <a:headEnd/>
             <a:tailEnd/>
           </a:ln>
-          <a:extLst>
-            <a:ext uri="{909E8E84-426E-40DD-AFC4-6F175D3DCCD1}">
-              <a14:hiddenFill xmlns:a14="http://schemas.microsoft.com/office/drawing/2010/main">
-                <a:solidFill>
-                  <a:srgbClr val="FFFFFF"/>
-                </a:solidFill>
-              </a14:hiddenFill>
-            </a:ext>
-          </a:extLst>
         </p:spPr>
+        <p:style>
+          <a:lnRef idx="1">
+            <a:schemeClr val="dk1"/>
+          </a:lnRef>
+          <a:fillRef idx="2">
+            <a:schemeClr val="dk1"/>
+          </a:fillRef>
+          <a:effectRef idx="1">
+            <a:schemeClr val="dk1"/>
+          </a:effectRef>
+          <a:fontRef idx="minor">
+            <a:schemeClr val="dk1"/>
+          </a:fontRef>
+        </p:style>
         <p:txBody>
           <a:bodyPr wrap="none" anchor="ctr"/>
           <a:lstStyle>
@@ -17232,16 +17762,40 @@
           <a:p>
             <a:pPr algn="ctr"/>
             <a:r>
-              <a:rPr lang="zh-CN" altLang="en-US" b="1"/>
+              <a:rPr lang="zh-CN" altLang="en-US" b="1" dirty="0">
+                <a:effectLst>
+                  <a:outerShdw blurRad="38100" dist="38100" dir="2700000" algn="tl">
+                    <a:srgbClr val="000000">
+                      <a:alpha val="43137"/>
+                    </a:srgbClr>
+                  </a:outerShdw>
+                </a:effectLst>
+              </a:rPr>
               <a:t>代数优化</a:t>
             </a:r>
-            <a:endParaRPr lang="en-US" altLang="zh-CN" b="1"/>
+            <a:endParaRPr lang="en-US" altLang="zh-CN" b="1" dirty="0">
+              <a:effectLst>
+                <a:outerShdw blurRad="38100" dist="38100" dir="2700000" algn="tl">
+                  <a:srgbClr val="000000">
+                    <a:alpha val="43137"/>
+                  </a:srgbClr>
+                </a:outerShdw>
+              </a:effectLst>
+            </a:endParaRPr>
           </a:p>
           <a:p>
             <a:pPr algn="ctr"/>
             <a:r>
-              <a:rPr lang="zh-CN" altLang="en-US" b="1"/>
-              <a:t>物理优化等</a:t>
+              <a:rPr lang="zh-CN" altLang="en-US" b="1" dirty="0">
+                <a:effectLst>
+                  <a:outerShdw blurRad="38100" dist="38100" dir="2700000" algn="tl">
+                    <a:srgbClr val="000000">
+                      <a:alpha val="43137"/>
+                    </a:srgbClr>
+                  </a:outerShdw>
+                </a:effectLst>
+              </a:rPr>
+              <a:t>物理优化</a:t>
             </a:r>
           </a:p>
         </p:txBody>
@@ -17262,36 +17816,61 @@
         </p:nvSpPr>
         <p:spPr bwMode="auto">
           <a:xfrm>
-            <a:off x="3779838" y="765175"/>
+            <a:off x="3839318" y="900586"/>
             <a:ext cx="1114425" cy="368300"/>
           </a:xfrm>
           <a:prstGeom prst="rect">
             <a:avLst/>
           </a:prstGeom>
-          <a:noFill/>
+          <a:gradFill flip="none" rotWithShape="1">
+            <a:gsLst>
+              <a:gs pos="0">
+                <a:srgbClr val="00B050">
+                  <a:tint val="66000"/>
+                  <a:satMod val="160000"/>
+                </a:srgbClr>
+              </a:gs>
+              <a:gs pos="50000">
+                <a:srgbClr val="00B050">
+                  <a:tint val="44500"/>
+                  <a:satMod val="160000"/>
+                </a:srgbClr>
+              </a:gs>
+              <a:gs pos="100000">
+                <a:srgbClr val="00B050">
+                  <a:tint val="23500"/>
+                  <a:satMod val="160000"/>
+                </a:srgbClr>
+              </a:gs>
+            </a:gsLst>
+            <a:lin ang="2700000" scaled="1"/>
+            <a:tileRect/>
+          </a:gradFill>
           <a:ln>
             <a:noFill/>
           </a:ln>
-          <a:extLst>
-            <a:ext uri="{909E8E84-426E-40DD-AFC4-6F175D3DCCD1}">
-              <a14:hiddenFill xmlns:a14="http://schemas.microsoft.com/office/drawing/2010/main">
-                <a:solidFill>
-                  <a:srgbClr val="FFFFFF"/>
-                </a:solidFill>
-              </a14:hiddenFill>
-            </a:ext>
-            <a:ext uri="{91240B29-F687-4F45-9708-019B960494DF}">
-              <a14:hiddenLine xmlns:a14="http://schemas.microsoft.com/office/drawing/2010/main" w="9525">
-                <a:solidFill>
-                  <a:srgbClr val="000000"/>
-                </a:solidFill>
-                <a:miter lim="800000"/>
-                <a:headEnd/>
-                <a:tailEnd/>
-              </a14:hiddenLine>
-            </a:ext>
-          </a:extLst>
+          <a:effectLst>
+            <a:outerShdw blurRad="50800" dist="38100" dir="2700000" algn="tl" rotWithShape="0">
+              <a:prstClr val="black">
+                <a:alpha val="40000"/>
+              </a:prstClr>
+            </a:outerShdw>
+          </a:effectLst>
         </p:spPr>
+        <p:style>
+          <a:lnRef idx="0">
+            <a:scrgbClr r="0" g="0" b="0"/>
+          </a:lnRef>
+          <a:fillRef idx="0">
+            <a:scrgbClr r="0" g="0" b="0"/>
+          </a:fillRef>
+          <a:effectRef idx="0">
+            <a:scrgbClr r="0" g="0" b="0"/>
+          </a:effectRef>
+          <a:fontRef idx="minor">
+            <a:schemeClr val="lt1"/>
+          </a:fontRef>
+        </p:style>
         <p:txBody>
           <a:bodyPr wrap="none">
             <a:spAutoFit/>
@@ -17409,7 +17988,15 @@
           </a:lstStyle>
           <a:p>
             <a:r>
-              <a:rPr lang="zh-CN" altLang="en-US" b="1"/>
+              <a:rPr lang="zh-CN" altLang="en-US" b="1" dirty="0">
+                <a:effectLst>
+                  <a:outerShdw blurRad="38100" dist="38100" dir="2700000" algn="tl">
+                    <a:srgbClr val="000000">
+                      <a:alpha val="43137"/>
+                    </a:srgbClr>
+                  </a:outerShdw>
+                </a:effectLst>
+              </a:rPr>
               <a:t>查询语句</a:t>
             </a:r>
           </a:p>
@@ -17431,7 +18018,7 @@
         </p:nvSpPr>
         <p:spPr bwMode="auto">
           <a:xfrm flipH="1">
-            <a:off x="4352925" y="1052513"/>
+            <a:off x="4393356" y="1274341"/>
             <a:ext cx="3175" cy="204787"/>
           </a:xfrm>
           <a:prstGeom prst="line">
@@ -17568,7 +18155,15 @@
             </a:lvl9pPr>
           </a:lstStyle>
           <a:p>
-            <a:endParaRPr lang="zh-CN" altLang="en-US"/>
+            <a:endParaRPr lang="zh-CN" altLang="en-US">
+              <a:effectLst>
+                <a:outerShdw blurRad="38100" dist="38100" dir="2700000" algn="tl">
+                  <a:srgbClr val="000000">
+                    <a:alpha val="43137"/>
+                  </a:srgbClr>
+                </a:outerShdw>
+              </a:effectLst>
+            </a:endParaRPr>
           </a:p>
         </p:txBody>
       </p:sp>
@@ -17588,31 +18183,31 @@
         </p:nvSpPr>
         <p:spPr bwMode="auto">
           <a:xfrm>
-            <a:off x="3679825" y="1268413"/>
+            <a:off x="3679825" y="1485478"/>
             <a:ext cx="1468438" cy="576262"/>
           </a:xfrm>
           <a:prstGeom prst="rect">
             <a:avLst/>
           </a:prstGeom>
-          <a:noFill/>
-          <a:ln w="25400">
-            <a:solidFill>
-              <a:schemeClr val="tx1"/>
-            </a:solidFill>
-            <a:miter lim="800000"/>
+          <a:ln>
             <a:headEnd/>
             <a:tailEnd/>
           </a:ln>
-          <a:extLst>
-            <a:ext uri="{909E8E84-426E-40DD-AFC4-6F175D3DCCD1}">
-              <a14:hiddenFill xmlns:a14="http://schemas.microsoft.com/office/drawing/2010/main">
-                <a:solidFill>
-                  <a:srgbClr val="FFFFFF"/>
-                </a:solidFill>
-              </a14:hiddenFill>
-            </a:ext>
-          </a:extLst>
         </p:spPr>
+        <p:style>
+          <a:lnRef idx="1">
+            <a:schemeClr val="dk1"/>
+          </a:lnRef>
+          <a:fillRef idx="2">
+            <a:schemeClr val="dk1"/>
+          </a:fillRef>
+          <a:effectRef idx="1">
+            <a:schemeClr val="dk1"/>
+          </a:effectRef>
+          <a:fontRef idx="minor">
+            <a:schemeClr val="dk1"/>
+          </a:fontRef>
+        </p:style>
         <p:txBody>
           <a:bodyPr wrap="none" anchor="ctr"/>
           <a:lstStyle>
@@ -17729,15 +18324,39 @@
           <a:p>
             <a:pPr algn="ctr"/>
             <a:r>
-              <a:rPr lang="zh-CN" altLang="en-US" b="1"/>
+              <a:rPr lang="zh-CN" altLang="en-US" b="1">
+                <a:effectLst>
+                  <a:outerShdw blurRad="38100" dist="38100" dir="2700000" algn="tl">
+                    <a:srgbClr val="000000">
+                      <a:alpha val="43137"/>
+                    </a:srgbClr>
+                  </a:outerShdw>
+                </a:effectLst>
+              </a:rPr>
               <a:t>词法分析</a:t>
             </a:r>
-            <a:endParaRPr lang="en-US" altLang="zh-CN" b="1"/>
+            <a:endParaRPr lang="en-US" altLang="zh-CN" b="1">
+              <a:effectLst>
+                <a:outerShdw blurRad="38100" dist="38100" dir="2700000" algn="tl">
+                  <a:srgbClr val="000000">
+                    <a:alpha val="43137"/>
+                  </a:srgbClr>
+                </a:outerShdw>
+              </a:effectLst>
+            </a:endParaRPr>
           </a:p>
           <a:p>
             <a:pPr algn="ctr"/>
             <a:r>
-              <a:rPr lang="zh-CN" altLang="en-US" b="1"/>
+              <a:rPr lang="zh-CN" altLang="en-US" b="1">
+                <a:effectLst>
+                  <a:outerShdw blurRad="38100" dist="38100" dir="2700000" algn="tl">
+                    <a:srgbClr val="000000">
+                      <a:alpha val="43137"/>
+                    </a:srgbClr>
+                  </a:outerShdw>
+                </a:effectLst>
+              </a:rPr>
               <a:t>语法分析</a:t>
             </a:r>
           </a:p>
@@ -17759,169 +18378,119 @@
         </p:nvSpPr>
         <p:spPr bwMode="auto">
           <a:xfrm>
-            <a:off x="3635375" y="2060575"/>
+            <a:off x="3635375" y="2277640"/>
             <a:ext cx="1712913" cy="1081088"/>
           </a:xfrm>
           <a:prstGeom prst="rect">
             <a:avLst/>
           </a:prstGeom>
-          <a:noFill/>
-          <a:ln w="25400">
-            <a:solidFill>
-              <a:schemeClr val="tx1"/>
-            </a:solidFill>
-            <a:miter lim="800000"/>
+          <a:ln>
             <a:headEnd/>
             <a:tailEnd/>
           </a:ln>
-          <a:extLst>
-            <a:ext uri="{909E8E84-426E-40DD-AFC4-6F175D3DCCD1}">
-              <a14:hiddenFill xmlns:a14="http://schemas.microsoft.com/office/drawing/2010/main">
-                <a:solidFill>
-                  <a:srgbClr val="FFFFFF"/>
-                </a:solidFill>
-              </a14:hiddenFill>
-            </a:ext>
-          </a:extLst>
         </p:spPr>
+        <p:style>
+          <a:lnRef idx="1">
+            <a:schemeClr val="dk1"/>
+          </a:lnRef>
+          <a:fillRef idx="2">
+            <a:schemeClr val="dk1"/>
+          </a:fillRef>
+          <a:effectRef idx="1">
+            <a:schemeClr val="dk1"/>
+          </a:effectRef>
+          <a:fontRef idx="minor">
+            <a:schemeClr val="dk1"/>
+          </a:fontRef>
+        </p:style>
         <p:txBody>
           <a:bodyPr wrap="none" anchor="ctr"/>
-          <a:lstStyle>
-            <a:lvl1pPr marL="342900" indent="-342900">
-              <a:defRPr>
-                <a:solidFill>
-                  <a:schemeClr val="tx1"/>
-                </a:solidFill>
-                <a:latin typeface="Arial" panose="020B0604020202020204" pitchFamily="34" charset="0"/>
-                <a:ea typeface="宋体" panose="02010600030101010101" pitchFamily="2" charset="-122"/>
-              </a:defRPr>
-            </a:lvl1pPr>
-            <a:lvl2pPr>
-              <a:defRPr>
-                <a:solidFill>
-                  <a:schemeClr val="tx1"/>
-                </a:solidFill>
-                <a:latin typeface="Arial" panose="020B0604020202020204" pitchFamily="34" charset="0"/>
-                <a:ea typeface="宋体" panose="02010600030101010101" pitchFamily="2" charset="-122"/>
-              </a:defRPr>
-            </a:lvl2pPr>
-            <a:lvl3pPr>
-              <a:defRPr>
-                <a:solidFill>
-                  <a:schemeClr val="tx1"/>
-                </a:solidFill>
-                <a:latin typeface="Arial" panose="020B0604020202020204" pitchFamily="34" charset="0"/>
-                <a:ea typeface="宋体" panose="02010600030101010101" pitchFamily="2" charset="-122"/>
-              </a:defRPr>
-            </a:lvl3pPr>
-            <a:lvl4pPr>
-              <a:defRPr>
-                <a:solidFill>
-                  <a:schemeClr val="tx1"/>
-                </a:solidFill>
-                <a:latin typeface="Arial" panose="020B0604020202020204" pitchFamily="34" charset="0"/>
-                <a:ea typeface="宋体" panose="02010600030101010101" pitchFamily="2" charset="-122"/>
-              </a:defRPr>
-            </a:lvl4pPr>
-            <a:lvl5pPr>
-              <a:defRPr>
-                <a:solidFill>
-                  <a:schemeClr val="tx1"/>
-                </a:solidFill>
-                <a:latin typeface="Arial" panose="020B0604020202020204" pitchFamily="34" charset="0"/>
-                <a:ea typeface="宋体" panose="02010600030101010101" pitchFamily="2" charset="-122"/>
-              </a:defRPr>
-            </a:lvl5pPr>
-            <a:lvl6pPr fontAlgn="base">
-              <a:spcBef>
-                <a:spcPct val="0"/>
-              </a:spcBef>
-              <a:spcAft>
-                <a:spcPct val="0"/>
-              </a:spcAft>
-              <a:buFont typeface="Arial" panose="020B0604020202020204" pitchFamily="34" charset="0"/>
-              <a:defRPr>
-                <a:solidFill>
-                  <a:schemeClr val="tx1"/>
-                </a:solidFill>
-                <a:latin typeface="Arial" panose="020B0604020202020204" pitchFamily="34" charset="0"/>
-                <a:ea typeface="宋体" panose="02010600030101010101" pitchFamily="2" charset="-122"/>
-              </a:defRPr>
-            </a:lvl6pPr>
-            <a:lvl7pPr fontAlgn="base">
-              <a:spcBef>
-                <a:spcPct val="0"/>
-              </a:spcBef>
-              <a:spcAft>
-                <a:spcPct val="0"/>
-              </a:spcAft>
-              <a:buFont typeface="Arial" panose="020B0604020202020204" pitchFamily="34" charset="0"/>
-              <a:defRPr>
-                <a:solidFill>
-                  <a:schemeClr val="tx1"/>
-                </a:solidFill>
-                <a:latin typeface="Arial" panose="020B0604020202020204" pitchFamily="34" charset="0"/>
-                <a:ea typeface="宋体" panose="02010600030101010101" pitchFamily="2" charset="-122"/>
-              </a:defRPr>
-            </a:lvl7pPr>
-            <a:lvl8pPr fontAlgn="base">
-              <a:spcBef>
-                <a:spcPct val="0"/>
-              </a:spcBef>
-              <a:spcAft>
-                <a:spcPct val="0"/>
-              </a:spcAft>
-              <a:buFont typeface="Arial" panose="020B0604020202020204" pitchFamily="34" charset="0"/>
-              <a:defRPr>
-                <a:solidFill>
-                  <a:schemeClr val="tx1"/>
-                </a:solidFill>
-                <a:latin typeface="Arial" panose="020B0604020202020204" pitchFamily="34" charset="0"/>
-                <a:ea typeface="宋体" panose="02010600030101010101" pitchFamily="2" charset="-122"/>
-              </a:defRPr>
-            </a:lvl8pPr>
-            <a:lvl9pPr fontAlgn="base">
-              <a:spcBef>
-                <a:spcPct val="0"/>
-              </a:spcBef>
-              <a:spcAft>
-                <a:spcPct val="0"/>
-              </a:spcAft>
-              <a:buFont typeface="Arial" panose="020B0604020202020204" pitchFamily="34" charset="0"/>
-              <a:defRPr>
-                <a:solidFill>
-                  <a:schemeClr val="tx1"/>
-                </a:solidFill>
-                <a:latin typeface="Arial" panose="020B0604020202020204" pitchFamily="34" charset="0"/>
-                <a:ea typeface="宋体" panose="02010600030101010101" pitchFamily="2" charset="-122"/>
-              </a:defRPr>
-            </a:lvl9pPr>
-          </a:lstStyle>
-          <a:p>
-            <a:r>
-              <a:rPr lang="zh-CN" altLang="en-US" b="1"/>
+          <a:lstStyle/>
+          <a:p>
+            <a:pPr marL="342900" indent="-342900" algn="ctr"/>
+            <a:r>
+              <a:rPr lang="zh-CN" altLang="en-US" b="1" dirty="0">
+                <a:effectLst>
+                  <a:outerShdw blurRad="38100" dist="38100" dir="2700000" algn="tl">
+                    <a:srgbClr val="000000">
+                      <a:alpha val="43137"/>
+                    </a:srgbClr>
+                  </a:outerShdw>
+                </a:effectLst>
+              </a:rPr>
               <a:t>语义分析</a:t>
             </a:r>
-            <a:endParaRPr lang="en-US" altLang="zh-CN" b="1"/>
-          </a:p>
-          <a:p>
-            <a:r>
-              <a:rPr lang="zh-CN" altLang="en-US" b="1"/>
+            <a:endParaRPr lang="en-US" altLang="zh-CN" b="1" dirty="0">
+              <a:effectLst>
+                <a:outerShdw blurRad="38100" dist="38100" dir="2700000" algn="tl">
+                  <a:srgbClr val="000000">
+                    <a:alpha val="43137"/>
+                  </a:srgbClr>
+                </a:outerShdw>
+              </a:effectLst>
+            </a:endParaRPr>
+          </a:p>
+          <a:p>
+            <a:pPr marL="342900" indent="-342900" algn="ctr"/>
+            <a:r>
+              <a:rPr lang="zh-CN" altLang="en-US" b="1" dirty="0">
+                <a:effectLst>
+                  <a:outerShdw blurRad="38100" dist="38100" dir="2700000" algn="tl">
+                    <a:srgbClr val="000000">
+                      <a:alpha val="43137"/>
+                    </a:srgbClr>
+                  </a:outerShdw>
+                </a:effectLst>
+              </a:rPr>
               <a:t>符号名转换</a:t>
             </a:r>
-            <a:endParaRPr lang="en-US" altLang="zh-CN" b="1"/>
-          </a:p>
-          <a:p>
-            <a:r>
-              <a:rPr lang="zh-CN" altLang="en-US" b="1"/>
+            <a:endParaRPr lang="en-US" altLang="zh-CN" b="1" dirty="0">
+              <a:effectLst>
+                <a:outerShdw blurRad="38100" dist="38100" dir="2700000" algn="tl">
+                  <a:srgbClr val="000000">
+                    <a:alpha val="43137"/>
+                  </a:srgbClr>
+                </a:outerShdw>
+              </a:effectLst>
+            </a:endParaRPr>
+          </a:p>
+          <a:p>
+            <a:pPr marL="342900" indent="-342900" algn="ctr"/>
+            <a:r>
+              <a:rPr lang="zh-CN" altLang="en-US" b="1" dirty="0">
+                <a:effectLst>
+                  <a:outerShdw blurRad="38100" dist="38100" dir="2700000" algn="tl">
+                    <a:srgbClr val="000000">
+                      <a:alpha val="43137"/>
+                    </a:srgbClr>
+                  </a:outerShdw>
+                </a:effectLst>
+              </a:rPr>
               <a:t>安全性检查</a:t>
             </a:r>
-            <a:endParaRPr lang="en-US" altLang="zh-CN" b="1"/>
-          </a:p>
-          <a:p>
-            <a:r>
-              <a:rPr lang="zh-CN" altLang="en-US" b="1"/>
-              <a:t>完整性初步检查</a:t>
+            <a:endParaRPr lang="en-US" altLang="zh-CN" b="1" dirty="0">
+              <a:effectLst>
+                <a:outerShdw blurRad="38100" dist="38100" dir="2700000" algn="tl">
+                  <a:srgbClr val="000000">
+                    <a:alpha val="43137"/>
+                  </a:srgbClr>
+                </a:outerShdw>
+              </a:effectLst>
+            </a:endParaRPr>
+          </a:p>
+          <a:p>
+            <a:pPr marL="342900" indent="-342900" algn="ctr"/>
+            <a:r>
+              <a:rPr lang="zh-CN" altLang="en-US" b="1" dirty="0">
+                <a:effectLst>
+                  <a:outerShdw blurRad="38100" dist="38100" dir="2700000" algn="tl">
+                    <a:srgbClr val="000000">
+                      <a:alpha val="43137"/>
+                    </a:srgbClr>
+                  </a:outerShdw>
+                </a:effectLst>
+              </a:rPr>
+              <a:t>完整性检查</a:t>
             </a:r>
           </a:p>
         </p:txBody>
@@ -17942,31 +18511,31 @@
         </p:nvSpPr>
         <p:spPr bwMode="auto">
           <a:xfrm>
-            <a:off x="3659188" y="5229225"/>
+            <a:off x="3659188" y="5446290"/>
             <a:ext cx="1560512" cy="360363"/>
           </a:xfrm>
           <a:prstGeom prst="rect">
             <a:avLst/>
           </a:prstGeom>
-          <a:noFill/>
-          <a:ln w="25400">
-            <a:solidFill>
-              <a:schemeClr val="tx1"/>
-            </a:solidFill>
-            <a:miter lim="800000"/>
+          <a:ln>
             <a:headEnd/>
             <a:tailEnd/>
           </a:ln>
-          <a:extLst>
-            <a:ext uri="{909E8E84-426E-40DD-AFC4-6F175D3DCCD1}">
-              <a14:hiddenFill xmlns:a14="http://schemas.microsoft.com/office/drawing/2010/main">
-                <a:solidFill>
-                  <a:srgbClr val="FFFFFF"/>
-                </a:solidFill>
-              </a14:hiddenFill>
-            </a:ext>
-          </a:extLst>
         </p:spPr>
+        <p:style>
+          <a:lnRef idx="1">
+            <a:schemeClr val="dk1"/>
+          </a:lnRef>
+          <a:fillRef idx="2">
+            <a:schemeClr val="dk1"/>
+          </a:fillRef>
+          <a:effectRef idx="1">
+            <a:schemeClr val="dk1"/>
+          </a:effectRef>
+          <a:fontRef idx="minor">
+            <a:schemeClr val="dk1"/>
+          </a:fontRef>
+        </p:style>
         <p:txBody>
           <a:bodyPr wrap="none" anchor="ctr"/>
           <a:lstStyle>
@@ -18083,7 +18652,15 @@
           <a:p>
             <a:pPr algn="ctr"/>
             <a:r>
-              <a:rPr lang="zh-CN" altLang="en-US" b="1"/>
+              <a:rPr lang="zh-CN" altLang="en-US" b="1">
+                <a:effectLst>
+                  <a:outerShdw blurRad="38100" dist="38100" dir="2700000" algn="tl">
+                    <a:srgbClr val="000000">
+                      <a:alpha val="43137"/>
+                    </a:srgbClr>
+                  </a:outerShdw>
+                </a:effectLst>
+              </a:rPr>
               <a:t>代码生成</a:t>
             </a:r>
           </a:p>
@@ -18105,15 +18682,36 @@
         </p:nvSpPr>
         <p:spPr bwMode="auto">
           <a:xfrm>
-            <a:off x="3670300" y="4652963"/>
-            <a:ext cx="1549400" cy="358775"/>
+            <a:off x="3670299" y="4870028"/>
+            <a:ext cx="1560511" cy="358775"/>
           </a:xfrm>
           <a:prstGeom prst="rect">
             <a:avLst/>
           </a:prstGeom>
-          <a:solidFill>
-            <a:srgbClr val="FF9999"/>
-          </a:solidFill>
+          <a:gradFill flip="none" rotWithShape="1">
+            <a:gsLst>
+              <a:gs pos="0">
+                <a:srgbClr val="92D050">
+                  <a:tint val="66000"/>
+                  <a:satMod val="160000"/>
+                </a:srgbClr>
+              </a:gs>
+              <a:gs pos="50000">
+                <a:srgbClr val="92D050">
+                  <a:tint val="44500"/>
+                  <a:satMod val="160000"/>
+                </a:srgbClr>
+              </a:gs>
+              <a:gs pos="100000">
+                <a:srgbClr val="92D050">
+                  <a:tint val="23500"/>
+                  <a:satMod val="160000"/>
+                </a:srgbClr>
+              </a:gs>
+            </a:gsLst>
+            <a:lin ang="13500000" scaled="1"/>
+            <a:tileRect/>
+          </a:gradFill>
           <a:ln w="25400">
             <a:solidFill>
               <a:schemeClr val="tx1"/>
@@ -18238,7 +18836,15 @@
           </a:lstStyle>
           <a:p>
             <a:r>
-              <a:rPr lang="zh-CN" altLang="en-US" b="1"/>
+              <a:rPr lang="zh-CN" altLang="en-US" b="1" dirty="0">
+                <a:effectLst>
+                  <a:outerShdw blurRad="38100" dist="38100" dir="2700000" algn="tl">
+                    <a:srgbClr val="000000">
+                      <a:alpha val="43137"/>
+                    </a:srgbClr>
+                  </a:outerShdw>
+                </a:effectLst>
+              </a:rPr>
               <a:t>查询执行计划</a:t>
             </a:r>
           </a:p>
@@ -18260,15 +18866,36 @@
         </p:nvSpPr>
         <p:spPr bwMode="auto">
           <a:xfrm>
-            <a:off x="3492500" y="3357563"/>
-            <a:ext cx="2071688" cy="288925"/>
+            <a:off x="4005461" y="3574628"/>
+            <a:ext cx="845046" cy="288925"/>
           </a:xfrm>
           <a:prstGeom prst="rect">
             <a:avLst/>
           </a:prstGeom>
-          <a:solidFill>
-            <a:srgbClr val="FF9999"/>
-          </a:solidFill>
+          <a:gradFill flip="none" rotWithShape="1">
+            <a:gsLst>
+              <a:gs pos="0">
+                <a:srgbClr val="92D050">
+                  <a:tint val="66000"/>
+                  <a:satMod val="160000"/>
+                </a:srgbClr>
+              </a:gs>
+              <a:gs pos="50000">
+                <a:srgbClr val="92D050">
+                  <a:tint val="44500"/>
+                  <a:satMod val="160000"/>
+                </a:srgbClr>
+              </a:gs>
+              <a:gs pos="100000">
+                <a:srgbClr val="92D050">
+                  <a:tint val="23500"/>
+                  <a:satMod val="160000"/>
+                </a:srgbClr>
+              </a:gs>
+            </a:gsLst>
+            <a:lin ang="13500000" scaled="1"/>
+            <a:tileRect/>
+          </a:gradFill>
           <a:ln w="25400">
             <a:solidFill>
               <a:schemeClr val="tx1"/>
@@ -18393,14 +19020,17 @@
           </a:lstStyle>
           <a:p>
             <a:r>
-              <a:rPr lang="zh-CN" altLang="en-US" b="1"/>
+              <a:rPr lang="zh-CN" altLang="en-US" b="1" dirty="0">
+                <a:effectLst>
+                  <a:outerShdw blurRad="38100" dist="38100" dir="2700000" algn="tl">
+                    <a:srgbClr val="000000">
+                      <a:alpha val="43137"/>
+                    </a:srgbClr>
+                  </a:outerShdw>
+                </a:effectLst>
+              </a:rPr>
               <a:t>查询树</a:t>
             </a:r>
-            <a:r>
-              <a:rPr lang="en-US" altLang="zh-CN" b="1"/>
-              <a:t>(query tree)</a:t>
-            </a:r>
-            <a:endParaRPr lang="zh-CN" altLang="en-US" b="1"/>
           </a:p>
         </p:txBody>
       </p:sp>
@@ -18420,7 +19050,7 @@
         </p:nvSpPr>
         <p:spPr bwMode="auto">
           <a:xfrm flipH="1">
-            <a:off x="4424363" y="1855788"/>
+            <a:off x="4424363" y="2072853"/>
             <a:ext cx="3175" cy="204787"/>
           </a:xfrm>
           <a:prstGeom prst="line">
@@ -18557,7 +19187,15 @@
             </a:lvl9pPr>
           </a:lstStyle>
           <a:p>
-            <a:endParaRPr lang="zh-CN" altLang="en-US"/>
+            <a:endParaRPr lang="zh-CN" altLang="en-US">
+              <a:effectLst>
+                <a:outerShdw blurRad="38100" dist="38100" dir="2700000" algn="tl">
+                  <a:srgbClr val="000000">
+                    <a:alpha val="43137"/>
+                  </a:srgbClr>
+                </a:outerShdw>
+              </a:effectLst>
+            </a:endParaRPr>
           </a:p>
         </p:txBody>
       </p:sp>
@@ -18577,7 +19215,7 @@
         </p:nvSpPr>
         <p:spPr bwMode="auto">
           <a:xfrm flipH="1">
-            <a:off x="4427538" y="3152775"/>
+            <a:off x="4427538" y="3369840"/>
             <a:ext cx="3175" cy="204788"/>
           </a:xfrm>
           <a:prstGeom prst="line">
@@ -18714,7 +19352,15 @@
             </a:lvl9pPr>
           </a:lstStyle>
           <a:p>
-            <a:endParaRPr lang="zh-CN" altLang="en-US"/>
+            <a:endParaRPr lang="zh-CN" altLang="en-US">
+              <a:effectLst>
+                <a:outerShdw blurRad="38100" dist="38100" dir="2700000" algn="tl">
+                  <a:srgbClr val="000000">
+                    <a:alpha val="43137"/>
+                  </a:srgbClr>
+                </a:outerShdw>
+              </a:effectLst>
+            </a:endParaRPr>
           </a:p>
         </p:txBody>
       </p:sp>
@@ -18734,7 +19380,7 @@
         </p:nvSpPr>
         <p:spPr bwMode="auto">
           <a:xfrm flipH="1">
-            <a:off x="4427538" y="3656013"/>
+            <a:off x="4427538" y="3873078"/>
             <a:ext cx="3175" cy="204787"/>
           </a:xfrm>
           <a:prstGeom prst="line">
@@ -18871,7 +19517,15 @@
             </a:lvl9pPr>
           </a:lstStyle>
           <a:p>
-            <a:endParaRPr lang="zh-CN" altLang="en-US"/>
+            <a:endParaRPr lang="zh-CN" altLang="en-US">
+              <a:effectLst>
+                <a:outerShdw blurRad="38100" dist="38100" dir="2700000" algn="tl">
+                  <a:srgbClr val="000000">
+                    <a:alpha val="43137"/>
+                  </a:srgbClr>
+                </a:outerShdw>
+              </a:effectLst>
+            </a:endParaRPr>
           </a:p>
         </p:txBody>
       </p:sp>
@@ -18891,7 +19545,7 @@
         </p:nvSpPr>
         <p:spPr bwMode="auto">
           <a:xfrm flipH="1">
-            <a:off x="4427538" y="4448175"/>
+            <a:off x="4427538" y="4665240"/>
             <a:ext cx="3175" cy="204788"/>
           </a:xfrm>
           <a:prstGeom prst="line">
@@ -19028,7 +19682,15 @@
             </a:lvl9pPr>
           </a:lstStyle>
           <a:p>
-            <a:endParaRPr lang="zh-CN" altLang="en-US"/>
+            <a:endParaRPr lang="zh-CN" altLang="en-US">
+              <a:effectLst>
+                <a:outerShdw blurRad="38100" dist="38100" dir="2700000" algn="tl">
+                  <a:srgbClr val="000000">
+                    <a:alpha val="43137"/>
+                  </a:srgbClr>
+                </a:outerShdw>
+              </a:effectLst>
+            </a:endParaRPr>
           </a:p>
         </p:txBody>
       </p:sp>
@@ -19048,7 +19710,7 @@
         </p:nvSpPr>
         <p:spPr bwMode="auto">
           <a:xfrm flipH="1">
-            <a:off x="4427538" y="5024438"/>
+            <a:off x="4427538" y="5241503"/>
             <a:ext cx="3175" cy="204787"/>
           </a:xfrm>
           <a:prstGeom prst="line">
@@ -19185,7 +19847,15 @@
             </a:lvl9pPr>
           </a:lstStyle>
           <a:p>
-            <a:endParaRPr lang="zh-CN" altLang="en-US"/>
+            <a:endParaRPr lang="zh-CN" altLang="en-US">
+              <a:effectLst>
+                <a:outerShdw blurRad="38100" dist="38100" dir="2700000" algn="tl">
+                  <a:srgbClr val="000000">
+                    <a:alpha val="43137"/>
+                  </a:srgbClr>
+                </a:outerShdw>
+              </a:effectLst>
+            </a:endParaRPr>
           </a:p>
         </p:txBody>
       </p:sp>
@@ -19205,7 +19875,7 @@
         </p:nvSpPr>
         <p:spPr bwMode="auto">
           <a:xfrm flipH="1">
-            <a:off x="4427538" y="5600700"/>
+            <a:off x="4427538" y="5817765"/>
             <a:ext cx="3175" cy="204788"/>
           </a:xfrm>
           <a:prstGeom prst="line">
@@ -19342,7 +20012,15 @@
             </a:lvl9pPr>
           </a:lstStyle>
           <a:p>
-            <a:endParaRPr lang="zh-CN" altLang="en-US"/>
+            <a:endParaRPr lang="zh-CN" altLang="en-US">
+              <a:effectLst>
+                <a:outerShdw blurRad="38100" dist="38100" dir="2700000" algn="tl">
+                  <a:srgbClr val="000000">
+                    <a:alpha val="43137"/>
+                  </a:srgbClr>
+                </a:outerShdw>
+              </a:effectLst>
+            </a:endParaRPr>
           </a:p>
         </p:txBody>
       </p:sp>
@@ -19362,7 +20040,7 @@
         </p:nvSpPr>
         <p:spPr bwMode="auto">
           <a:xfrm>
-            <a:off x="1258888" y="1412875"/>
+            <a:off x="1258888" y="1629940"/>
             <a:ext cx="1368425" cy="369888"/>
           </a:xfrm>
           <a:prstGeom prst="rect">
@@ -19531,7 +20209,7 @@
         </p:nvSpPr>
         <p:spPr bwMode="auto">
           <a:xfrm>
-            <a:off x="1258888" y="2411413"/>
+            <a:off x="1258888" y="2628478"/>
             <a:ext cx="1368425" cy="369887"/>
           </a:xfrm>
           <a:prstGeom prst="rect">
@@ -19700,7 +20378,7 @@
         </p:nvSpPr>
         <p:spPr bwMode="auto">
           <a:xfrm>
-            <a:off x="1258888" y="3933825"/>
+            <a:off x="1258888" y="4150890"/>
             <a:ext cx="1368425" cy="368300"/>
           </a:xfrm>
           <a:prstGeom prst="rect">
@@ -19869,7 +20547,7 @@
         </p:nvSpPr>
         <p:spPr bwMode="auto">
           <a:xfrm>
-            <a:off x="1258888" y="5219700"/>
+            <a:off x="1258888" y="5436765"/>
             <a:ext cx="1368425" cy="369888"/>
           </a:xfrm>
           <a:prstGeom prst="rect">
@@ -20038,7 +20716,7 @@
         </p:nvSpPr>
         <p:spPr bwMode="auto">
           <a:xfrm>
-            <a:off x="7092950" y="2781300"/>
+            <a:off x="7092950" y="2998365"/>
             <a:ext cx="914400" cy="612775"/>
           </a:xfrm>
           <a:prstGeom prst="flowChartMagneticDisk">
@@ -20182,7 +20860,15 @@
             </a:lvl9pPr>
           </a:lstStyle>
           <a:p>
-            <a:endParaRPr lang="zh-CN" altLang="en-US"/>
+            <a:endParaRPr lang="zh-CN" altLang="en-US">
+              <a:effectLst>
+                <a:outerShdw blurRad="38100" dist="38100" dir="2700000" algn="tl">
+                  <a:srgbClr val="000000">
+                    <a:alpha val="43137"/>
+                  </a:srgbClr>
+                </a:outerShdw>
+              </a:effectLst>
+            </a:endParaRPr>
           </a:p>
         </p:txBody>
       </p:sp>
@@ -20202,7 +20888,7 @@
         </p:nvSpPr>
         <p:spPr bwMode="auto">
           <a:xfrm>
-            <a:off x="6804025" y="2565400"/>
+            <a:off x="6804025" y="2782465"/>
             <a:ext cx="792163" cy="587375"/>
           </a:xfrm>
           <a:prstGeom prst="flowChartMagneticDisk">
@@ -20346,171 +21032,15 @@
             </a:lvl9pPr>
           </a:lstStyle>
           <a:p>
-            <a:endParaRPr lang="zh-CN" altLang="en-US"/>
-          </a:p>
-        </p:txBody>
-      </p:sp>
-      <p:sp>
-        <p:nvSpPr>
-          <p:cNvPr id="6167" name="流程图: 磁盘 32">
-            <a:extLst>
-              <a:ext uri="{FF2B5EF4-FFF2-40B4-BE49-F238E27FC236}">
-                <a16:creationId xmlns:a16="http://schemas.microsoft.com/office/drawing/2014/main" id="{08F93A65-7371-48D6-AD1D-46F4D06B74D0}"/>
-              </a:ext>
-            </a:extLst>
-          </p:cNvPr>
-          <p:cNvSpPr>
-            <a:spLocks noChangeArrowheads="1"/>
-          </p:cNvSpPr>
-          <p:nvPr/>
-        </p:nvSpPr>
-        <p:spPr bwMode="auto">
-          <a:xfrm>
-            <a:off x="7308850" y="3394075"/>
-            <a:ext cx="914400" cy="612775"/>
-          </a:xfrm>
-          <a:prstGeom prst="flowChartMagneticDisk">
-            <a:avLst/>
-          </a:prstGeom>
-          <a:noFill/>
-          <a:ln>
-            <a:noFill/>
-          </a:ln>
-          <a:extLst>
-            <a:ext uri="{909E8E84-426E-40DD-AFC4-6F175D3DCCD1}">
-              <a14:hiddenFill xmlns:a14="http://schemas.microsoft.com/office/drawing/2010/main">
-                <a:solidFill>
-                  <a:srgbClr val="FFFFFF"/>
-                </a:solidFill>
-              </a14:hiddenFill>
-            </a:ext>
-            <a:ext uri="{91240B29-F687-4F45-9708-019B960494DF}">
-              <a14:hiddenLine xmlns:a14="http://schemas.microsoft.com/office/drawing/2010/main" w="9525">
-                <a:solidFill>
-                  <a:srgbClr val="000000"/>
-                </a:solidFill>
-                <a:round/>
-                <a:headEnd/>
-                <a:tailEnd/>
-              </a14:hiddenLine>
-            </a:ext>
-          </a:extLst>
-        </p:spPr>
-        <p:txBody>
-          <a:bodyPr/>
-          <a:lstStyle>
-            <a:lvl1pPr>
-              <a:defRPr>
-                <a:solidFill>
-                  <a:schemeClr val="tx1"/>
-                </a:solidFill>
-                <a:latin typeface="Arial" panose="020B0604020202020204" pitchFamily="34" charset="0"/>
-                <a:ea typeface="宋体" panose="02010600030101010101" pitchFamily="2" charset="-122"/>
-              </a:defRPr>
-            </a:lvl1pPr>
-            <a:lvl2pPr>
-              <a:defRPr>
-                <a:solidFill>
-                  <a:schemeClr val="tx1"/>
-                </a:solidFill>
-                <a:latin typeface="Arial" panose="020B0604020202020204" pitchFamily="34" charset="0"/>
-                <a:ea typeface="宋体" panose="02010600030101010101" pitchFamily="2" charset="-122"/>
-              </a:defRPr>
-            </a:lvl2pPr>
-            <a:lvl3pPr>
-              <a:defRPr>
-                <a:solidFill>
-                  <a:schemeClr val="tx1"/>
-                </a:solidFill>
-                <a:latin typeface="Arial" panose="020B0604020202020204" pitchFamily="34" charset="0"/>
-                <a:ea typeface="宋体" panose="02010600030101010101" pitchFamily="2" charset="-122"/>
-              </a:defRPr>
-            </a:lvl3pPr>
-            <a:lvl4pPr>
-              <a:defRPr>
-                <a:solidFill>
-                  <a:schemeClr val="tx1"/>
-                </a:solidFill>
-                <a:latin typeface="Arial" panose="020B0604020202020204" pitchFamily="34" charset="0"/>
-                <a:ea typeface="宋体" panose="02010600030101010101" pitchFamily="2" charset="-122"/>
-              </a:defRPr>
-            </a:lvl4pPr>
-            <a:lvl5pPr>
-              <a:defRPr>
-                <a:solidFill>
-                  <a:schemeClr val="tx1"/>
-                </a:solidFill>
-                <a:latin typeface="Arial" panose="020B0604020202020204" pitchFamily="34" charset="0"/>
-                <a:ea typeface="宋体" panose="02010600030101010101" pitchFamily="2" charset="-122"/>
-              </a:defRPr>
-            </a:lvl5pPr>
-            <a:lvl6pPr fontAlgn="base">
-              <a:spcBef>
-                <a:spcPct val="0"/>
-              </a:spcBef>
-              <a:spcAft>
-                <a:spcPct val="0"/>
-              </a:spcAft>
-              <a:buFont typeface="Arial" panose="020B0604020202020204" pitchFamily="34" charset="0"/>
-              <a:defRPr>
-                <a:solidFill>
-                  <a:schemeClr val="tx1"/>
-                </a:solidFill>
-                <a:latin typeface="Arial" panose="020B0604020202020204" pitchFamily="34" charset="0"/>
-                <a:ea typeface="宋体" panose="02010600030101010101" pitchFamily="2" charset="-122"/>
-              </a:defRPr>
-            </a:lvl6pPr>
-            <a:lvl7pPr fontAlgn="base">
-              <a:spcBef>
-                <a:spcPct val="0"/>
-              </a:spcBef>
-              <a:spcAft>
-                <a:spcPct val="0"/>
-              </a:spcAft>
-              <a:buFont typeface="Arial" panose="020B0604020202020204" pitchFamily="34" charset="0"/>
-              <a:defRPr>
-                <a:solidFill>
-                  <a:schemeClr val="tx1"/>
-                </a:solidFill>
-                <a:latin typeface="Arial" panose="020B0604020202020204" pitchFamily="34" charset="0"/>
-                <a:ea typeface="宋体" panose="02010600030101010101" pitchFamily="2" charset="-122"/>
-              </a:defRPr>
-            </a:lvl7pPr>
-            <a:lvl8pPr fontAlgn="base">
-              <a:spcBef>
-                <a:spcPct val="0"/>
-              </a:spcBef>
-              <a:spcAft>
-                <a:spcPct val="0"/>
-              </a:spcAft>
-              <a:buFont typeface="Arial" panose="020B0604020202020204" pitchFamily="34" charset="0"/>
-              <a:defRPr>
-                <a:solidFill>
-                  <a:schemeClr val="tx1"/>
-                </a:solidFill>
-                <a:latin typeface="Arial" panose="020B0604020202020204" pitchFamily="34" charset="0"/>
-                <a:ea typeface="宋体" panose="02010600030101010101" pitchFamily="2" charset="-122"/>
-              </a:defRPr>
-            </a:lvl8pPr>
-            <a:lvl9pPr fontAlgn="base">
-              <a:spcBef>
-                <a:spcPct val="0"/>
-              </a:spcBef>
-              <a:spcAft>
-                <a:spcPct val="0"/>
-              </a:spcAft>
-              <a:buFont typeface="Arial" panose="020B0604020202020204" pitchFamily="34" charset="0"/>
-              <a:defRPr>
-                <a:solidFill>
-                  <a:schemeClr val="tx1"/>
-                </a:solidFill>
-                <a:latin typeface="Arial" panose="020B0604020202020204" pitchFamily="34" charset="0"/>
-                <a:ea typeface="宋体" panose="02010600030101010101" pitchFamily="2" charset="-122"/>
-              </a:defRPr>
-            </a:lvl9pPr>
-          </a:lstStyle>
-          <a:p>
-            <a:endParaRPr lang="zh-CN" altLang="en-US"/>
+            <a:endParaRPr lang="zh-CN" altLang="en-US">
+              <a:effectLst>
+                <a:outerShdw blurRad="38100" dist="38100" dir="2700000" algn="tl">
+                  <a:srgbClr val="000000">
+                    <a:alpha val="43137"/>
+                  </a:srgbClr>
+                </a:outerShdw>
+              </a:effectLst>
+            </a:endParaRPr>
           </a:p>
         </p:txBody>
       </p:sp>
@@ -20530,7 +21060,7 @@
         </p:nvSpPr>
         <p:spPr bwMode="auto">
           <a:xfrm>
-            <a:off x="6516688" y="2781300"/>
+            <a:off x="6516688" y="2998365"/>
             <a:ext cx="914400" cy="612775"/>
           </a:xfrm>
           <a:prstGeom prst="flowChartMagneticDisk">
@@ -20674,7 +21204,15 @@
             </a:lvl9pPr>
           </a:lstStyle>
           <a:p>
-            <a:endParaRPr lang="zh-CN" altLang="en-US"/>
+            <a:endParaRPr lang="zh-CN" altLang="en-US">
+              <a:effectLst>
+                <a:outerShdw blurRad="38100" dist="38100" dir="2700000" algn="tl">
+                  <a:srgbClr val="000000">
+                    <a:alpha val="43137"/>
+                  </a:srgbClr>
+                </a:outerShdw>
+              </a:effectLst>
+            </a:endParaRPr>
           </a:p>
         </p:txBody>
       </p:sp>
@@ -20694,7 +21232,7 @@
         </p:nvSpPr>
         <p:spPr bwMode="auto">
           <a:xfrm>
-            <a:off x="6659563" y="2781300"/>
+            <a:off x="6659563" y="2998365"/>
             <a:ext cx="612775" cy="612775"/>
           </a:xfrm>
           <a:prstGeom prst="flowChartSummingJunction">
@@ -20838,7 +21376,15 @@
             </a:lvl9pPr>
           </a:lstStyle>
           <a:p>
-            <a:endParaRPr lang="zh-CN" altLang="en-US"/>
+            <a:endParaRPr lang="zh-CN" altLang="en-US">
+              <a:effectLst>
+                <a:outerShdw blurRad="38100" dist="38100" dir="2700000" algn="tl">
+                  <a:srgbClr val="000000">
+                    <a:alpha val="43137"/>
+                  </a:srgbClr>
+                </a:outerShdw>
+              </a:effectLst>
+            </a:endParaRPr>
           </a:p>
         </p:txBody>
       </p:sp>
@@ -20858,15 +21404,36 @@
         </p:nvSpPr>
         <p:spPr bwMode="auto">
           <a:xfrm>
-            <a:off x="6875463" y="2114550"/>
+            <a:off x="6875463" y="2331615"/>
             <a:ext cx="1206500" cy="954088"/>
           </a:xfrm>
           <a:prstGeom prst="flowChartMagneticDisk">
             <a:avLst/>
           </a:prstGeom>
-          <a:solidFill>
-            <a:srgbClr val="FF9999"/>
-          </a:solidFill>
+          <a:gradFill flip="none" rotWithShape="1">
+            <a:gsLst>
+              <a:gs pos="0">
+                <a:srgbClr val="0066FF">
+                  <a:tint val="66000"/>
+                  <a:satMod val="160000"/>
+                </a:srgbClr>
+              </a:gs>
+              <a:gs pos="50000">
+                <a:srgbClr val="0066FF">
+                  <a:tint val="44500"/>
+                  <a:satMod val="160000"/>
+                </a:srgbClr>
+              </a:gs>
+              <a:gs pos="100000">
+                <a:srgbClr val="0066FF">
+                  <a:tint val="23500"/>
+                  <a:satMod val="160000"/>
+                </a:srgbClr>
+              </a:gs>
+            </a:gsLst>
+            <a:lin ang="13500000" scaled="1"/>
+            <a:tileRect/>
+          </a:gradFill>
           <a:ln w="9525">
             <a:solidFill>
               <a:srgbClr val="000000"/>
@@ -20992,15 +21559,39 @@
           <a:p>
             <a:pPr algn="ctr"/>
             <a:r>
-              <a:rPr lang="zh-CN" altLang="en-US" b="1"/>
+              <a:rPr lang="zh-CN" altLang="en-US" b="1">
+                <a:effectLst>
+                  <a:outerShdw blurRad="38100" dist="38100" dir="2700000" algn="tl">
+                    <a:srgbClr val="000000">
+                      <a:alpha val="43137"/>
+                    </a:srgbClr>
+                  </a:outerShdw>
+                </a:effectLst>
+              </a:rPr>
               <a:t>数据库</a:t>
             </a:r>
-            <a:endParaRPr lang="en-US" altLang="zh-CN" b="1"/>
+            <a:endParaRPr lang="en-US" altLang="zh-CN" b="1">
+              <a:effectLst>
+                <a:outerShdw blurRad="38100" dist="38100" dir="2700000" algn="tl">
+                  <a:srgbClr val="000000">
+                    <a:alpha val="43137"/>
+                  </a:srgbClr>
+                </a:outerShdw>
+              </a:effectLst>
+            </a:endParaRPr>
           </a:p>
           <a:p>
             <a:pPr algn="ctr"/>
             <a:r>
-              <a:rPr lang="zh-CN" altLang="en-US" b="1"/>
+              <a:rPr lang="zh-CN" altLang="en-US" b="1">
+                <a:effectLst>
+                  <a:outerShdw blurRad="38100" dist="38100" dir="2700000" algn="tl">
+                    <a:srgbClr val="000000">
+                      <a:alpha val="43137"/>
+                    </a:srgbClr>
+                  </a:outerShdw>
+                </a:effectLst>
+              </a:rPr>
               <a:t>数据字典</a:t>
             </a:r>
           </a:p>
@@ -21024,7 +21615,7 @@
         </p:nvCxnSpPr>
         <p:spPr bwMode="auto">
           <a:xfrm flipH="1">
-            <a:off x="5348288" y="2592388"/>
+            <a:off x="5348288" y="2809453"/>
             <a:ext cx="1527175" cy="7937"/>
           </a:xfrm>
           <a:prstGeom prst="straightConnector1">
@@ -21059,15 +21650,15 @@
           </p:cNvPr>
           <p:cNvCxnSpPr>
             <a:cxnSpLocks noChangeShapeType="1"/>
-            <a:stCxn id="6168" idx="4"/>
+            <a:stCxn id="15364" idx="3"/>
             <a:endCxn id="5" idx="3"/>
           </p:cNvCxnSpPr>
           <p:nvPr/>
         </p:nvCxnSpPr>
         <p:spPr bwMode="auto">
           <a:xfrm flipH="1">
-            <a:off x="5175250" y="3087688"/>
-            <a:ext cx="2255838" cy="1062037"/>
+            <a:off x="5175250" y="3285703"/>
+            <a:ext cx="2303463" cy="1080294"/>
           </a:xfrm>
           <a:prstGeom prst="straightConnector1">
             <a:avLst/>
@@ -21108,7 +21699,7 @@
         </p:nvCxnSpPr>
         <p:spPr bwMode="auto">
           <a:xfrm flipH="1" flipV="1">
-            <a:off x="5148263" y="1557338"/>
+            <a:off x="5148263" y="1774403"/>
             <a:ext cx="2330450" cy="557212"/>
           </a:xfrm>
           <a:prstGeom prst="straightConnector1">
@@ -22082,7 +22673,7 @@
     <p:bldLst>
       <p:bldP spid="4" grpId="0" animBg="1"/>
       <p:bldP spid="5" grpId="0" animBg="1"/>
-      <p:bldP spid="11" grpId="0"/>
+      <p:bldP spid="11" grpId="0" animBg="1"/>
       <p:bldP spid="13" grpId="0" animBg="1"/>
       <p:bldP spid="16" grpId="0" animBg="1"/>
       <p:bldP spid="17" grpId="0" animBg="1"/>
@@ -22181,8 +22772,16 @@
               <a:defRPr/>
             </a:pPr>
             <a:r>
+              <a:rPr lang="zh-CN" altLang="zh-CN" dirty="0">
+                <a:highlight>
+                  <a:srgbClr val="FFFF00"/>
+                </a:highlight>
+              </a:rPr>
+              <a:t>选择</a:t>
+            </a:r>
+            <a:r>
               <a:rPr lang="zh-CN" altLang="zh-CN" dirty="0"/>
-              <a:t>选择操作的实现 </a:t>
+              <a:t>操作的实现 </a:t>
             </a:r>
             <a:endParaRPr lang="en-US" altLang="zh-CN" dirty="0"/>
           </a:p>
@@ -22196,8 +22795,16 @@
               <a:defRPr/>
             </a:pPr>
             <a:r>
+              <a:rPr lang="zh-CN" altLang="zh-CN" dirty="0">
+                <a:highlight>
+                  <a:srgbClr val="FFFF00"/>
+                </a:highlight>
+              </a:rPr>
+              <a:t>连接</a:t>
+            </a:r>
+            <a:r>
               <a:rPr lang="zh-CN" altLang="zh-CN" dirty="0"/>
-              <a:t>连接操作的实现 </a:t>
+              <a:t>操作的实现 </a:t>
             </a:r>
           </a:p>
           <a:p>
@@ -22300,7 +22907,7 @@
               </a:lnSpc>
             </a:pPr>
             <a:r>
-              <a:rPr lang="zh-CN" altLang="en-US"/>
+              <a:rPr lang="zh-CN" altLang="en-US" dirty="0"/>
               <a:t>选择操作典型实现方法：</a:t>
             </a:r>
           </a:p>
@@ -22313,19 +22920,19 @@
               <a:buNone/>
             </a:pPr>
             <a:r>
-              <a:rPr lang="zh-CN" altLang="en-US"/>
+              <a:rPr lang="zh-CN" altLang="en-US" dirty="0"/>
               <a:t>（</a:t>
             </a:r>
             <a:r>
-              <a:rPr lang="en-US" altLang="zh-CN"/>
+              <a:rPr lang="en-US" altLang="zh-CN" dirty="0"/>
               <a:t>1</a:t>
             </a:r>
             <a:r>
-              <a:rPr lang="zh-CN" altLang="en-US"/>
+              <a:rPr lang="zh-CN" altLang="en-US" dirty="0"/>
               <a:t>）</a:t>
             </a:r>
             <a:r>
-              <a:rPr lang="en-US" altLang="zh-CN">
+              <a:rPr lang="en-US" altLang="zh-CN" dirty="0">
                 <a:solidFill>
                   <a:srgbClr val="0066FF"/>
                 </a:solidFill>
@@ -22333,7 +22940,7 @@
               <a:t> </a:t>
             </a:r>
             <a:r>
-              <a:rPr lang="zh-CN" altLang="en-US">
+              <a:rPr lang="zh-CN" altLang="en-US" dirty="0">
                 <a:solidFill>
                   <a:srgbClr val="0066FF"/>
                 </a:solidFill>
@@ -22341,14 +22948,14 @@
               <a:t>全表扫描方法</a:t>
             </a:r>
             <a:r>
-              <a:rPr lang="zh-CN" altLang="en-US"/>
+              <a:rPr lang="zh-CN" altLang="en-US" dirty="0"/>
               <a:t> </a:t>
             </a:r>
             <a:r>
-              <a:rPr lang="en-US" altLang="zh-CN"/>
+              <a:rPr lang="en-US" altLang="zh-CN" dirty="0"/>
               <a:t>(Table Scan)</a:t>
             </a:r>
-            <a:endParaRPr lang="zh-CN" altLang="en-US"/>
+            <a:endParaRPr lang="zh-CN" altLang="en-US" dirty="0"/>
           </a:p>
           <a:p>
             <a:pPr lvl="2">
@@ -22360,7 +22967,7 @@
               <a:buChar char="l"/>
             </a:pPr>
             <a:r>
-              <a:rPr lang="zh-CN" altLang="en-US"/>
+              <a:rPr lang="zh-CN" altLang="en-US" dirty="0"/>
               <a:t>对查询的基本表顺序扫描，逐一检查每个元组是否满足选择条件，把满足条件的元组作为结果输出 </a:t>
             </a:r>
           </a:p>
@@ -22374,7 +22981,11 @@
               <a:buChar char="l"/>
             </a:pPr>
             <a:r>
-              <a:rPr lang="zh-CN" altLang="en-US"/>
+              <a:rPr lang="zh-CN" altLang="en-US" dirty="0">
+                <a:highlight>
+                  <a:srgbClr val="FFFF00"/>
+                </a:highlight>
+              </a:rPr>
               <a:t>适合小表，不适合大表</a:t>
             </a:r>
           </a:p>
@@ -22387,19 +22998,19 @@
               <a:buNone/>
             </a:pPr>
             <a:r>
-              <a:rPr lang="zh-CN" altLang="en-US"/>
+              <a:rPr lang="zh-CN" altLang="en-US" dirty="0"/>
               <a:t>（</a:t>
             </a:r>
             <a:r>
-              <a:rPr lang="en-US" altLang="zh-CN"/>
+              <a:rPr lang="en-US" altLang="zh-CN" dirty="0"/>
               <a:t>2</a:t>
             </a:r>
             <a:r>
-              <a:rPr lang="zh-CN" altLang="en-US"/>
+              <a:rPr lang="zh-CN" altLang="en-US" dirty="0"/>
               <a:t>）</a:t>
             </a:r>
             <a:r>
-              <a:rPr lang="zh-CN" altLang="en-US">
+              <a:rPr lang="zh-CN" altLang="en-US" dirty="0">
                 <a:solidFill>
                   <a:srgbClr val="0066FF"/>
                 </a:solidFill>
@@ -22407,10 +23018,10 @@
               <a:t>索引扫描方法 </a:t>
             </a:r>
             <a:r>
-              <a:rPr lang="en-US" altLang="zh-CN"/>
+              <a:rPr lang="en-US" altLang="zh-CN" dirty="0"/>
               <a:t>(Index Scan)</a:t>
             </a:r>
-            <a:endParaRPr lang="zh-CN" altLang="en-US"/>
+            <a:endParaRPr lang="zh-CN" altLang="en-US" dirty="0"/>
           </a:p>
           <a:p>
             <a:pPr lvl="2">
@@ -22422,9 +23033,10 @@
               <a:buChar char="l"/>
             </a:pPr>
             <a:r>
-              <a:rPr lang="zh-CN" altLang="en-US"/>
-              <a:t>适合于选择条件中的属性上有索引</a:t>
-            </a:r>
+              <a:rPr lang="zh-CN" altLang="en-US" dirty="0"/>
+              <a:t>通过索引先找到满足条件的元组主码或元组指针，再通过元组指针直接在查询的基本表中找到元组 </a:t>
+            </a:r>
+            <a:endParaRPr lang="en-US" altLang="zh-CN" dirty="0"/>
           </a:p>
           <a:p>
             <a:pPr lvl="2">
@@ -22436,12 +23048,26 @@
               <a:buChar char="l"/>
             </a:pPr>
             <a:r>
-              <a:rPr lang="zh-CN" altLang="en-US"/>
-              <a:t>通过索引先找到满足条件的元组主码或元组指针，再通过元组指针直接在查询的基本表中找到元组 </a:t>
-            </a:r>
-          </a:p>
-          <a:p>
-            <a:endParaRPr lang="zh-CN" altLang="en-US"/>
+              <a:rPr lang="zh-CN" altLang="en-US" dirty="0">
+                <a:highlight>
+                  <a:srgbClr val="FFFF00"/>
+                </a:highlight>
+              </a:rPr>
+              <a:t>适合于选择条件中的属性上有索引</a:t>
+            </a:r>
+          </a:p>
+          <a:p>
+            <a:pPr marL="914400" lvl="2" indent="0">
+              <a:lnSpc>
+                <a:spcPct val="120000"/>
+              </a:lnSpc>
+              <a:buSzPct val="75000"/>
+              <a:buNone/>
+            </a:pPr>
+            <a:endParaRPr lang="zh-CN" altLang="en-US" dirty="0"/>
+          </a:p>
+          <a:p>
+            <a:endParaRPr lang="zh-CN" altLang="en-US" dirty="0"/>
           </a:p>
         </p:txBody>
       </p:sp>
@@ -22545,7 +23171,7 @@
             </a:r>
             <a:r>
               <a:rPr lang="en-US" altLang="zh-CN" noProof="1"/>
-              <a:t>9.1] SELECT * </a:t>
+              <a:t>9.1]     SELECT * </a:t>
             </a:r>
           </a:p>
           <a:p>
@@ -22648,6 +23274,9 @@
                 <a:solidFill>
                   <a:srgbClr val="0066FF"/>
                 </a:solidFill>
+                <a:highlight>
+                  <a:srgbClr val="FFFF00"/>
+                </a:highlight>
               </a:rPr>
               <a:t>C1</a:t>
             </a:r>
@@ -22681,6 +23310,9 @@
                 <a:solidFill>
                   <a:srgbClr val="0066FF"/>
                 </a:solidFill>
+                <a:highlight>
+                  <a:srgbClr val="FFFF00"/>
+                </a:highlight>
               </a:rPr>
               <a:t>C2</a:t>
             </a:r>
@@ -22746,6 +23378,9 @@
                 <a:solidFill>
                   <a:srgbClr val="0066FF"/>
                 </a:solidFill>
+                <a:highlight>
+                  <a:srgbClr val="FFFF00"/>
+                </a:highlight>
               </a:rPr>
               <a:t>C3</a:t>
             </a:r>
@@ -22795,6 +23430,9 @@
                 <a:solidFill>
                   <a:srgbClr val="0066FF"/>
                 </a:solidFill>
+                <a:highlight>
+                  <a:srgbClr val="FFFF00"/>
+                </a:highlight>
               </a:rPr>
               <a:t>C4</a:t>
             </a:r>
@@ -22981,7 +23619,7 @@
             </a:r>
             <a:r>
               <a:rPr lang="zh-CN" altLang="en-US" dirty="0"/>
-              <a:t>块，全表扫描算法思想：</a:t>
+              <a:t>块：</a:t>
             </a:r>
             <a:endParaRPr lang="en-US" altLang="zh-CN" dirty="0"/>
           </a:p>
@@ -23198,7 +23836,7 @@
             </a:r>
             <a:r>
               <a:rPr lang="en-US" altLang="zh-CN" noProof="1"/>
-              <a:t>] SELECT * </a:t>
+              <a:t>]    SELECT * </a:t>
             </a:r>
           </a:p>
           <a:p>

--- a/PPT/PPT2020/DB第09章.pptx
+++ b/PPT/PPT2020/DB第09章.pptx
@@ -5,46 +5,47 @@
     <p:sldMasterId id="2147483648" r:id="rId1"/>
   </p:sldMasterIdLst>
   <p:notesMasterIdLst>
-    <p:notesMasterId r:id="rId39"/>
+    <p:notesMasterId r:id="rId40"/>
   </p:notesMasterIdLst>
   <p:sldIdLst>
-    <p:sldId id="718" r:id="rId2"/>
-    <p:sldId id="724" r:id="rId3"/>
-    <p:sldId id="693" r:id="rId4"/>
-    <p:sldId id="689" r:id="rId5"/>
-    <p:sldId id="682" r:id="rId6"/>
-    <p:sldId id="681" r:id="rId7"/>
-    <p:sldId id="725" r:id="rId8"/>
-    <p:sldId id="680" r:id="rId9"/>
-    <p:sldId id="679" r:id="rId10"/>
-    <p:sldId id="678" r:id="rId11"/>
-    <p:sldId id="677" r:id="rId12"/>
-    <p:sldId id="695" r:id="rId13"/>
-    <p:sldId id="676" r:id="rId14"/>
-    <p:sldId id="674" r:id="rId15"/>
-    <p:sldId id="673" r:id="rId16"/>
-    <p:sldId id="672" r:id="rId17"/>
-    <p:sldId id="719" r:id="rId18"/>
-    <p:sldId id="665" r:id="rId19"/>
-    <p:sldId id="664" r:id="rId20"/>
-    <p:sldId id="658" r:id="rId21"/>
-    <p:sldId id="657" r:id="rId22"/>
-    <p:sldId id="656" r:id="rId23"/>
-    <p:sldId id="654" r:id="rId24"/>
-    <p:sldId id="653" r:id="rId25"/>
-    <p:sldId id="651" r:id="rId26"/>
-    <p:sldId id="650" r:id="rId27"/>
-    <p:sldId id="648" r:id="rId28"/>
-    <p:sldId id="647" r:id="rId29"/>
-    <p:sldId id="720" r:id="rId30"/>
-    <p:sldId id="644" r:id="rId31"/>
-    <p:sldId id="636" r:id="rId32"/>
-    <p:sldId id="631" r:id="rId33"/>
-    <p:sldId id="630" r:id="rId34"/>
-    <p:sldId id="629" r:id="rId35"/>
-    <p:sldId id="721" r:id="rId36"/>
-    <p:sldId id="627" r:id="rId37"/>
-    <p:sldId id="723" r:id="rId38"/>
+    <p:sldId id="535" r:id="rId2"/>
+    <p:sldId id="534" r:id="rId3"/>
+    <p:sldId id="718" r:id="rId4"/>
+    <p:sldId id="693" r:id="rId5"/>
+    <p:sldId id="689" r:id="rId6"/>
+    <p:sldId id="682" r:id="rId7"/>
+    <p:sldId id="681" r:id="rId8"/>
+    <p:sldId id="725" r:id="rId9"/>
+    <p:sldId id="680" r:id="rId10"/>
+    <p:sldId id="679" r:id="rId11"/>
+    <p:sldId id="678" r:id="rId12"/>
+    <p:sldId id="677" r:id="rId13"/>
+    <p:sldId id="695" r:id="rId14"/>
+    <p:sldId id="676" r:id="rId15"/>
+    <p:sldId id="674" r:id="rId16"/>
+    <p:sldId id="673" r:id="rId17"/>
+    <p:sldId id="672" r:id="rId18"/>
+    <p:sldId id="719" r:id="rId19"/>
+    <p:sldId id="665" r:id="rId20"/>
+    <p:sldId id="664" r:id="rId21"/>
+    <p:sldId id="658" r:id="rId22"/>
+    <p:sldId id="657" r:id="rId23"/>
+    <p:sldId id="656" r:id="rId24"/>
+    <p:sldId id="654" r:id="rId25"/>
+    <p:sldId id="653" r:id="rId26"/>
+    <p:sldId id="651" r:id="rId27"/>
+    <p:sldId id="650" r:id="rId28"/>
+    <p:sldId id="648" r:id="rId29"/>
+    <p:sldId id="647" r:id="rId30"/>
+    <p:sldId id="720" r:id="rId31"/>
+    <p:sldId id="644" r:id="rId32"/>
+    <p:sldId id="636" r:id="rId33"/>
+    <p:sldId id="631" r:id="rId34"/>
+    <p:sldId id="630" r:id="rId35"/>
+    <p:sldId id="629" r:id="rId36"/>
+    <p:sldId id="721" r:id="rId37"/>
+    <p:sldId id="627" r:id="rId38"/>
+    <p:sldId id="723" r:id="rId39"/>
   </p:sldIdLst>
   <p:sldSz cx="9144000" cy="6858000" type="screen4x3"/>
   <p:notesSz cx="6858000" cy="9144000"/>
@@ -3403,7 +3404,7 @@
           <p:cNvPr id="3073" name="标题 1">
             <a:extLst>
               <a:ext uri="{FF2B5EF4-FFF2-40B4-BE49-F238E27FC236}">
-                <a16:creationId xmlns:a16="http://schemas.microsoft.com/office/drawing/2014/main" id="{5B535055-E1E3-48D6-AFC8-EA76A913D1FA}"/>
+                <a16:creationId xmlns:a16="http://schemas.microsoft.com/office/drawing/2014/main" id="{1B4089E6-81A0-408E-A094-F8CCF15D443A}"/>
               </a:ext>
             </a:extLst>
           </p:cNvPr>
@@ -3414,13 +3415,18 @@
             <p:ph type="ctrTitle"/>
           </p:nvPr>
         </p:nvSpPr>
-        <p:spPr/>
+        <p:spPr>
+          <a:xfrm>
+            <a:off x="612775" y="-26988"/>
+            <a:ext cx="7772400" cy="858838"/>
+          </a:xfrm>
+        </p:spPr>
         <p:txBody>
           <a:bodyPr/>
           <a:lstStyle/>
           <a:p>
             <a:pPr eaLnBrk="1" hangingPunct="1"/>
-            <a:endParaRPr lang="zh-CN" altLang="zh-CN"/>
+            <a:endParaRPr lang="zh-CN" altLang="zh-CN" sz="3600"/>
           </a:p>
         </p:txBody>
       </p:sp>
@@ -3429,7 +3435,7 @@
           <p:cNvPr id="3074" name="副标题 2">
             <a:extLst>
               <a:ext uri="{FF2B5EF4-FFF2-40B4-BE49-F238E27FC236}">
-                <a16:creationId xmlns:a16="http://schemas.microsoft.com/office/drawing/2014/main" id="{ADB47CE8-0561-4641-BD69-0145861AC41A}"/>
+                <a16:creationId xmlns:a16="http://schemas.microsoft.com/office/drawing/2014/main" id="{1CC3C061-3FC1-469D-9131-8ADA777BB29D}"/>
               </a:ext>
             </a:extLst>
           </p:cNvPr>
@@ -3459,7 +3465,7 @@
           <p:cNvPr id="3075" name="Picture 3">
             <a:extLst>
               <a:ext uri="{FF2B5EF4-FFF2-40B4-BE49-F238E27FC236}">
-                <a16:creationId xmlns:a16="http://schemas.microsoft.com/office/drawing/2014/main" id="{7C8C650E-2A4A-4AB6-A887-8366A5528E96}"/>
+                <a16:creationId xmlns:a16="http://schemas.microsoft.com/office/drawing/2014/main" id="{99453424-443E-404D-B64E-382903144FF3}"/>
               </a:ext>
             </a:extLst>
           </p:cNvPr>
@@ -3520,7 +3526,7 @@
           <p:cNvPr id="3076" name="Rectangle 4">
             <a:extLst>
               <a:ext uri="{FF2B5EF4-FFF2-40B4-BE49-F238E27FC236}">
-                <a16:creationId xmlns:a16="http://schemas.microsoft.com/office/drawing/2014/main" id="{A103DB36-4B3C-4DBA-A2D6-E6786015A0F8}"/>
+                <a16:creationId xmlns:a16="http://schemas.microsoft.com/office/drawing/2014/main" id="{9A3A10D9-17A6-4C02-A33E-562B974318F9}"/>
               </a:ext>
             </a:extLst>
           </p:cNvPr>
@@ -3531,8 +3537,8 @@
         </p:nvSpPr>
         <p:spPr bwMode="auto">
           <a:xfrm>
-            <a:off x="323850" y="908050"/>
-            <a:ext cx="8208963" cy="2663825"/>
+            <a:off x="323705" y="790664"/>
+            <a:ext cx="8208962" cy="5112455"/>
           </a:xfrm>
           <a:prstGeom prst="rect">
             <a:avLst/>
@@ -3563,155 +3569,153 @@
         </p:spPr>
         <p:txBody>
           <a:bodyPr anchor="ctr"/>
-          <a:lstStyle>
-            <a:lvl1pPr>
-              <a:defRPr>
-                <a:solidFill>
-                  <a:schemeClr val="tx1"/>
-                </a:solidFill>
-                <a:latin typeface="Arial" panose="020B0604020202020204" pitchFamily="34" charset="0"/>
-                <a:ea typeface="宋体" panose="02010600030101010101" pitchFamily="2" charset="-122"/>
-              </a:defRPr>
-            </a:lvl1pPr>
-            <a:lvl2pPr>
-              <a:defRPr>
-                <a:solidFill>
-                  <a:schemeClr val="tx1"/>
-                </a:solidFill>
-                <a:latin typeface="Arial" panose="020B0604020202020204" pitchFamily="34" charset="0"/>
-                <a:ea typeface="宋体" panose="02010600030101010101" pitchFamily="2" charset="-122"/>
-              </a:defRPr>
-            </a:lvl2pPr>
-            <a:lvl3pPr>
-              <a:defRPr>
-                <a:solidFill>
-                  <a:schemeClr val="tx1"/>
-                </a:solidFill>
-                <a:latin typeface="Arial" panose="020B0604020202020204" pitchFamily="34" charset="0"/>
-                <a:ea typeface="宋体" panose="02010600030101010101" pitchFamily="2" charset="-122"/>
-              </a:defRPr>
-            </a:lvl3pPr>
-            <a:lvl4pPr>
-              <a:defRPr>
-                <a:solidFill>
-                  <a:schemeClr val="tx1"/>
-                </a:solidFill>
-                <a:latin typeface="Arial" panose="020B0604020202020204" pitchFamily="34" charset="0"/>
-                <a:ea typeface="宋体" panose="02010600030101010101" pitchFamily="2" charset="-122"/>
-              </a:defRPr>
-            </a:lvl4pPr>
-            <a:lvl5pPr>
-              <a:defRPr>
-                <a:solidFill>
-                  <a:schemeClr val="tx1"/>
-                </a:solidFill>
-                <a:latin typeface="Arial" panose="020B0604020202020204" pitchFamily="34" charset="0"/>
-                <a:ea typeface="宋体" panose="02010600030101010101" pitchFamily="2" charset="-122"/>
-              </a:defRPr>
-            </a:lvl5pPr>
-            <a:lvl6pPr fontAlgn="base">
-              <a:spcBef>
-                <a:spcPct val="0"/>
-              </a:spcBef>
-              <a:spcAft>
-                <a:spcPct val="0"/>
-              </a:spcAft>
-              <a:buFont typeface="Arial" panose="020B0604020202020204" pitchFamily="34" charset="0"/>
-              <a:defRPr>
-                <a:solidFill>
-                  <a:schemeClr val="tx1"/>
-                </a:solidFill>
-                <a:latin typeface="Arial" panose="020B0604020202020204" pitchFamily="34" charset="0"/>
-                <a:ea typeface="宋体" panose="02010600030101010101" pitchFamily="2" charset="-122"/>
-              </a:defRPr>
-            </a:lvl6pPr>
-            <a:lvl7pPr fontAlgn="base">
-              <a:spcBef>
-                <a:spcPct val="0"/>
-              </a:spcBef>
-              <a:spcAft>
-                <a:spcPct val="0"/>
-              </a:spcAft>
-              <a:buFont typeface="Arial" panose="020B0604020202020204" pitchFamily="34" charset="0"/>
-              <a:defRPr>
-                <a:solidFill>
-                  <a:schemeClr val="tx1"/>
-                </a:solidFill>
-                <a:latin typeface="Arial" panose="020B0604020202020204" pitchFamily="34" charset="0"/>
-                <a:ea typeface="宋体" panose="02010600030101010101" pitchFamily="2" charset="-122"/>
-              </a:defRPr>
-            </a:lvl7pPr>
-            <a:lvl8pPr fontAlgn="base">
-              <a:spcBef>
-                <a:spcPct val="0"/>
-              </a:spcBef>
-              <a:spcAft>
-                <a:spcPct val="0"/>
-              </a:spcAft>
-              <a:buFont typeface="Arial" panose="020B0604020202020204" pitchFamily="34" charset="0"/>
-              <a:defRPr>
-                <a:solidFill>
-                  <a:schemeClr val="tx1"/>
-                </a:solidFill>
-                <a:latin typeface="Arial" panose="020B0604020202020204" pitchFamily="34" charset="0"/>
-                <a:ea typeface="宋体" panose="02010600030101010101" pitchFamily="2" charset="-122"/>
-              </a:defRPr>
-            </a:lvl8pPr>
-            <a:lvl9pPr fontAlgn="base">
-              <a:spcBef>
-                <a:spcPct val="0"/>
-              </a:spcBef>
-              <a:spcAft>
-                <a:spcPct val="0"/>
-              </a:spcAft>
-              <a:buFont typeface="Arial" panose="020B0604020202020204" pitchFamily="34" charset="0"/>
-              <a:defRPr>
-                <a:solidFill>
-                  <a:schemeClr val="tx1"/>
-                </a:solidFill>
-                <a:latin typeface="Arial" panose="020B0604020202020204" pitchFamily="34" charset="0"/>
-                <a:ea typeface="宋体" panose="02010600030101010101" pitchFamily="2" charset="-122"/>
-              </a:defRPr>
-            </a:lvl9pPr>
-          </a:lstStyle>
-          <a:p>
-            <a:pPr algn="ctr"/>
-            <a:r>
-              <a:rPr lang="zh-CN" altLang="en-US" sz="6000">
+          <a:lstStyle/>
+          <a:p>
+            <a:pPr algn="ctr">
+              <a:buSzPct val="100000"/>
+            </a:pPr>
+            <a:r>
+              <a:rPr lang="zh-CN" altLang="en-US" sz="6000" b="1" dirty="0">
                 <a:solidFill>
                   <a:schemeClr val="bg1"/>
                 </a:solidFill>
                 <a:latin typeface="黑体" panose="02010609060101010101" pitchFamily="49" charset="-122"/>
                 <a:ea typeface="黑体" panose="02010609060101010101" pitchFamily="49" charset="-122"/>
-                <a:sym typeface="宋体" panose="02010600030101010101" pitchFamily="2" charset="-122"/>
+                <a:sym typeface="黑体" panose="02010609060101010101" pitchFamily="49" charset="-122"/>
               </a:rPr>
               <a:t>数据库系统概论</a:t>
             </a:r>
+            <a:endParaRPr lang="en-US" altLang="en-US" sz="6000" b="1" dirty="0">
+              <a:solidFill>
+                <a:schemeClr val="bg1"/>
+              </a:solidFill>
+              <a:latin typeface="黑体" panose="02010609060101010101" pitchFamily="49" charset="-122"/>
+              <a:ea typeface="黑体" panose="02010609060101010101" pitchFamily="49" charset="-122"/>
+              <a:sym typeface="黑体" panose="02010609060101010101" pitchFamily="49" charset="-122"/>
+            </a:endParaRPr>
+          </a:p>
+          <a:p>
+            <a:pPr algn="ctr">
+              <a:buSzPct val="100000"/>
+            </a:pPr>
+            <a:r>
+              <a:rPr lang="en-US" altLang="zh-CN" sz="3600" b="1" dirty="0">
+                <a:solidFill>
+                  <a:schemeClr val="bg1"/>
+                </a:solidFill>
+                <a:latin typeface="Times New Roman" panose="02020603050405020304" pitchFamily="18" charset="0"/>
+                <a:sym typeface="Times New Roman" panose="02020603050405020304" pitchFamily="18" charset="0"/>
+              </a:rPr>
+              <a:t>An Introduction to Database System</a:t>
+            </a:r>
+            <a:endParaRPr lang="zh-CN" altLang="en-US" sz="3600" b="1" dirty="0">
+              <a:solidFill>
+                <a:schemeClr val="bg1"/>
+              </a:solidFill>
+              <a:latin typeface="Times New Roman" panose="02020603050405020304" pitchFamily="18" charset="0"/>
+              <a:sym typeface="Times New Roman" panose="02020603050405020304" pitchFamily="18" charset="0"/>
+            </a:endParaRPr>
+          </a:p>
+          <a:p>
+            <a:pPr algn="ctr">
+              <a:buSzPct val="100000"/>
+            </a:pPr>
+            <a:endParaRPr lang="zh-CN" altLang="en-US" sz="6000" b="1" dirty="0">
+              <a:solidFill>
+                <a:schemeClr val="bg1"/>
+              </a:solidFill>
+              <a:latin typeface="黑体" panose="02010609060101010101" pitchFamily="49" charset="-122"/>
+              <a:ea typeface="黑体" panose="02010609060101010101" pitchFamily="49" charset="-122"/>
+              <a:sym typeface="黑体" panose="02010609060101010101" pitchFamily="49" charset="-122"/>
+            </a:endParaRPr>
+          </a:p>
+          <a:p>
+            <a:pPr lvl="3">
+              <a:buSzPct val="100000"/>
+            </a:pPr>
+            <a:r>
+              <a:rPr lang="zh-CN" altLang="en-US" sz="3600" b="1" dirty="0">
+                <a:solidFill>
+                  <a:srgbClr val="FFFFFF"/>
+                </a:solidFill>
+              </a:rPr>
+              <a:t>第一篇 基础篇 </a:t>
+            </a:r>
+            <a:r>
+              <a:rPr lang="zh-CN" altLang="en-US" sz="3600" b="1" dirty="0">
+                <a:solidFill>
+                  <a:srgbClr val="92D050"/>
+                </a:solidFill>
+                <a:latin typeface="隶书" panose="02010509060101010101" pitchFamily="49" charset="-122"/>
+                <a:ea typeface="隶书" panose="02010509060101010101" pitchFamily="49" charset="-122"/>
+              </a:rPr>
+              <a:t>√</a:t>
+            </a:r>
+            <a:endParaRPr lang="en-US" altLang="zh-CN" sz="3600" b="1" dirty="0">
+              <a:solidFill>
+                <a:srgbClr val="92D050"/>
+              </a:solidFill>
+              <a:latin typeface="隶书" panose="02010509060101010101" pitchFamily="49" charset="-122"/>
+              <a:ea typeface="隶书" panose="02010509060101010101" pitchFamily="49" charset="-122"/>
+            </a:endParaRPr>
+          </a:p>
+          <a:p>
+            <a:pPr lvl="3">
+              <a:buSzPct val="100000"/>
+            </a:pPr>
+            <a:r>
+              <a:rPr lang="zh-CN" altLang="en-US" sz="3600" b="1" dirty="0">
+                <a:solidFill>
+                  <a:srgbClr val="FFFFFF"/>
+                </a:solidFill>
+              </a:rPr>
+              <a:t>第二篇 设计与应用开发篇</a:t>
+            </a:r>
+            <a:r>
+              <a:rPr lang="zh-CN" altLang="en-US" sz="3600" b="1" dirty="0">
+                <a:solidFill>
+                  <a:srgbClr val="92D050"/>
+                </a:solidFill>
+                <a:latin typeface="隶书" panose="02010509060101010101" pitchFamily="49" charset="-122"/>
+                <a:ea typeface="隶书" panose="02010509060101010101" pitchFamily="49" charset="-122"/>
+              </a:rPr>
+              <a:t>√</a:t>
+            </a:r>
+            <a:endParaRPr lang="en-US" altLang="zh-CN" sz="3600" b="1" dirty="0">
+              <a:solidFill>
+                <a:srgbClr val="FFFFFF"/>
+              </a:solidFill>
+            </a:endParaRPr>
+          </a:p>
+          <a:p>
+            <a:pPr lvl="3">
+              <a:buSzPct val="100000"/>
+            </a:pPr>
+            <a:r>
+              <a:rPr lang="zh-CN" altLang="en-US" sz="3600" b="1" dirty="0">
+                <a:solidFill>
+                  <a:srgbClr val="FFFFFF"/>
+                </a:solidFill>
+              </a:rPr>
+              <a:t>第三篇 系统篇</a:t>
+            </a:r>
             <a:br>
-              <a:rPr lang="zh-CN" altLang="en-US" sz="6000">
+              <a:rPr lang="zh-CN" altLang="en-US" sz="6000" b="1" dirty="0">
+                <a:solidFill>
+                  <a:srgbClr val="000000"/>
+                </a:solidFill>
                 <a:latin typeface="黑体" panose="02010609060101010101" pitchFamily="49" charset="-122"/>
                 <a:ea typeface="黑体" panose="02010609060101010101" pitchFamily="49" charset="-122"/>
-                <a:sym typeface="宋体" panose="02010600030101010101" pitchFamily="2" charset="-122"/>
+                <a:sym typeface="黑体" panose="02010609060101010101" pitchFamily="49" charset="-122"/>
               </a:rPr>
             </a:br>
-            <a:r>
-              <a:rPr lang="zh-CN" altLang="en-US" sz="6000">
-                <a:latin typeface="黑体" panose="02010609060101010101" pitchFamily="49" charset="-122"/>
-                <a:ea typeface="黑体" panose="02010609060101010101" pitchFamily="49" charset="-122"/>
-                <a:sym typeface="宋体" panose="02010600030101010101" pitchFamily="2" charset="-122"/>
-              </a:rPr>
-              <a:t> </a:t>
-            </a:r>
-            <a:r>
-              <a:rPr lang="en-US" altLang="zh-CN" sz="3600" b="1">
-                <a:solidFill>
-                  <a:schemeClr val="bg1"/>
-                </a:solidFill>
-                <a:latin typeface="Times New Roman" panose="02020603050405020304" pitchFamily="18" charset="0"/>
-                <a:sym typeface="宋体" panose="02010600030101010101" pitchFamily="2" charset="-122"/>
-              </a:rPr>
-              <a:t>An Introduction to Database System</a:t>
-            </a:r>
+            <a:endParaRPr lang="en-US" altLang="zh-CN" sz="3600" b="1" dirty="0">
+              <a:solidFill>
+                <a:schemeClr val="bg1"/>
+              </a:solidFill>
+              <a:latin typeface="Times New Roman" panose="02020603050405020304" pitchFamily="18" charset="0"/>
+              <a:sym typeface="Times New Roman" panose="02020603050405020304" pitchFamily="18" charset="0"/>
+            </a:endParaRPr>
           </a:p>
         </p:txBody>
       </p:sp>
@@ -3720,7 +3724,7 @@
           <p:cNvPr id="3077" name="Rectangle 3">
             <a:extLst>
               <a:ext uri="{FF2B5EF4-FFF2-40B4-BE49-F238E27FC236}">
-                <a16:creationId xmlns:a16="http://schemas.microsoft.com/office/drawing/2014/main" id="{A0E2AC83-349D-47BE-98C5-C2231B20724F}"/>
+                <a16:creationId xmlns:a16="http://schemas.microsoft.com/office/drawing/2014/main" id="{FC23613C-A63D-41EE-9108-2602DE713666}"/>
               </a:ext>
             </a:extLst>
           </p:cNvPr>
@@ -3731,8 +3735,8 @@
         </p:nvSpPr>
         <p:spPr bwMode="auto">
           <a:xfrm>
-            <a:off x="2123728" y="5899150"/>
-            <a:ext cx="5256212" cy="574675"/>
+            <a:off x="1692275" y="5568950"/>
+            <a:ext cx="5256213" cy="668338"/>
           </a:xfrm>
           <a:prstGeom prst="rect">
             <a:avLst/>
@@ -3763,117 +3767,7 @@
         </p:spPr>
         <p:txBody>
           <a:bodyPr/>
-          <a:lstStyle>
-            <a:lvl1pPr>
-              <a:defRPr>
-                <a:solidFill>
-                  <a:schemeClr val="tx1"/>
-                </a:solidFill>
-                <a:latin typeface="Arial" panose="020B0604020202020204" pitchFamily="34" charset="0"/>
-                <a:ea typeface="宋体" panose="02010600030101010101" pitchFamily="2" charset="-122"/>
-              </a:defRPr>
-            </a:lvl1pPr>
-            <a:lvl2pPr>
-              <a:defRPr>
-                <a:solidFill>
-                  <a:schemeClr val="tx1"/>
-                </a:solidFill>
-                <a:latin typeface="Arial" panose="020B0604020202020204" pitchFamily="34" charset="0"/>
-                <a:ea typeface="宋体" panose="02010600030101010101" pitchFamily="2" charset="-122"/>
-              </a:defRPr>
-            </a:lvl2pPr>
-            <a:lvl3pPr>
-              <a:defRPr>
-                <a:solidFill>
-                  <a:schemeClr val="tx1"/>
-                </a:solidFill>
-                <a:latin typeface="Arial" panose="020B0604020202020204" pitchFamily="34" charset="0"/>
-                <a:ea typeface="宋体" panose="02010600030101010101" pitchFamily="2" charset="-122"/>
-              </a:defRPr>
-            </a:lvl3pPr>
-            <a:lvl4pPr>
-              <a:defRPr>
-                <a:solidFill>
-                  <a:schemeClr val="tx1"/>
-                </a:solidFill>
-                <a:latin typeface="Arial" panose="020B0604020202020204" pitchFamily="34" charset="0"/>
-                <a:ea typeface="宋体" panose="02010600030101010101" pitchFamily="2" charset="-122"/>
-              </a:defRPr>
-            </a:lvl4pPr>
-            <a:lvl5pPr>
-              <a:defRPr>
-                <a:solidFill>
-                  <a:schemeClr val="tx1"/>
-                </a:solidFill>
-                <a:latin typeface="Arial" panose="020B0604020202020204" pitchFamily="34" charset="0"/>
-                <a:ea typeface="宋体" panose="02010600030101010101" pitchFamily="2" charset="-122"/>
-              </a:defRPr>
-            </a:lvl5pPr>
-            <a:lvl6pPr fontAlgn="base">
-              <a:spcBef>
-                <a:spcPct val="0"/>
-              </a:spcBef>
-              <a:spcAft>
-                <a:spcPct val="0"/>
-              </a:spcAft>
-              <a:buFont typeface="Arial" panose="020B0604020202020204" pitchFamily="34" charset="0"/>
-              <a:defRPr>
-                <a:solidFill>
-                  <a:schemeClr val="tx1"/>
-                </a:solidFill>
-                <a:latin typeface="Arial" panose="020B0604020202020204" pitchFamily="34" charset="0"/>
-                <a:ea typeface="宋体" panose="02010600030101010101" pitchFamily="2" charset="-122"/>
-              </a:defRPr>
-            </a:lvl6pPr>
-            <a:lvl7pPr fontAlgn="base">
-              <a:spcBef>
-                <a:spcPct val="0"/>
-              </a:spcBef>
-              <a:spcAft>
-                <a:spcPct val="0"/>
-              </a:spcAft>
-              <a:buFont typeface="Arial" panose="020B0604020202020204" pitchFamily="34" charset="0"/>
-              <a:defRPr>
-                <a:solidFill>
-                  <a:schemeClr val="tx1"/>
-                </a:solidFill>
-                <a:latin typeface="Arial" panose="020B0604020202020204" pitchFamily="34" charset="0"/>
-                <a:ea typeface="宋体" panose="02010600030101010101" pitchFamily="2" charset="-122"/>
-              </a:defRPr>
-            </a:lvl7pPr>
-            <a:lvl8pPr fontAlgn="base">
-              <a:spcBef>
-                <a:spcPct val="0"/>
-              </a:spcBef>
-              <a:spcAft>
-                <a:spcPct val="0"/>
-              </a:spcAft>
-              <a:buFont typeface="Arial" panose="020B0604020202020204" pitchFamily="34" charset="0"/>
-              <a:defRPr>
-                <a:solidFill>
-                  <a:schemeClr val="tx1"/>
-                </a:solidFill>
-                <a:latin typeface="Arial" panose="020B0604020202020204" pitchFamily="34" charset="0"/>
-                <a:ea typeface="宋体" panose="02010600030101010101" pitchFamily="2" charset="-122"/>
-              </a:defRPr>
-            </a:lvl8pPr>
-            <a:lvl9pPr fontAlgn="base">
-              <a:spcBef>
-                <a:spcPct val="0"/>
-              </a:spcBef>
-              <a:spcAft>
-                <a:spcPct val="0"/>
-              </a:spcAft>
-              <a:buFont typeface="Arial" panose="020B0604020202020204" pitchFamily="34" charset="0"/>
-              <a:defRPr>
-                <a:solidFill>
-                  <a:schemeClr val="tx1"/>
-                </a:solidFill>
-                <a:latin typeface="Arial" panose="020B0604020202020204" pitchFamily="34" charset="0"/>
-                <a:ea typeface="宋体" panose="02010600030101010101" pitchFamily="2" charset="-122"/>
-              </a:defRPr>
-            </a:lvl9pPr>
-          </a:lstStyle>
+          <a:lstStyle/>
           <a:p>
             <a:pPr algn="ctr">
               <a:lnSpc>
@@ -3882,234 +3776,262 @@
               <a:spcBef>
                 <a:spcPct val="20000"/>
               </a:spcBef>
-              <a:buFont typeface="Wingdings" panose="05000000000000000000" pitchFamily="2" charset="2"/>
-              <a:buNone/>
+              <a:buSzPct val="100000"/>
             </a:pPr>
-            <a:r>
-              <a:rPr lang="zh-CN" altLang="en-US" sz="2400" b="1" dirty="0">
-                <a:solidFill>
-                  <a:schemeClr val="bg1"/>
-                </a:solidFill>
-                <a:latin typeface="Times-Roman" charset="0"/>
-                <a:ea typeface="隶书" panose="02010509060101010101" pitchFamily="49" charset="-122"/>
-                <a:sym typeface="Arial" panose="020B0604020202020204" pitchFamily="34" charset="0"/>
-              </a:rPr>
-              <a:t>河北大学网络空间安全与计算机学院</a:t>
-            </a:r>
-            <a:endParaRPr lang="en-US" altLang="zh-CN" sz="2400" b="1" dirty="0">
+            <a:endParaRPr lang="zh-CN" altLang="en-US" sz="2400" b="1">
               <a:solidFill>
                 <a:schemeClr val="bg1"/>
               </a:solidFill>
               <a:latin typeface="Times-Roman" charset="0"/>
               <a:ea typeface="隶书" panose="02010509060101010101" pitchFamily="49" charset="-122"/>
-              <a:sym typeface="宋体" panose="02010600030101010101" pitchFamily="2" charset="-122"/>
+              <a:sym typeface="Times-Roman" charset="0"/>
             </a:endParaRPr>
+          </a:p>
+        </p:txBody>
+      </p:sp>
+    </p:spTree>
+    <p:extLst>
+      <p:ext uri="{BB962C8B-B14F-4D97-AF65-F5344CB8AC3E}">
+        <p14:creationId xmlns:p14="http://schemas.microsoft.com/office/powerpoint/2010/main" val="1360953759"/>
+      </p:ext>
+    </p:extLst>
+  </p:cSld>
+  <p:clrMapOvr>
+    <a:masterClrMapping/>
+  </p:clrMapOvr>
+</p:sld>
+</file>
+
+<file path=ppt/slides/slide10.xml><?xml version="1.0" encoding="utf-8"?>
+<p:sld xmlns:a="http://schemas.openxmlformats.org/drawingml/2006/main" xmlns:r="http://schemas.openxmlformats.org/officeDocument/2006/relationships" xmlns:p="http://schemas.openxmlformats.org/presentationml/2006/main">
+  <p:cSld>
+    <p:spTree>
+      <p:nvGrpSpPr>
+        <p:cNvPr id="1" name=""/>
+        <p:cNvGrpSpPr/>
+        <p:nvPr/>
+      </p:nvGrpSpPr>
+      <p:grpSpPr>
+        <a:xfrm>
+          <a:off x="0" y="0"/>
+          <a:ext cx="0" cy="0"/>
+          <a:chOff x="0" y="0"/>
+          <a:chExt cx="0" cy="0"/>
+        </a:xfrm>
+      </p:grpSpPr>
+      <p:sp>
+        <p:nvSpPr>
+          <p:cNvPr id="11265" name="标题 1">
+            <a:extLst>
+              <a:ext uri="{FF2B5EF4-FFF2-40B4-BE49-F238E27FC236}">
+                <a16:creationId xmlns:a16="http://schemas.microsoft.com/office/drawing/2014/main" id="{77983260-FCC6-4B9D-AA1D-43A9FC700432}"/>
+              </a:ext>
+            </a:extLst>
+          </p:cNvPr>
+          <p:cNvSpPr>
+            <a:spLocks noGrp="1" noChangeArrowheads="1"/>
+          </p:cNvSpPr>
+          <p:nvPr>
+            <p:ph type="title"/>
+          </p:nvPr>
+        </p:nvSpPr>
+        <p:spPr/>
+        <p:txBody>
+          <a:bodyPr/>
+          <a:lstStyle/>
+          <a:p>
+            <a:r>
+              <a:rPr lang="zh-CN" altLang="zh-CN" sz="3600"/>
+              <a:t>选择操作的实现（续）</a:t>
+            </a:r>
+            <a:endParaRPr lang="zh-CN" altLang="en-US" sz="3600"/>
           </a:p>
         </p:txBody>
       </p:sp>
       <p:sp>
         <p:nvSpPr>
-          <p:cNvPr id="3078" name="矩形 7">
+          <p:cNvPr id="20482" name="内容占位符 2">
             <a:extLst>
               <a:ext uri="{FF2B5EF4-FFF2-40B4-BE49-F238E27FC236}">
-                <a16:creationId xmlns:a16="http://schemas.microsoft.com/office/drawing/2014/main" id="{F089EA29-BBDF-4A31-AAF9-B27FBADEE2FA}"/>
+                <a16:creationId xmlns:a16="http://schemas.microsoft.com/office/drawing/2014/main" id="{FE25FF54-CE59-458B-8082-91CD535A3574}"/>
               </a:ext>
             </a:extLst>
           </p:cNvPr>
           <p:cNvSpPr>
-            <a:spLocks noChangeArrowheads="1"/>
+            <a:spLocks noGrp="1"/>
           </p:cNvSpPr>
-          <p:nvPr/>
+          <p:nvPr>
+            <p:ph idx="1"/>
+          </p:nvPr>
         </p:nvSpPr>
-        <p:spPr bwMode="auto">
+        <p:spPr>
           <a:xfrm>
-            <a:off x="1371600" y="3933825"/>
-            <a:ext cx="6584950" cy="1631950"/>
+            <a:off x="457200" y="1098550"/>
+            <a:ext cx="8229600" cy="5095875"/>
           </a:xfrm>
-          <a:prstGeom prst="rect">
-            <a:avLst/>
-          </a:prstGeom>
-          <a:noFill/>
           <a:ln>
-            <a:noFill/>
+            <a:miter/>
           </a:ln>
-          <a:extLst>
-            <a:ext uri="{909E8E84-426E-40DD-AFC4-6F175D3DCCD1}">
-              <a14:hiddenFill xmlns:a14="http://schemas.microsoft.com/office/drawing/2010/main">
-                <a:solidFill>
-                  <a:srgbClr val="FFFFFF"/>
-                </a:solidFill>
-              </a14:hiddenFill>
-            </a:ext>
-            <a:ext uri="{91240B29-F687-4F45-9708-019B960494DF}">
-              <a14:hiddenLine xmlns:a14="http://schemas.microsoft.com/office/drawing/2010/main" w="9525">
-                <a:solidFill>
-                  <a:srgbClr val="000000"/>
-                </a:solidFill>
-                <a:miter lim="800000"/>
-                <a:headEnd/>
-                <a:tailEnd/>
-              </a14:hiddenLine>
-            </a:ext>
-          </a:extLst>
         </p:spPr>
         <p:txBody>
-          <a:bodyPr>
-            <a:spAutoFit/>
-          </a:bodyPr>
-          <a:lstStyle>
-            <a:lvl1pPr>
-              <a:defRPr>
-                <a:solidFill>
-                  <a:schemeClr val="tx1"/>
-                </a:solidFill>
-                <a:latin typeface="Arial" panose="020B0604020202020204" pitchFamily="34" charset="0"/>
-                <a:ea typeface="宋体" panose="02010600030101010101" pitchFamily="2" charset="-122"/>
-              </a:defRPr>
-            </a:lvl1pPr>
-            <a:lvl2pPr>
-              <a:defRPr>
-                <a:solidFill>
-                  <a:schemeClr val="tx1"/>
-                </a:solidFill>
-                <a:latin typeface="Arial" panose="020B0604020202020204" pitchFamily="34" charset="0"/>
-                <a:ea typeface="宋体" panose="02010600030101010101" pitchFamily="2" charset="-122"/>
-              </a:defRPr>
-            </a:lvl2pPr>
-            <a:lvl3pPr>
-              <a:defRPr>
-                <a:solidFill>
-                  <a:schemeClr val="tx1"/>
-                </a:solidFill>
-                <a:latin typeface="Arial" panose="020B0604020202020204" pitchFamily="34" charset="0"/>
-                <a:ea typeface="宋体" panose="02010600030101010101" pitchFamily="2" charset="-122"/>
-              </a:defRPr>
-            </a:lvl3pPr>
-            <a:lvl4pPr>
-              <a:defRPr>
-                <a:solidFill>
-                  <a:schemeClr val="tx1"/>
-                </a:solidFill>
-                <a:latin typeface="Arial" panose="020B0604020202020204" pitchFamily="34" charset="0"/>
-                <a:ea typeface="宋体" panose="02010600030101010101" pitchFamily="2" charset="-122"/>
-              </a:defRPr>
-            </a:lvl4pPr>
-            <a:lvl5pPr>
-              <a:defRPr>
-                <a:solidFill>
-                  <a:schemeClr val="tx1"/>
-                </a:solidFill>
-                <a:latin typeface="Arial" panose="020B0604020202020204" pitchFamily="34" charset="0"/>
-                <a:ea typeface="宋体" panose="02010600030101010101" pitchFamily="2" charset="-122"/>
-              </a:defRPr>
-            </a:lvl5pPr>
-            <a:lvl6pPr fontAlgn="base">
-              <a:spcBef>
-                <a:spcPct val="0"/>
-              </a:spcBef>
-              <a:spcAft>
-                <a:spcPct val="0"/>
-              </a:spcAft>
-              <a:buFont typeface="Arial" panose="020B0604020202020204" pitchFamily="34" charset="0"/>
-              <a:defRPr>
-                <a:solidFill>
-                  <a:schemeClr val="tx1"/>
-                </a:solidFill>
-                <a:latin typeface="Arial" panose="020B0604020202020204" pitchFamily="34" charset="0"/>
-                <a:ea typeface="宋体" panose="02010600030101010101" pitchFamily="2" charset="-122"/>
-              </a:defRPr>
-            </a:lvl6pPr>
-            <a:lvl7pPr fontAlgn="base">
-              <a:spcBef>
-                <a:spcPct val="0"/>
-              </a:spcBef>
-              <a:spcAft>
-                <a:spcPct val="0"/>
-              </a:spcAft>
-              <a:buFont typeface="Arial" panose="020B0604020202020204" pitchFamily="34" charset="0"/>
-              <a:defRPr>
-                <a:solidFill>
-                  <a:schemeClr val="tx1"/>
-                </a:solidFill>
-                <a:latin typeface="Arial" panose="020B0604020202020204" pitchFamily="34" charset="0"/>
-                <a:ea typeface="宋体" panose="02010600030101010101" pitchFamily="2" charset="-122"/>
-              </a:defRPr>
-            </a:lvl7pPr>
-            <a:lvl8pPr fontAlgn="base">
-              <a:spcBef>
-                <a:spcPct val="0"/>
-              </a:spcBef>
-              <a:spcAft>
-                <a:spcPct val="0"/>
-              </a:spcAft>
-              <a:buFont typeface="Arial" panose="020B0604020202020204" pitchFamily="34" charset="0"/>
-              <a:defRPr>
-                <a:solidFill>
-                  <a:schemeClr val="tx1"/>
-                </a:solidFill>
-                <a:latin typeface="Arial" panose="020B0604020202020204" pitchFamily="34" charset="0"/>
-                <a:ea typeface="宋体" panose="02010600030101010101" pitchFamily="2" charset="-122"/>
-              </a:defRPr>
-            </a:lvl8pPr>
-            <a:lvl9pPr fontAlgn="base">
-              <a:spcBef>
-                <a:spcPct val="0"/>
-              </a:spcBef>
-              <a:spcAft>
-                <a:spcPct val="0"/>
-              </a:spcAft>
-              <a:buFont typeface="Arial" panose="020B0604020202020204" pitchFamily="34" charset="0"/>
-              <a:defRPr>
-                <a:solidFill>
-                  <a:schemeClr val="tx1"/>
-                </a:solidFill>
-                <a:latin typeface="Arial" panose="020B0604020202020204" pitchFamily="34" charset="0"/>
-                <a:ea typeface="宋体" panose="02010600030101010101" pitchFamily="2" charset="-122"/>
-              </a:defRPr>
-            </a:lvl9pPr>
-          </a:lstStyle>
-          <a:p>
-            <a:pPr algn="ctr"/>
-            <a:r>
-              <a:rPr lang="zh-CN" altLang="en-US" sz="4800" b="1">
-                <a:solidFill>
-                  <a:schemeClr val="bg1"/>
-                </a:solidFill>
-                <a:latin typeface="黑体" panose="02010609060101010101" pitchFamily="49" charset="-122"/>
-                <a:ea typeface="黑体" panose="02010609060101010101" pitchFamily="49" charset="-122"/>
-              </a:rPr>
-              <a:t>第九章 关系查询处理     </a:t>
-            </a:r>
-            <a:endParaRPr lang="en-US" altLang="zh-CN" sz="4800" b="1">
-              <a:solidFill>
-                <a:schemeClr val="bg1"/>
-              </a:solidFill>
-              <a:latin typeface="黑体" panose="02010609060101010101" pitchFamily="49" charset="-122"/>
-              <a:ea typeface="黑体" panose="02010609060101010101" pitchFamily="49" charset="-122"/>
-            </a:endParaRPr>
-          </a:p>
-          <a:p>
-            <a:pPr algn="ctr"/>
-            <a:r>
-              <a:rPr lang="en-US" altLang="zh-CN" sz="4800" b="1">
-                <a:solidFill>
-                  <a:schemeClr val="bg1"/>
-                </a:solidFill>
-                <a:latin typeface="黑体" panose="02010609060101010101" pitchFamily="49" charset="-122"/>
-                <a:ea typeface="黑体" panose="02010609060101010101" pitchFamily="49" charset="-122"/>
-              </a:rPr>
-              <a:t>      </a:t>
-            </a:r>
-            <a:r>
-              <a:rPr lang="zh-CN" altLang="en-US" sz="4800" b="1">
-                <a:solidFill>
-                  <a:schemeClr val="bg1"/>
-                </a:solidFill>
-                <a:latin typeface="黑体" panose="02010609060101010101" pitchFamily="49" charset="-122"/>
-                <a:ea typeface="黑体" panose="02010609060101010101" pitchFamily="49" charset="-122"/>
-              </a:rPr>
-              <a:t>和查询优化</a:t>
-            </a:r>
+          <a:bodyPr/>
+          <a:lstStyle/>
+          <a:p>
+            <a:pPr>
+              <a:lnSpc>
+                <a:spcPct val="120000"/>
+              </a:lnSpc>
+            </a:pPr>
+            <a:r>
+              <a:rPr lang="zh-CN" altLang="en-US" noProof="1"/>
+              <a:t>索引扫描算法</a:t>
+            </a:r>
+            <a:endParaRPr lang="en-US" altLang="zh-CN" noProof="1"/>
+          </a:p>
+          <a:p>
+            <a:pPr marL="0" indent="0">
+              <a:lnSpc>
+                <a:spcPct val="120000"/>
+              </a:lnSpc>
+              <a:buFont typeface="Wingdings" panose="05000000000000000000" pitchFamily="2" charset="2"/>
+              <a:buNone/>
+            </a:pPr>
+            <a:r>
+              <a:rPr lang="en-US" altLang="zh-CN" noProof="1"/>
+              <a:t>[</a:t>
+            </a:r>
+            <a:r>
+              <a:rPr lang="zh-CN" altLang="en-US" noProof="1"/>
+              <a:t>例</a:t>
+            </a:r>
+            <a:r>
+              <a:rPr lang="en-US" altLang="zh-CN" noProof="1"/>
+              <a:t>9.1-</a:t>
+            </a:r>
+            <a:r>
+              <a:rPr lang="en-US" altLang="zh-CN" noProof="1">
+                <a:solidFill>
+                  <a:srgbClr val="0066FF"/>
+                </a:solidFill>
+              </a:rPr>
+              <a:t>C2</a:t>
+            </a:r>
+            <a:r>
+              <a:rPr lang="en-US" altLang="zh-CN" noProof="1"/>
+              <a:t>]    SELECT * </a:t>
+            </a:r>
+          </a:p>
+          <a:p>
+            <a:pPr>
+              <a:lnSpc>
+                <a:spcPct val="120000"/>
+              </a:lnSpc>
+              <a:buFont typeface="Wingdings" panose="05000000000000000000" pitchFamily="2" charset="2"/>
+              <a:buNone/>
+            </a:pPr>
+            <a:r>
+              <a:rPr lang="en-US" altLang="zh-CN" noProof="1"/>
+              <a:t>                     FROM Student</a:t>
+            </a:r>
+          </a:p>
+          <a:p>
+            <a:pPr>
+              <a:lnSpc>
+                <a:spcPct val="120000"/>
+              </a:lnSpc>
+              <a:buFont typeface="Wingdings" panose="05000000000000000000" pitchFamily="2" charset="2"/>
+              <a:buNone/>
+            </a:pPr>
+            <a:r>
+              <a:rPr lang="en-US" altLang="zh-CN" noProof="1"/>
+              <a:t>                     WHERE    Sno='201215121'</a:t>
+            </a:r>
+            <a:endParaRPr lang="zh-CN" altLang="en-US" noProof="1"/>
+          </a:p>
+          <a:p>
+            <a:pPr lvl="1">
+              <a:lnSpc>
+                <a:spcPct val="120000"/>
+              </a:lnSpc>
+            </a:pPr>
+            <a:r>
+              <a:rPr lang="zh-CN" altLang="en-US" noProof="1"/>
+              <a:t>假设</a:t>
+            </a:r>
+            <a:r>
+              <a:rPr lang="en-US" altLang="zh-CN" noProof="1"/>
+              <a:t>Sno</a:t>
+            </a:r>
+            <a:r>
+              <a:rPr lang="zh-CN" altLang="en-US" noProof="1"/>
+              <a:t>上有索引</a:t>
+            </a:r>
+          </a:p>
+          <a:p>
+            <a:pPr lvl="1">
+              <a:lnSpc>
+                <a:spcPct val="120000"/>
+              </a:lnSpc>
+            </a:pPr>
+            <a:r>
+              <a:rPr lang="zh-CN" altLang="en-US" noProof="1"/>
+              <a:t>算法：</a:t>
+            </a:r>
+          </a:p>
+          <a:p>
+            <a:pPr lvl="2">
+              <a:lnSpc>
+                <a:spcPct val="120000"/>
+              </a:lnSpc>
+              <a:buSzPct val="87000"/>
+              <a:buFont typeface="Wingdings" panose="05000000000000000000" pitchFamily="2" charset="2"/>
+              <a:buChar char="l"/>
+            </a:pPr>
+            <a:r>
+              <a:rPr lang="zh-CN" altLang="en-US" noProof="1"/>
+              <a:t>使用索引得到</a:t>
+            </a:r>
+            <a:r>
+              <a:rPr lang="en-US" altLang="zh-CN" noProof="1"/>
+              <a:t>Sno</a:t>
+            </a:r>
+            <a:r>
+              <a:rPr lang="zh-CN" altLang="en-US" noProof="1"/>
+              <a:t>为‘</a:t>
+            </a:r>
+            <a:r>
+              <a:rPr lang="en-US" altLang="zh-CN" noProof="1"/>
+              <a:t>201215121’ </a:t>
+            </a:r>
+            <a:r>
+              <a:rPr lang="zh-CN" altLang="en-US" noProof="1"/>
+              <a:t>元组的指针</a:t>
+            </a:r>
+          </a:p>
+          <a:p>
+            <a:pPr lvl="2">
+              <a:lnSpc>
+                <a:spcPct val="120000"/>
+              </a:lnSpc>
+              <a:buSzPct val="87000"/>
+              <a:buFont typeface="Wingdings" panose="05000000000000000000" pitchFamily="2" charset="2"/>
+              <a:buChar char="l"/>
+            </a:pPr>
+            <a:r>
+              <a:rPr lang="zh-CN" altLang="en-US" noProof="1"/>
+              <a:t>通过元组指针在</a:t>
+            </a:r>
+            <a:r>
+              <a:rPr lang="en-US" altLang="zh-CN" noProof="1"/>
+              <a:t>Student</a:t>
+            </a:r>
+            <a:r>
+              <a:rPr lang="zh-CN" altLang="en-US" noProof="1"/>
+              <a:t>表中检索到该学生</a:t>
+            </a:r>
+          </a:p>
+          <a:p>
+            <a:endParaRPr lang="zh-CN" altLang="en-US" noProof="1"/>
           </a:p>
         </p:txBody>
       </p:sp>
@@ -4121,7 +4043,7 @@
 </p:sld>
 </file>
 
-<file path=ppt/slides/slide10.xml><?xml version="1.0" encoding="utf-8"?>
+<file path=ppt/slides/slide11.xml><?xml version="1.0" encoding="utf-8"?>
 <p:sld xmlns:a="http://schemas.openxmlformats.org/drawingml/2006/main" xmlns:r="http://schemas.openxmlformats.org/officeDocument/2006/relationships" xmlns:p="http://schemas.openxmlformats.org/presentationml/2006/main">
   <p:cSld>
     <p:spTree>
@@ -4377,7 +4299,7 @@
 </p:sld>
 </file>
 
-<file path=ppt/slides/slide11.xml><?xml version="1.0" encoding="utf-8"?>
+<file path=ppt/slides/slide12.xml><?xml version="1.0" encoding="utf-8"?>
 <p:sld xmlns:a="http://schemas.openxmlformats.org/drawingml/2006/main" xmlns:r="http://schemas.openxmlformats.org/officeDocument/2006/relationships" xmlns:p="http://schemas.openxmlformats.org/presentationml/2006/main">
   <p:cSld>
     <p:spTree>
@@ -4653,7 +4575,7 @@
 </p:sld>
 </file>
 
-<file path=ppt/slides/slide12.xml><?xml version="1.0" encoding="utf-8"?>
+<file path=ppt/slides/slide13.xml><?xml version="1.0" encoding="utf-8"?>
 <p:sld xmlns:a="http://schemas.openxmlformats.org/drawingml/2006/main" xmlns:r="http://schemas.openxmlformats.org/officeDocument/2006/relationships" xmlns:p="http://schemas.openxmlformats.org/presentationml/2006/main">
   <p:cSld>
     <p:spTree>
@@ -4829,7 +4751,7 @@
 </p:sld>
 </file>
 
-<file path=ppt/slides/slide13.xml><?xml version="1.0" encoding="utf-8"?>
+<file path=ppt/slides/slide14.xml><?xml version="1.0" encoding="utf-8"?>
 <p:sld xmlns:a="http://schemas.openxmlformats.org/drawingml/2006/main" xmlns:r="http://schemas.openxmlformats.org/officeDocument/2006/relationships" xmlns:p="http://schemas.openxmlformats.org/presentationml/2006/main">
   <p:cSld>
     <p:spTree>
@@ -5322,7 +5244,7 @@
 </p:sld>
 </file>
 
-<file path=ppt/slides/slide14.xml><?xml version="1.0" encoding="utf-8"?>
+<file path=ppt/slides/slide15.xml><?xml version="1.0" encoding="utf-8"?>
 <p:sld xmlns:a="http://schemas.openxmlformats.org/drawingml/2006/main" xmlns:r="http://schemas.openxmlformats.org/officeDocument/2006/relationships" xmlns:p="http://schemas.openxmlformats.org/presentationml/2006/main">
   <p:cSld>
     <p:spTree>
@@ -5560,7 +5482,7 @@
 </p:sld>
 </file>
 
-<file path=ppt/slides/slide15.xml><?xml version="1.0" encoding="utf-8"?>
+<file path=ppt/slides/slide16.xml><?xml version="1.0" encoding="utf-8"?>
 <p:sld xmlns:a="http://schemas.openxmlformats.org/drawingml/2006/main" xmlns:r="http://schemas.openxmlformats.org/officeDocument/2006/relationships" xmlns:p="http://schemas.openxmlformats.org/presentationml/2006/main">
   <p:cSld>
     <p:spTree>
@@ -7138,7 +7060,7 @@
 </p:sld>
 </file>
 
-<file path=ppt/slides/slide16.xml><?xml version="1.0" encoding="utf-8"?>
+<file path=ppt/slides/slide17.xml><?xml version="1.0" encoding="utf-8"?>
 <p:sld xmlns:a="http://schemas.openxmlformats.org/drawingml/2006/main" xmlns:r="http://schemas.openxmlformats.org/officeDocument/2006/relationships" xmlns:p="http://schemas.openxmlformats.org/presentationml/2006/main">
   <p:cSld>
     <p:spTree>
@@ -7457,7 +7379,7 @@
 </p:sld>
 </file>
 
-<file path=ppt/slides/slide17.xml><?xml version="1.0" encoding="utf-8"?>
+<file path=ppt/slides/slide18.xml><?xml version="1.0" encoding="utf-8"?>
 <p:sld xmlns:a="http://schemas.openxmlformats.org/drawingml/2006/main" xmlns:r="http://schemas.openxmlformats.org/officeDocument/2006/relationships" xmlns:p="http://schemas.openxmlformats.org/presentationml/2006/main">
   <p:cSld>
     <p:spTree>
@@ -7689,7 +7611,7 @@
 </p:sld>
 </file>
 
-<file path=ppt/slides/slide18.xml><?xml version="1.0" encoding="utf-8"?>
+<file path=ppt/slides/slide19.xml><?xml version="1.0" encoding="utf-8"?>
 <p:sld xmlns:a="http://schemas.openxmlformats.org/drawingml/2006/main" xmlns:r="http://schemas.openxmlformats.org/officeDocument/2006/relationships" xmlns:p="http://schemas.openxmlformats.org/presentationml/2006/main">
   <p:cSld>
     <p:spTree>
@@ -7822,7 +7744,167 @@
 </p:sld>
 </file>
 
-<file path=ppt/slides/slide19.xml><?xml version="1.0" encoding="utf-8"?>
+<file path=ppt/slides/slide2.xml><?xml version="1.0" encoding="utf-8"?>
+<p:sld xmlns:a="http://schemas.openxmlformats.org/drawingml/2006/main" xmlns:r="http://schemas.openxmlformats.org/officeDocument/2006/relationships" xmlns:p="http://schemas.openxmlformats.org/presentationml/2006/main">
+  <p:cSld>
+    <p:spTree>
+      <p:nvGrpSpPr>
+        <p:cNvPr id="1" name=""/>
+        <p:cNvGrpSpPr/>
+        <p:nvPr/>
+      </p:nvGrpSpPr>
+      <p:grpSpPr>
+        <a:xfrm>
+          <a:off x="0" y="0"/>
+          <a:ext cx="0" cy="0"/>
+          <a:chOff x="0" y="0"/>
+          <a:chExt cx="0" cy="0"/>
+        </a:xfrm>
+      </p:grpSpPr>
+      <p:pic>
+        <p:nvPicPr>
+          <p:cNvPr id="3" name="图片 2">
+            <a:extLst>
+              <a:ext uri="{FF2B5EF4-FFF2-40B4-BE49-F238E27FC236}">
+                <a16:creationId xmlns:a16="http://schemas.microsoft.com/office/drawing/2014/main" id="{15474F72-F75B-4193-ACD0-3A49DACA1CD2}"/>
+              </a:ext>
+            </a:extLst>
+          </p:cNvPr>
+          <p:cNvPicPr>
+            <a:picLocks noChangeAspect="1"/>
+          </p:cNvPicPr>
+          <p:nvPr/>
+        </p:nvPicPr>
+        <p:blipFill>
+          <a:blip r:embed="rId2">
+            <a:extLst>
+              <a:ext uri="{28A0092B-C50C-407E-A947-70E740481C1C}">
+                <a14:useLocalDpi xmlns:a14="http://schemas.microsoft.com/office/drawing/2010/main" val="0"/>
+              </a:ext>
+            </a:extLst>
+          </a:blip>
+          <a:stretch>
+            <a:fillRect/>
+          </a:stretch>
+        </p:blipFill>
+        <p:spPr>
+          <a:xfrm>
+            <a:off x="251700" y="896054"/>
+            <a:ext cx="4564475" cy="3589094"/>
+          </a:xfrm>
+          <a:prstGeom prst="rect">
+            <a:avLst/>
+          </a:prstGeom>
+        </p:spPr>
+      </p:pic>
+      <p:sp>
+        <p:nvSpPr>
+          <p:cNvPr id="2" name="矩形 1">
+            <a:extLst>
+              <a:ext uri="{FF2B5EF4-FFF2-40B4-BE49-F238E27FC236}">
+                <a16:creationId xmlns:a16="http://schemas.microsoft.com/office/drawing/2014/main" id="{F106C303-0BFF-423B-BE1D-BCFED1742E76}"/>
+              </a:ext>
+            </a:extLst>
+          </p:cNvPr>
+          <p:cNvSpPr/>
+          <p:nvPr/>
+        </p:nvSpPr>
+        <p:spPr>
+          <a:xfrm>
+            <a:off x="796795" y="188640"/>
+            <a:ext cx="7951669" cy="523220"/>
+          </a:xfrm>
+          <a:prstGeom prst="rect">
+            <a:avLst/>
+          </a:prstGeom>
+        </p:spPr>
+        <p:txBody>
+          <a:bodyPr wrap="square">
+            <a:spAutoFit/>
+          </a:bodyPr>
+          <a:lstStyle/>
+          <a:p>
+            <a:r>
+              <a:rPr lang="zh-CN" altLang="en-US" sz="2800" dirty="0">
+                <a:solidFill>
+                  <a:srgbClr val="FFFFFF"/>
+                </a:solidFill>
+                <a:latin typeface="黑体" panose="02010609060101010101" pitchFamily="49" charset="-122"/>
+                <a:ea typeface="黑体" panose="02010609060101010101" pitchFamily="49" charset="-122"/>
+              </a:rPr>
+              <a:t>祝贺大家顺利完成“</a:t>
+            </a:r>
+            <a:r>
+              <a:rPr lang="zh-CN" altLang="en-US" sz="2800" b="1" dirty="0">
+                <a:solidFill>
+                  <a:srgbClr val="FFFFFF"/>
+                </a:solidFill>
+              </a:rPr>
+              <a:t>第二篇 设计与应用开发篇</a:t>
+            </a:r>
+            <a:r>
+              <a:rPr lang="zh-CN" altLang="en-US" sz="2800" dirty="0">
+                <a:solidFill>
+                  <a:srgbClr val="FFFFFF"/>
+                </a:solidFill>
+                <a:latin typeface="黑体" panose="02010609060101010101" pitchFamily="49" charset="-122"/>
+                <a:ea typeface="黑体" panose="02010609060101010101" pitchFamily="49" charset="-122"/>
+              </a:rPr>
+              <a:t>”</a:t>
+            </a:r>
+          </a:p>
+        </p:txBody>
+      </p:sp>
+      <p:pic>
+        <p:nvPicPr>
+          <p:cNvPr id="6" name="图片 5">
+            <a:extLst>
+              <a:ext uri="{FF2B5EF4-FFF2-40B4-BE49-F238E27FC236}">
+                <a16:creationId xmlns:a16="http://schemas.microsoft.com/office/drawing/2014/main" id="{EEEAAF57-FB9B-4F01-AE08-399D440B0176}"/>
+              </a:ext>
+            </a:extLst>
+          </p:cNvPr>
+          <p:cNvPicPr>
+            <a:picLocks noChangeAspect="1"/>
+          </p:cNvPicPr>
+          <p:nvPr/>
+        </p:nvPicPr>
+        <p:blipFill>
+          <a:blip r:embed="rId3">
+            <a:extLst>
+              <a:ext uri="{28A0092B-C50C-407E-A947-70E740481C1C}">
+                <a14:useLocalDpi xmlns:a14="http://schemas.microsoft.com/office/drawing/2010/main" val="0"/>
+              </a:ext>
+            </a:extLst>
+          </a:blip>
+          <a:stretch>
+            <a:fillRect/>
+          </a:stretch>
+        </p:blipFill>
+        <p:spPr>
+          <a:xfrm>
+            <a:off x="2789425" y="3162188"/>
+            <a:ext cx="6102875" cy="2283036"/>
+          </a:xfrm>
+          <a:prstGeom prst="rect">
+            <a:avLst/>
+          </a:prstGeom>
+        </p:spPr>
+      </p:pic>
+    </p:spTree>
+    <p:extLst>
+      <p:ext uri="{BB962C8B-B14F-4D97-AF65-F5344CB8AC3E}">
+        <p14:creationId xmlns:p14="http://schemas.microsoft.com/office/powerpoint/2010/main" val="1152415118"/>
+      </p:ext>
+    </p:extLst>
+  </p:cSld>
+  <p:clrMapOvr>
+    <a:masterClrMapping/>
+  </p:clrMapOvr>
+</p:sld>
+</file>
+
+<file path=ppt/slides/slide20.xml><?xml version="1.0" encoding="utf-8"?>
 <p:sld xmlns:a="http://schemas.openxmlformats.org/drawingml/2006/main" xmlns:r="http://schemas.openxmlformats.org/officeDocument/2006/relationships" xmlns:p="http://schemas.openxmlformats.org/presentationml/2006/main">
   <p:cSld>
     <p:spTree>
@@ -8236,185 +8318,7 @@
 </p:sld>
 </file>
 
-<file path=ppt/slides/slide2.xml><?xml version="1.0" encoding="utf-8"?>
-<p:sld xmlns:a="http://schemas.openxmlformats.org/drawingml/2006/main" xmlns:r="http://schemas.openxmlformats.org/officeDocument/2006/relationships" xmlns:p="http://schemas.openxmlformats.org/presentationml/2006/main">
-  <p:cSld>
-    <p:spTree>
-      <p:nvGrpSpPr>
-        <p:cNvPr id="1" name=""/>
-        <p:cNvGrpSpPr/>
-        <p:nvPr/>
-      </p:nvGrpSpPr>
-      <p:grpSpPr>
-        <a:xfrm>
-          <a:off x="0" y="0"/>
-          <a:ext cx="0" cy="0"/>
-          <a:chOff x="0" y="0"/>
-          <a:chExt cx="0" cy="0"/>
-        </a:xfrm>
-      </p:grpSpPr>
-      <p:sp>
-        <p:nvSpPr>
-          <p:cNvPr id="4097" name="Rectangle 2">
-            <a:extLst>
-              <a:ext uri="{FF2B5EF4-FFF2-40B4-BE49-F238E27FC236}">
-                <a16:creationId xmlns:a16="http://schemas.microsoft.com/office/drawing/2014/main" id="{3F63F4E7-1F29-4AE5-BEA7-F998B7D793C1}"/>
-              </a:ext>
-            </a:extLst>
-          </p:cNvPr>
-          <p:cNvSpPr>
-            <a:spLocks noGrp="1" noChangeArrowheads="1"/>
-          </p:cNvSpPr>
-          <p:nvPr>
-            <p:ph type="title"/>
-          </p:nvPr>
-        </p:nvSpPr>
-        <p:spPr/>
-        <p:txBody>
-          <a:bodyPr/>
-          <a:lstStyle/>
-          <a:p>
-            <a:pPr eaLnBrk="1" hangingPunct="1"/>
-            <a:r>
-              <a:rPr lang="zh-CN" altLang="en-US">
-                <a:latin typeface="宋体" panose="02010600030101010101" pitchFamily="2" charset="-122"/>
-              </a:rPr>
-              <a:t>第三篇  系统篇 </a:t>
-            </a:r>
-            <a:endParaRPr lang="zh-CN" altLang="en-US">
-              <a:ea typeface="黑体" panose="02010609060101010101" pitchFamily="49" charset="-122"/>
-            </a:endParaRPr>
-          </a:p>
-        </p:txBody>
-      </p:sp>
-      <p:sp>
-        <p:nvSpPr>
-          <p:cNvPr id="4098" name="Rectangle 3">
-            <a:extLst>
-              <a:ext uri="{FF2B5EF4-FFF2-40B4-BE49-F238E27FC236}">
-                <a16:creationId xmlns:a16="http://schemas.microsoft.com/office/drawing/2014/main" id="{115A16D0-B19F-4103-BE99-F90064124EFB}"/>
-              </a:ext>
-            </a:extLst>
-          </p:cNvPr>
-          <p:cNvSpPr>
-            <a:spLocks noGrp="1"/>
-          </p:cNvSpPr>
-          <p:nvPr>
-            <p:ph idx="1"/>
-          </p:nvPr>
-        </p:nvSpPr>
-        <p:spPr>
-          <a:ln>
-            <a:miter/>
-          </a:ln>
-        </p:spPr>
-        <p:txBody>
-          <a:bodyPr/>
-          <a:lstStyle/>
-          <a:p>
-            <a:pPr marL="0" indent="0" algn="just" eaLnBrk="1" hangingPunct="1">
-              <a:lnSpc>
-                <a:spcPct val="120000"/>
-              </a:lnSpc>
-              <a:buFont typeface="Wingdings" panose="05000000000000000000" pitchFamily="2" charset="2"/>
-              <a:buNone/>
-            </a:pPr>
-            <a:endParaRPr lang="zh-CN" altLang="en-US" noProof="1"/>
-          </a:p>
-          <a:p>
-            <a:pPr lvl="1" algn="just" eaLnBrk="1" hangingPunct="1">
-              <a:lnSpc>
-                <a:spcPct val="120000"/>
-              </a:lnSpc>
-            </a:pPr>
-            <a:r>
-              <a:rPr lang="zh-CN" altLang="en-US" sz="2800" noProof="1"/>
-              <a:t>第</a:t>
-            </a:r>
-            <a:r>
-              <a:rPr lang="en-US" altLang="zh-CN" sz="2800" noProof="1"/>
-              <a:t>9</a:t>
-            </a:r>
-            <a:r>
-              <a:rPr lang="zh-CN" altLang="en-US" sz="2800" noProof="1"/>
-              <a:t>章    关系查询处理和查询优化</a:t>
-            </a:r>
-          </a:p>
-          <a:p>
-            <a:pPr lvl="1" algn="just" eaLnBrk="1" hangingPunct="1">
-              <a:lnSpc>
-                <a:spcPct val="120000"/>
-              </a:lnSpc>
-            </a:pPr>
-            <a:r>
-              <a:rPr lang="zh-CN" altLang="en-US" sz="2800" noProof="1"/>
-              <a:t>第</a:t>
-            </a:r>
-            <a:r>
-              <a:rPr lang="en-US" altLang="zh-CN" sz="2800" noProof="1"/>
-              <a:t>10</a:t>
-            </a:r>
-            <a:r>
-              <a:rPr lang="zh-CN" altLang="en-US" sz="2800" noProof="1"/>
-              <a:t>章  数据库恢复技术</a:t>
-            </a:r>
-          </a:p>
-          <a:p>
-            <a:pPr lvl="1" algn="just" eaLnBrk="1" hangingPunct="1">
-              <a:lnSpc>
-                <a:spcPct val="120000"/>
-              </a:lnSpc>
-            </a:pPr>
-            <a:r>
-              <a:rPr lang="zh-CN" altLang="en-US" sz="2800" noProof="1"/>
-              <a:t>第</a:t>
-            </a:r>
-            <a:r>
-              <a:rPr lang="en-US" altLang="zh-CN" sz="2800" noProof="1"/>
-              <a:t>11</a:t>
-            </a:r>
-            <a:r>
-              <a:rPr lang="zh-CN" altLang="en-US" sz="2800" noProof="1"/>
-              <a:t>章  并发控制</a:t>
-            </a:r>
-            <a:endParaRPr lang="en-US" altLang="zh-CN" sz="2800" noProof="1"/>
-          </a:p>
-          <a:p>
-            <a:pPr marL="457200" lvl="1" indent="0" algn="just" eaLnBrk="1" hangingPunct="1">
-              <a:lnSpc>
-                <a:spcPct val="120000"/>
-              </a:lnSpc>
-              <a:buFont typeface="Wingdings" panose="05000000000000000000" pitchFamily="2" charset="2"/>
-              <a:buNone/>
-            </a:pPr>
-            <a:r>
-              <a:rPr lang="en-US" altLang="zh-CN" sz="2800" noProof="1"/>
-              <a:t>* </a:t>
-            </a:r>
-            <a:r>
-              <a:rPr lang="zh-CN" altLang="en-US" sz="2800" strike="sngStrike" noProof="1"/>
-              <a:t>第</a:t>
-            </a:r>
-            <a:r>
-              <a:rPr lang="en-US" altLang="zh-CN" sz="2800" strike="sngStrike" noProof="1"/>
-              <a:t>12</a:t>
-            </a:r>
-            <a:r>
-              <a:rPr lang="zh-CN" altLang="en-US" sz="2800" strike="sngStrike" noProof="1"/>
-              <a:t>章  数据库管理系统</a:t>
-            </a:r>
-          </a:p>
-        </p:txBody>
-      </p:sp>
-    </p:spTree>
-  </p:cSld>
-  <p:clrMapOvr>
-    <a:masterClrMapping/>
-  </p:clrMapOvr>
-</p:sld>
-</file>
-
-<file path=ppt/slides/slide20.xml><?xml version="1.0" encoding="utf-8"?>
+<file path=ppt/slides/slide21.xml><?xml version="1.0" encoding="utf-8"?>
 <p:sld xmlns:a="http://schemas.openxmlformats.org/drawingml/2006/main" xmlns:r="http://schemas.openxmlformats.org/officeDocument/2006/relationships" xmlns:p="http://schemas.openxmlformats.org/presentationml/2006/main">
   <p:cSld>
     <p:spTree>
@@ -8721,7 +8625,7 @@
 </p:sld>
 </file>
 
-<file path=ppt/slides/slide21.xml><?xml version="1.0" encoding="utf-8"?>
+<file path=ppt/slides/slide22.xml><?xml version="1.0" encoding="utf-8"?>
 <p:sld xmlns:a="http://schemas.openxmlformats.org/drawingml/2006/main" xmlns:r="http://schemas.openxmlformats.org/officeDocument/2006/relationships" xmlns:p="http://schemas.openxmlformats.org/presentationml/2006/main">
   <p:cSld>
     <p:spTree>
@@ -9758,7 +9662,7 @@
 </p:sld>
 </file>
 
-<file path=ppt/slides/slide22.xml><?xml version="1.0" encoding="utf-8"?>
+<file path=ppt/slides/slide23.xml><?xml version="1.0" encoding="utf-8"?>
 <p:sld xmlns:a="http://schemas.openxmlformats.org/drawingml/2006/main" xmlns:r="http://schemas.openxmlformats.org/officeDocument/2006/relationships" xmlns:p="http://schemas.openxmlformats.org/presentationml/2006/main">
   <p:cSld>
     <p:spTree>
@@ -10221,7 +10125,7 @@
 </p:sld>
 </file>
 
-<file path=ppt/slides/slide23.xml><?xml version="1.0" encoding="utf-8"?>
+<file path=ppt/slides/slide24.xml><?xml version="1.0" encoding="utf-8"?>
 <p:sld xmlns:a="http://schemas.openxmlformats.org/drawingml/2006/main" xmlns:r="http://schemas.openxmlformats.org/officeDocument/2006/relationships" xmlns:p="http://schemas.openxmlformats.org/presentationml/2006/main">
   <p:cSld>
     <p:spTree>
@@ -10622,7 +10526,7 @@
           <a:graphicData uri="http://schemas.openxmlformats.org/presentationml/2006/ole">
             <mc:AlternateContent xmlns:mc="http://schemas.openxmlformats.org/markup-compatibility/2006">
               <mc:Choice xmlns:v="urn:schemas-microsoft-com:vml" Requires="v">
-                <p:oleObj spid="_x0000_s25660" r:id="rId3" imgW="357150" imgH="395416" progId="Equation.3">
+                <p:oleObj spid="_x0000_s25672" r:id="rId3" imgW="357150" imgH="395416" progId="Equation.3">
                   <p:embed/>
                 </p:oleObj>
               </mc:Choice>
@@ -10711,7 +10615,7 @@
           <a:graphicData uri="http://schemas.openxmlformats.org/presentationml/2006/ole">
             <mc:AlternateContent xmlns:mc="http://schemas.openxmlformats.org/markup-compatibility/2006">
               <mc:Choice xmlns:v="urn:schemas-microsoft-com:vml" Requires="v">
-                <p:oleObj spid="_x0000_s25661" r:id="rId5" imgW="408528" imgH="395761" progId="Equation.3">
+                <p:oleObj spid="_x0000_s25673" r:id="rId5" imgW="408528" imgH="395761" progId="Equation.3">
                   <p:embed/>
                 </p:oleObj>
               </mc:Choice>
@@ -10800,7 +10704,7 @@
           <a:graphicData uri="http://schemas.openxmlformats.org/presentationml/2006/ole">
             <mc:AlternateContent xmlns:mc="http://schemas.openxmlformats.org/markup-compatibility/2006">
               <mc:Choice xmlns:v="urn:schemas-microsoft-com:vml" Requires="v">
-                <p:oleObj spid="_x0000_s25662" r:id="rId7" imgW="535026" imgH="394900" progId="Equation.3">
+                <p:oleObj spid="_x0000_s25674" r:id="rId7" imgW="535026" imgH="394900" progId="Equation.3">
                   <p:embed/>
                 </p:oleObj>
               </mc:Choice>
@@ -10875,7 +10779,7 @@
 </p:sld>
 </file>
 
-<file path=ppt/slides/slide24.xml><?xml version="1.0" encoding="utf-8"?>
+<file path=ppt/slides/slide25.xml><?xml version="1.0" encoding="utf-8"?>
 <p:sld xmlns:a="http://schemas.openxmlformats.org/drawingml/2006/main" xmlns:r="http://schemas.openxmlformats.org/officeDocument/2006/relationships" xmlns:p="http://schemas.openxmlformats.org/presentationml/2006/main">
   <p:cSld>
     <p:spTree>
@@ -11279,7 +11183,7 @@
 </p:sld>
 </file>
 
-<file path=ppt/slides/slide25.xml><?xml version="1.0" encoding="utf-8"?>
+<file path=ppt/slides/slide26.xml><?xml version="1.0" encoding="utf-8"?>
 <p:sld xmlns:a="http://schemas.openxmlformats.org/drawingml/2006/main" xmlns:r="http://schemas.openxmlformats.org/officeDocument/2006/relationships" xmlns:p="http://schemas.openxmlformats.org/presentationml/2006/main">
   <p:cSld>
     <p:spTree>
@@ -12152,7 +12056,7 @@
 </p:sld>
 </file>
 
-<file path=ppt/slides/slide26.xml><?xml version="1.0" encoding="utf-8"?>
+<file path=ppt/slides/slide27.xml><?xml version="1.0" encoding="utf-8"?>
 <p:sld xmlns:a="http://schemas.openxmlformats.org/drawingml/2006/main" xmlns:r="http://schemas.openxmlformats.org/officeDocument/2006/relationships" xmlns:p="http://schemas.openxmlformats.org/presentationml/2006/main">
   <p:cSld>
     <p:spTree>
@@ -13039,7 +12943,7 @@
 </p:sld>
 </file>
 
-<file path=ppt/slides/slide27.xml><?xml version="1.0" encoding="utf-8"?>
+<file path=ppt/slides/slide28.xml><?xml version="1.0" encoding="utf-8"?>
 <p:sld xmlns:a="http://schemas.openxmlformats.org/drawingml/2006/main" xmlns:r="http://schemas.openxmlformats.org/officeDocument/2006/relationships" xmlns:p="http://schemas.openxmlformats.org/presentationml/2006/main">
   <p:cSld>
     <p:spTree>
@@ -14258,7 +14162,7 @@
 </p:sld>
 </file>
 
-<file path=ppt/slides/slide28.xml><?xml version="1.0" encoding="utf-8"?>
+<file path=ppt/slides/slide29.xml><?xml version="1.0" encoding="utf-8"?>
 <p:sld xmlns:a="http://schemas.openxmlformats.org/drawingml/2006/main" xmlns:r="http://schemas.openxmlformats.org/officeDocument/2006/relationships" xmlns:p="http://schemas.openxmlformats.org/presentationml/2006/main">
   <p:cSld>
     <p:spTree>
@@ -14471,7 +14375,752 @@
 </p:sld>
 </file>
 
-<file path=ppt/slides/slide29.xml><?xml version="1.0" encoding="utf-8"?>
+<file path=ppt/slides/slide3.xml><?xml version="1.0" encoding="utf-8"?>
+<p:sld xmlns:a="http://schemas.openxmlformats.org/drawingml/2006/main" xmlns:r="http://schemas.openxmlformats.org/officeDocument/2006/relationships" xmlns:p="http://schemas.openxmlformats.org/presentationml/2006/main">
+  <p:cSld>
+    <p:spTree>
+      <p:nvGrpSpPr>
+        <p:cNvPr id="1" name=""/>
+        <p:cNvGrpSpPr/>
+        <p:nvPr/>
+      </p:nvGrpSpPr>
+      <p:grpSpPr>
+        <a:xfrm>
+          <a:off x="0" y="0"/>
+          <a:ext cx="0" cy="0"/>
+          <a:chOff x="0" y="0"/>
+          <a:chExt cx="0" cy="0"/>
+        </a:xfrm>
+      </p:grpSpPr>
+      <p:sp>
+        <p:nvSpPr>
+          <p:cNvPr id="3073" name="标题 1">
+            <a:extLst>
+              <a:ext uri="{FF2B5EF4-FFF2-40B4-BE49-F238E27FC236}">
+                <a16:creationId xmlns:a16="http://schemas.microsoft.com/office/drawing/2014/main" id="{5B535055-E1E3-48D6-AFC8-EA76A913D1FA}"/>
+              </a:ext>
+            </a:extLst>
+          </p:cNvPr>
+          <p:cNvSpPr>
+            <a:spLocks noGrp="1" noChangeArrowheads="1"/>
+          </p:cNvSpPr>
+          <p:nvPr>
+            <p:ph type="ctrTitle"/>
+          </p:nvPr>
+        </p:nvSpPr>
+        <p:spPr/>
+        <p:txBody>
+          <a:bodyPr/>
+          <a:lstStyle/>
+          <a:p>
+            <a:pPr eaLnBrk="1" hangingPunct="1"/>
+            <a:endParaRPr lang="zh-CN" altLang="zh-CN"/>
+          </a:p>
+        </p:txBody>
+      </p:sp>
+      <p:sp>
+        <p:nvSpPr>
+          <p:cNvPr id="3074" name="副标题 2">
+            <a:extLst>
+              <a:ext uri="{FF2B5EF4-FFF2-40B4-BE49-F238E27FC236}">
+                <a16:creationId xmlns:a16="http://schemas.microsoft.com/office/drawing/2014/main" id="{ADB47CE8-0561-4641-BD69-0145861AC41A}"/>
+              </a:ext>
+            </a:extLst>
+          </p:cNvPr>
+          <p:cNvSpPr>
+            <a:spLocks noGrp="1" noChangeArrowheads="1"/>
+          </p:cNvSpPr>
+          <p:nvPr>
+            <p:ph type="subTitle" idx="1"/>
+          </p:nvPr>
+        </p:nvSpPr>
+        <p:spPr/>
+        <p:txBody>
+          <a:bodyPr/>
+          <a:lstStyle/>
+          <a:p>
+            <a:pPr eaLnBrk="1" hangingPunct="1"/>
+            <a:endParaRPr lang="zh-CN" altLang="zh-CN">
+              <a:solidFill>
+                <a:srgbClr val="898989"/>
+              </a:solidFill>
+            </a:endParaRPr>
+          </a:p>
+        </p:txBody>
+      </p:sp>
+      <p:pic>
+        <p:nvPicPr>
+          <p:cNvPr id="3075" name="Picture 3">
+            <a:extLst>
+              <a:ext uri="{FF2B5EF4-FFF2-40B4-BE49-F238E27FC236}">
+                <a16:creationId xmlns:a16="http://schemas.microsoft.com/office/drawing/2014/main" id="{7C8C650E-2A4A-4AB6-A887-8366A5528E96}"/>
+              </a:ext>
+            </a:extLst>
+          </p:cNvPr>
+          <p:cNvPicPr>
+            <a:picLocks noChangeAspect="1" noChangeArrowheads="1"/>
+          </p:cNvPicPr>
+          <p:nvPr/>
+        </p:nvPicPr>
+        <p:blipFill>
+          <a:blip r:embed="rId2">
+            <a:lum bright="4000" contrast="-2000"/>
+            <a:extLst>
+              <a:ext uri="{28A0092B-C50C-407E-A947-70E740481C1C}">
+                <a14:useLocalDpi xmlns:a14="http://schemas.microsoft.com/office/drawing/2010/main" val="0"/>
+              </a:ext>
+            </a:extLst>
+          </a:blip>
+          <a:srcRect/>
+          <a:stretch>
+            <a:fillRect/>
+          </a:stretch>
+        </p:blipFill>
+        <p:spPr bwMode="auto">
+          <a:xfrm>
+            <a:off x="0" y="0"/>
+            <a:ext cx="9144000" cy="6858000"/>
+          </a:xfrm>
+          <a:prstGeom prst="rect">
+            <a:avLst/>
+          </a:prstGeom>
+          <a:noFill/>
+          <a:ln>
+            <a:noFill/>
+          </a:ln>
+          <a:extLst>
+            <a:ext uri="{909E8E84-426E-40DD-AFC4-6F175D3DCCD1}">
+              <a14:hiddenFill xmlns:a14="http://schemas.microsoft.com/office/drawing/2010/main">
+                <a:solidFill>
+                  <a:srgbClr val="FFFFFF"/>
+                </a:solidFill>
+              </a14:hiddenFill>
+            </a:ext>
+            <a:ext uri="{91240B29-F687-4F45-9708-019B960494DF}">
+              <a14:hiddenLine xmlns:a14="http://schemas.microsoft.com/office/drawing/2010/main" w="9525">
+                <a:solidFill>
+                  <a:srgbClr val="000000"/>
+                </a:solidFill>
+                <a:miter lim="800000"/>
+                <a:headEnd/>
+                <a:tailEnd/>
+              </a14:hiddenLine>
+            </a:ext>
+          </a:extLst>
+        </p:spPr>
+      </p:pic>
+      <p:sp>
+        <p:nvSpPr>
+          <p:cNvPr id="3076" name="Rectangle 4">
+            <a:extLst>
+              <a:ext uri="{FF2B5EF4-FFF2-40B4-BE49-F238E27FC236}">
+                <a16:creationId xmlns:a16="http://schemas.microsoft.com/office/drawing/2014/main" id="{A103DB36-4B3C-4DBA-A2D6-E6786015A0F8}"/>
+              </a:ext>
+            </a:extLst>
+          </p:cNvPr>
+          <p:cNvSpPr>
+            <a:spLocks noChangeArrowheads="1"/>
+          </p:cNvSpPr>
+          <p:nvPr/>
+        </p:nvSpPr>
+        <p:spPr bwMode="auto">
+          <a:xfrm>
+            <a:off x="323850" y="908050"/>
+            <a:ext cx="8208963" cy="2663825"/>
+          </a:xfrm>
+          <a:prstGeom prst="rect">
+            <a:avLst/>
+          </a:prstGeom>
+          <a:noFill/>
+          <a:ln>
+            <a:noFill/>
+          </a:ln>
+          <a:extLst>
+            <a:ext uri="{909E8E84-426E-40DD-AFC4-6F175D3DCCD1}">
+              <a14:hiddenFill xmlns:a14="http://schemas.microsoft.com/office/drawing/2010/main">
+                <a:solidFill>
+                  <a:srgbClr val="FFFFFF"/>
+                </a:solidFill>
+              </a14:hiddenFill>
+            </a:ext>
+            <a:ext uri="{91240B29-F687-4F45-9708-019B960494DF}">
+              <a14:hiddenLine xmlns:a14="http://schemas.microsoft.com/office/drawing/2010/main" w="9525">
+                <a:solidFill>
+                  <a:srgbClr val="000000"/>
+                </a:solidFill>
+                <a:miter lim="800000"/>
+                <a:headEnd/>
+                <a:tailEnd/>
+              </a14:hiddenLine>
+            </a:ext>
+          </a:extLst>
+        </p:spPr>
+        <p:txBody>
+          <a:bodyPr anchor="ctr"/>
+          <a:lstStyle>
+            <a:lvl1pPr>
+              <a:defRPr>
+                <a:solidFill>
+                  <a:schemeClr val="tx1"/>
+                </a:solidFill>
+                <a:latin typeface="Arial" panose="020B0604020202020204" pitchFamily="34" charset="0"/>
+                <a:ea typeface="宋体" panose="02010600030101010101" pitchFamily="2" charset="-122"/>
+              </a:defRPr>
+            </a:lvl1pPr>
+            <a:lvl2pPr>
+              <a:defRPr>
+                <a:solidFill>
+                  <a:schemeClr val="tx1"/>
+                </a:solidFill>
+                <a:latin typeface="Arial" panose="020B0604020202020204" pitchFamily="34" charset="0"/>
+                <a:ea typeface="宋体" panose="02010600030101010101" pitchFamily="2" charset="-122"/>
+              </a:defRPr>
+            </a:lvl2pPr>
+            <a:lvl3pPr>
+              <a:defRPr>
+                <a:solidFill>
+                  <a:schemeClr val="tx1"/>
+                </a:solidFill>
+                <a:latin typeface="Arial" panose="020B0604020202020204" pitchFamily="34" charset="0"/>
+                <a:ea typeface="宋体" panose="02010600030101010101" pitchFamily="2" charset="-122"/>
+              </a:defRPr>
+            </a:lvl3pPr>
+            <a:lvl4pPr>
+              <a:defRPr>
+                <a:solidFill>
+                  <a:schemeClr val="tx1"/>
+                </a:solidFill>
+                <a:latin typeface="Arial" panose="020B0604020202020204" pitchFamily="34" charset="0"/>
+                <a:ea typeface="宋体" panose="02010600030101010101" pitchFamily="2" charset="-122"/>
+              </a:defRPr>
+            </a:lvl4pPr>
+            <a:lvl5pPr>
+              <a:defRPr>
+                <a:solidFill>
+                  <a:schemeClr val="tx1"/>
+                </a:solidFill>
+                <a:latin typeface="Arial" panose="020B0604020202020204" pitchFamily="34" charset="0"/>
+                <a:ea typeface="宋体" panose="02010600030101010101" pitchFamily="2" charset="-122"/>
+              </a:defRPr>
+            </a:lvl5pPr>
+            <a:lvl6pPr fontAlgn="base">
+              <a:spcBef>
+                <a:spcPct val="0"/>
+              </a:spcBef>
+              <a:spcAft>
+                <a:spcPct val="0"/>
+              </a:spcAft>
+              <a:buFont typeface="Arial" panose="020B0604020202020204" pitchFamily="34" charset="0"/>
+              <a:defRPr>
+                <a:solidFill>
+                  <a:schemeClr val="tx1"/>
+                </a:solidFill>
+                <a:latin typeface="Arial" panose="020B0604020202020204" pitchFamily="34" charset="0"/>
+                <a:ea typeface="宋体" panose="02010600030101010101" pitchFamily="2" charset="-122"/>
+              </a:defRPr>
+            </a:lvl6pPr>
+            <a:lvl7pPr fontAlgn="base">
+              <a:spcBef>
+                <a:spcPct val="0"/>
+              </a:spcBef>
+              <a:spcAft>
+                <a:spcPct val="0"/>
+              </a:spcAft>
+              <a:buFont typeface="Arial" panose="020B0604020202020204" pitchFamily="34" charset="0"/>
+              <a:defRPr>
+                <a:solidFill>
+                  <a:schemeClr val="tx1"/>
+                </a:solidFill>
+                <a:latin typeface="Arial" panose="020B0604020202020204" pitchFamily="34" charset="0"/>
+                <a:ea typeface="宋体" panose="02010600030101010101" pitchFamily="2" charset="-122"/>
+              </a:defRPr>
+            </a:lvl7pPr>
+            <a:lvl8pPr fontAlgn="base">
+              <a:spcBef>
+                <a:spcPct val="0"/>
+              </a:spcBef>
+              <a:spcAft>
+                <a:spcPct val="0"/>
+              </a:spcAft>
+              <a:buFont typeface="Arial" panose="020B0604020202020204" pitchFamily="34" charset="0"/>
+              <a:defRPr>
+                <a:solidFill>
+                  <a:schemeClr val="tx1"/>
+                </a:solidFill>
+                <a:latin typeface="Arial" panose="020B0604020202020204" pitchFamily="34" charset="0"/>
+                <a:ea typeface="宋体" panose="02010600030101010101" pitchFamily="2" charset="-122"/>
+              </a:defRPr>
+            </a:lvl8pPr>
+            <a:lvl9pPr fontAlgn="base">
+              <a:spcBef>
+                <a:spcPct val="0"/>
+              </a:spcBef>
+              <a:spcAft>
+                <a:spcPct val="0"/>
+              </a:spcAft>
+              <a:buFont typeface="Arial" panose="020B0604020202020204" pitchFamily="34" charset="0"/>
+              <a:defRPr>
+                <a:solidFill>
+                  <a:schemeClr val="tx1"/>
+                </a:solidFill>
+                <a:latin typeface="Arial" panose="020B0604020202020204" pitchFamily="34" charset="0"/>
+                <a:ea typeface="宋体" panose="02010600030101010101" pitchFamily="2" charset="-122"/>
+              </a:defRPr>
+            </a:lvl9pPr>
+          </a:lstStyle>
+          <a:p>
+            <a:pPr algn="ctr"/>
+            <a:r>
+              <a:rPr lang="zh-CN" altLang="en-US" sz="6000">
+                <a:solidFill>
+                  <a:schemeClr val="bg1"/>
+                </a:solidFill>
+                <a:latin typeface="黑体" panose="02010609060101010101" pitchFamily="49" charset="-122"/>
+                <a:ea typeface="黑体" panose="02010609060101010101" pitchFamily="49" charset="-122"/>
+                <a:sym typeface="宋体" panose="02010600030101010101" pitchFamily="2" charset="-122"/>
+              </a:rPr>
+              <a:t>数据库系统概论</a:t>
+            </a:r>
+            <a:br>
+              <a:rPr lang="zh-CN" altLang="en-US" sz="6000">
+                <a:latin typeface="黑体" panose="02010609060101010101" pitchFamily="49" charset="-122"/>
+                <a:ea typeface="黑体" panose="02010609060101010101" pitchFamily="49" charset="-122"/>
+                <a:sym typeface="宋体" panose="02010600030101010101" pitchFamily="2" charset="-122"/>
+              </a:rPr>
+            </a:br>
+            <a:r>
+              <a:rPr lang="zh-CN" altLang="en-US" sz="6000">
+                <a:latin typeface="黑体" panose="02010609060101010101" pitchFamily="49" charset="-122"/>
+                <a:ea typeface="黑体" panose="02010609060101010101" pitchFamily="49" charset="-122"/>
+                <a:sym typeface="宋体" panose="02010600030101010101" pitchFamily="2" charset="-122"/>
+              </a:rPr>
+              <a:t> </a:t>
+            </a:r>
+            <a:r>
+              <a:rPr lang="en-US" altLang="zh-CN" sz="3600" b="1">
+                <a:solidFill>
+                  <a:schemeClr val="bg1"/>
+                </a:solidFill>
+                <a:latin typeface="Times New Roman" panose="02020603050405020304" pitchFamily="18" charset="0"/>
+                <a:sym typeface="宋体" panose="02010600030101010101" pitchFamily="2" charset="-122"/>
+              </a:rPr>
+              <a:t>An Introduction to Database System</a:t>
+            </a:r>
+          </a:p>
+        </p:txBody>
+      </p:sp>
+      <p:sp>
+        <p:nvSpPr>
+          <p:cNvPr id="3077" name="Rectangle 3">
+            <a:extLst>
+              <a:ext uri="{FF2B5EF4-FFF2-40B4-BE49-F238E27FC236}">
+                <a16:creationId xmlns:a16="http://schemas.microsoft.com/office/drawing/2014/main" id="{A0E2AC83-349D-47BE-98C5-C2231B20724F}"/>
+              </a:ext>
+            </a:extLst>
+          </p:cNvPr>
+          <p:cNvSpPr>
+            <a:spLocks noChangeArrowheads="1"/>
+          </p:cNvSpPr>
+          <p:nvPr/>
+        </p:nvSpPr>
+        <p:spPr bwMode="auto">
+          <a:xfrm>
+            <a:off x="2123728" y="5899150"/>
+            <a:ext cx="5256212" cy="574675"/>
+          </a:xfrm>
+          <a:prstGeom prst="rect">
+            <a:avLst/>
+          </a:prstGeom>
+          <a:noFill/>
+          <a:ln>
+            <a:noFill/>
+          </a:ln>
+          <a:extLst>
+            <a:ext uri="{909E8E84-426E-40DD-AFC4-6F175D3DCCD1}">
+              <a14:hiddenFill xmlns:a14="http://schemas.microsoft.com/office/drawing/2010/main">
+                <a:solidFill>
+                  <a:srgbClr val="FFFFFF"/>
+                </a:solidFill>
+              </a14:hiddenFill>
+            </a:ext>
+            <a:ext uri="{91240B29-F687-4F45-9708-019B960494DF}">
+              <a14:hiddenLine xmlns:a14="http://schemas.microsoft.com/office/drawing/2010/main" w="9525">
+                <a:solidFill>
+                  <a:srgbClr val="000000"/>
+                </a:solidFill>
+                <a:miter lim="800000"/>
+                <a:headEnd/>
+                <a:tailEnd/>
+              </a14:hiddenLine>
+            </a:ext>
+          </a:extLst>
+        </p:spPr>
+        <p:txBody>
+          <a:bodyPr/>
+          <a:lstStyle>
+            <a:lvl1pPr>
+              <a:defRPr>
+                <a:solidFill>
+                  <a:schemeClr val="tx1"/>
+                </a:solidFill>
+                <a:latin typeface="Arial" panose="020B0604020202020204" pitchFamily="34" charset="0"/>
+                <a:ea typeface="宋体" panose="02010600030101010101" pitchFamily="2" charset="-122"/>
+              </a:defRPr>
+            </a:lvl1pPr>
+            <a:lvl2pPr>
+              <a:defRPr>
+                <a:solidFill>
+                  <a:schemeClr val="tx1"/>
+                </a:solidFill>
+                <a:latin typeface="Arial" panose="020B0604020202020204" pitchFamily="34" charset="0"/>
+                <a:ea typeface="宋体" panose="02010600030101010101" pitchFamily="2" charset="-122"/>
+              </a:defRPr>
+            </a:lvl2pPr>
+            <a:lvl3pPr>
+              <a:defRPr>
+                <a:solidFill>
+                  <a:schemeClr val="tx1"/>
+                </a:solidFill>
+                <a:latin typeface="Arial" panose="020B0604020202020204" pitchFamily="34" charset="0"/>
+                <a:ea typeface="宋体" panose="02010600030101010101" pitchFamily="2" charset="-122"/>
+              </a:defRPr>
+            </a:lvl3pPr>
+            <a:lvl4pPr>
+              <a:defRPr>
+                <a:solidFill>
+                  <a:schemeClr val="tx1"/>
+                </a:solidFill>
+                <a:latin typeface="Arial" panose="020B0604020202020204" pitchFamily="34" charset="0"/>
+                <a:ea typeface="宋体" panose="02010600030101010101" pitchFamily="2" charset="-122"/>
+              </a:defRPr>
+            </a:lvl4pPr>
+            <a:lvl5pPr>
+              <a:defRPr>
+                <a:solidFill>
+                  <a:schemeClr val="tx1"/>
+                </a:solidFill>
+                <a:latin typeface="Arial" panose="020B0604020202020204" pitchFamily="34" charset="0"/>
+                <a:ea typeface="宋体" panose="02010600030101010101" pitchFamily="2" charset="-122"/>
+              </a:defRPr>
+            </a:lvl5pPr>
+            <a:lvl6pPr fontAlgn="base">
+              <a:spcBef>
+                <a:spcPct val="0"/>
+              </a:spcBef>
+              <a:spcAft>
+                <a:spcPct val="0"/>
+              </a:spcAft>
+              <a:buFont typeface="Arial" panose="020B0604020202020204" pitchFamily="34" charset="0"/>
+              <a:defRPr>
+                <a:solidFill>
+                  <a:schemeClr val="tx1"/>
+                </a:solidFill>
+                <a:latin typeface="Arial" panose="020B0604020202020204" pitchFamily="34" charset="0"/>
+                <a:ea typeface="宋体" panose="02010600030101010101" pitchFamily="2" charset="-122"/>
+              </a:defRPr>
+            </a:lvl6pPr>
+            <a:lvl7pPr fontAlgn="base">
+              <a:spcBef>
+                <a:spcPct val="0"/>
+              </a:spcBef>
+              <a:spcAft>
+                <a:spcPct val="0"/>
+              </a:spcAft>
+              <a:buFont typeface="Arial" panose="020B0604020202020204" pitchFamily="34" charset="0"/>
+              <a:defRPr>
+                <a:solidFill>
+                  <a:schemeClr val="tx1"/>
+                </a:solidFill>
+                <a:latin typeface="Arial" panose="020B0604020202020204" pitchFamily="34" charset="0"/>
+                <a:ea typeface="宋体" panose="02010600030101010101" pitchFamily="2" charset="-122"/>
+              </a:defRPr>
+            </a:lvl7pPr>
+            <a:lvl8pPr fontAlgn="base">
+              <a:spcBef>
+                <a:spcPct val="0"/>
+              </a:spcBef>
+              <a:spcAft>
+                <a:spcPct val="0"/>
+              </a:spcAft>
+              <a:buFont typeface="Arial" panose="020B0604020202020204" pitchFamily="34" charset="0"/>
+              <a:defRPr>
+                <a:solidFill>
+                  <a:schemeClr val="tx1"/>
+                </a:solidFill>
+                <a:latin typeface="Arial" panose="020B0604020202020204" pitchFamily="34" charset="0"/>
+                <a:ea typeface="宋体" panose="02010600030101010101" pitchFamily="2" charset="-122"/>
+              </a:defRPr>
+            </a:lvl8pPr>
+            <a:lvl9pPr fontAlgn="base">
+              <a:spcBef>
+                <a:spcPct val="0"/>
+              </a:spcBef>
+              <a:spcAft>
+                <a:spcPct val="0"/>
+              </a:spcAft>
+              <a:buFont typeface="Arial" panose="020B0604020202020204" pitchFamily="34" charset="0"/>
+              <a:defRPr>
+                <a:solidFill>
+                  <a:schemeClr val="tx1"/>
+                </a:solidFill>
+                <a:latin typeface="Arial" panose="020B0604020202020204" pitchFamily="34" charset="0"/>
+                <a:ea typeface="宋体" panose="02010600030101010101" pitchFamily="2" charset="-122"/>
+              </a:defRPr>
+            </a:lvl9pPr>
+          </a:lstStyle>
+          <a:p>
+            <a:pPr algn="ctr">
+              <a:lnSpc>
+                <a:spcPct val="80000"/>
+              </a:lnSpc>
+              <a:spcBef>
+                <a:spcPct val="20000"/>
+              </a:spcBef>
+              <a:buFont typeface="Wingdings" panose="05000000000000000000" pitchFamily="2" charset="2"/>
+              <a:buNone/>
+            </a:pPr>
+            <a:r>
+              <a:rPr lang="zh-CN" altLang="en-US" sz="2400" b="1" dirty="0">
+                <a:solidFill>
+                  <a:schemeClr val="bg1"/>
+                </a:solidFill>
+                <a:latin typeface="Times-Roman" charset="0"/>
+                <a:ea typeface="隶书" panose="02010509060101010101" pitchFamily="49" charset="-122"/>
+                <a:sym typeface="Arial" panose="020B0604020202020204" pitchFamily="34" charset="0"/>
+              </a:rPr>
+              <a:t>河北大学网络空间安全与计算机学院</a:t>
+            </a:r>
+            <a:endParaRPr lang="en-US" altLang="zh-CN" sz="2400" b="1" dirty="0">
+              <a:solidFill>
+                <a:schemeClr val="bg1"/>
+              </a:solidFill>
+              <a:latin typeface="Times-Roman" charset="0"/>
+              <a:ea typeface="隶书" panose="02010509060101010101" pitchFamily="49" charset="-122"/>
+              <a:sym typeface="宋体" panose="02010600030101010101" pitchFamily="2" charset="-122"/>
+            </a:endParaRPr>
+          </a:p>
+        </p:txBody>
+      </p:sp>
+      <p:sp>
+        <p:nvSpPr>
+          <p:cNvPr id="3078" name="矩形 7">
+            <a:extLst>
+              <a:ext uri="{FF2B5EF4-FFF2-40B4-BE49-F238E27FC236}">
+                <a16:creationId xmlns:a16="http://schemas.microsoft.com/office/drawing/2014/main" id="{F089EA29-BBDF-4A31-AAF9-B27FBADEE2FA}"/>
+              </a:ext>
+            </a:extLst>
+          </p:cNvPr>
+          <p:cNvSpPr>
+            <a:spLocks noChangeArrowheads="1"/>
+          </p:cNvSpPr>
+          <p:nvPr/>
+        </p:nvSpPr>
+        <p:spPr bwMode="auto">
+          <a:xfrm>
+            <a:off x="1371600" y="3933825"/>
+            <a:ext cx="6584950" cy="1631950"/>
+          </a:xfrm>
+          <a:prstGeom prst="rect">
+            <a:avLst/>
+          </a:prstGeom>
+          <a:noFill/>
+          <a:ln>
+            <a:noFill/>
+          </a:ln>
+          <a:extLst>
+            <a:ext uri="{909E8E84-426E-40DD-AFC4-6F175D3DCCD1}">
+              <a14:hiddenFill xmlns:a14="http://schemas.microsoft.com/office/drawing/2010/main">
+                <a:solidFill>
+                  <a:srgbClr val="FFFFFF"/>
+                </a:solidFill>
+              </a14:hiddenFill>
+            </a:ext>
+            <a:ext uri="{91240B29-F687-4F45-9708-019B960494DF}">
+              <a14:hiddenLine xmlns:a14="http://schemas.microsoft.com/office/drawing/2010/main" w="9525">
+                <a:solidFill>
+                  <a:srgbClr val="000000"/>
+                </a:solidFill>
+                <a:miter lim="800000"/>
+                <a:headEnd/>
+                <a:tailEnd/>
+              </a14:hiddenLine>
+            </a:ext>
+          </a:extLst>
+        </p:spPr>
+        <p:txBody>
+          <a:bodyPr>
+            <a:spAutoFit/>
+          </a:bodyPr>
+          <a:lstStyle>
+            <a:lvl1pPr>
+              <a:defRPr>
+                <a:solidFill>
+                  <a:schemeClr val="tx1"/>
+                </a:solidFill>
+                <a:latin typeface="Arial" panose="020B0604020202020204" pitchFamily="34" charset="0"/>
+                <a:ea typeface="宋体" panose="02010600030101010101" pitchFamily="2" charset="-122"/>
+              </a:defRPr>
+            </a:lvl1pPr>
+            <a:lvl2pPr>
+              <a:defRPr>
+                <a:solidFill>
+                  <a:schemeClr val="tx1"/>
+                </a:solidFill>
+                <a:latin typeface="Arial" panose="020B0604020202020204" pitchFamily="34" charset="0"/>
+                <a:ea typeface="宋体" panose="02010600030101010101" pitchFamily="2" charset="-122"/>
+              </a:defRPr>
+            </a:lvl2pPr>
+            <a:lvl3pPr>
+              <a:defRPr>
+                <a:solidFill>
+                  <a:schemeClr val="tx1"/>
+                </a:solidFill>
+                <a:latin typeface="Arial" panose="020B0604020202020204" pitchFamily="34" charset="0"/>
+                <a:ea typeface="宋体" panose="02010600030101010101" pitchFamily="2" charset="-122"/>
+              </a:defRPr>
+            </a:lvl3pPr>
+            <a:lvl4pPr>
+              <a:defRPr>
+                <a:solidFill>
+                  <a:schemeClr val="tx1"/>
+                </a:solidFill>
+                <a:latin typeface="Arial" panose="020B0604020202020204" pitchFamily="34" charset="0"/>
+                <a:ea typeface="宋体" panose="02010600030101010101" pitchFamily="2" charset="-122"/>
+              </a:defRPr>
+            </a:lvl4pPr>
+            <a:lvl5pPr>
+              <a:defRPr>
+                <a:solidFill>
+                  <a:schemeClr val="tx1"/>
+                </a:solidFill>
+                <a:latin typeface="Arial" panose="020B0604020202020204" pitchFamily="34" charset="0"/>
+                <a:ea typeface="宋体" panose="02010600030101010101" pitchFamily="2" charset="-122"/>
+              </a:defRPr>
+            </a:lvl5pPr>
+            <a:lvl6pPr fontAlgn="base">
+              <a:spcBef>
+                <a:spcPct val="0"/>
+              </a:spcBef>
+              <a:spcAft>
+                <a:spcPct val="0"/>
+              </a:spcAft>
+              <a:buFont typeface="Arial" panose="020B0604020202020204" pitchFamily="34" charset="0"/>
+              <a:defRPr>
+                <a:solidFill>
+                  <a:schemeClr val="tx1"/>
+                </a:solidFill>
+                <a:latin typeface="Arial" panose="020B0604020202020204" pitchFamily="34" charset="0"/>
+                <a:ea typeface="宋体" panose="02010600030101010101" pitchFamily="2" charset="-122"/>
+              </a:defRPr>
+            </a:lvl6pPr>
+            <a:lvl7pPr fontAlgn="base">
+              <a:spcBef>
+                <a:spcPct val="0"/>
+              </a:spcBef>
+              <a:spcAft>
+                <a:spcPct val="0"/>
+              </a:spcAft>
+              <a:buFont typeface="Arial" panose="020B0604020202020204" pitchFamily="34" charset="0"/>
+              <a:defRPr>
+                <a:solidFill>
+                  <a:schemeClr val="tx1"/>
+                </a:solidFill>
+                <a:latin typeface="Arial" panose="020B0604020202020204" pitchFamily="34" charset="0"/>
+                <a:ea typeface="宋体" panose="02010600030101010101" pitchFamily="2" charset="-122"/>
+              </a:defRPr>
+            </a:lvl7pPr>
+            <a:lvl8pPr fontAlgn="base">
+              <a:spcBef>
+                <a:spcPct val="0"/>
+              </a:spcBef>
+              <a:spcAft>
+                <a:spcPct val="0"/>
+              </a:spcAft>
+              <a:buFont typeface="Arial" panose="020B0604020202020204" pitchFamily="34" charset="0"/>
+              <a:defRPr>
+                <a:solidFill>
+                  <a:schemeClr val="tx1"/>
+                </a:solidFill>
+                <a:latin typeface="Arial" panose="020B0604020202020204" pitchFamily="34" charset="0"/>
+                <a:ea typeface="宋体" panose="02010600030101010101" pitchFamily="2" charset="-122"/>
+              </a:defRPr>
+            </a:lvl8pPr>
+            <a:lvl9pPr fontAlgn="base">
+              <a:spcBef>
+                <a:spcPct val="0"/>
+              </a:spcBef>
+              <a:spcAft>
+                <a:spcPct val="0"/>
+              </a:spcAft>
+              <a:buFont typeface="Arial" panose="020B0604020202020204" pitchFamily="34" charset="0"/>
+              <a:defRPr>
+                <a:solidFill>
+                  <a:schemeClr val="tx1"/>
+                </a:solidFill>
+                <a:latin typeface="Arial" panose="020B0604020202020204" pitchFamily="34" charset="0"/>
+                <a:ea typeface="宋体" panose="02010600030101010101" pitchFamily="2" charset="-122"/>
+              </a:defRPr>
+            </a:lvl9pPr>
+          </a:lstStyle>
+          <a:p>
+            <a:pPr algn="ctr"/>
+            <a:r>
+              <a:rPr lang="zh-CN" altLang="en-US" sz="4800" b="1">
+                <a:solidFill>
+                  <a:schemeClr val="bg1"/>
+                </a:solidFill>
+                <a:latin typeface="黑体" panose="02010609060101010101" pitchFamily="49" charset="-122"/>
+                <a:ea typeface="黑体" panose="02010609060101010101" pitchFamily="49" charset="-122"/>
+              </a:rPr>
+              <a:t>第九章 关系查询处理     </a:t>
+            </a:r>
+            <a:endParaRPr lang="en-US" altLang="zh-CN" sz="4800" b="1">
+              <a:solidFill>
+                <a:schemeClr val="bg1"/>
+              </a:solidFill>
+              <a:latin typeface="黑体" panose="02010609060101010101" pitchFamily="49" charset="-122"/>
+              <a:ea typeface="黑体" panose="02010609060101010101" pitchFamily="49" charset="-122"/>
+            </a:endParaRPr>
+          </a:p>
+          <a:p>
+            <a:pPr algn="ctr"/>
+            <a:r>
+              <a:rPr lang="en-US" altLang="zh-CN" sz="4800" b="1">
+                <a:solidFill>
+                  <a:schemeClr val="bg1"/>
+                </a:solidFill>
+                <a:latin typeface="黑体" panose="02010609060101010101" pitchFamily="49" charset="-122"/>
+                <a:ea typeface="黑体" panose="02010609060101010101" pitchFamily="49" charset="-122"/>
+              </a:rPr>
+              <a:t>      </a:t>
+            </a:r>
+            <a:r>
+              <a:rPr lang="zh-CN" altLang="en-US" sz="4800" b="1">
+                <a:solidFill>
+                  <a:schemeClr val="bg1"/>
+                </a:solidFill>
+                <a:latin typeface="黑体" panose="02010609060101010101" pitchFamily="49" charset="-122"/>
+                <a:ea typeface="黑体" panose="02010609060101010101" pitchFamily="49" charset="-122"/>
+              </a:rPr>
+              <a:t>和查询优化</a:t>
+            </a:r>
+          </a:p>
+        </p:txBody>
+      </p:sp>
+    </p:spTree>
+    <p:extLst>
+      <p:ext uri="{BB962C8B-B14F-4D97-AF65-F5344CB8AC3E}">
+        <p14:creationId xmlns:p14="http://schemas.microsoft.com/office/powerpoint/2010/main" val="4032578242"/>
+      </p:ext>
+    </p:extLst>
+  </p:cSld>
+  <p:clrMapOvr>
+    <a:masterClrMapping/>
+  </p:clrMapOvr>
+</p:sld>
+</file>
+
+<file path=ppt/slides/slide30.xml><?xml version="1.0" encoding="utf-8"?>
 <p:sld xmlns:a="http://schemas.openxmlformats.org/drawingml/2006/main" xmlns:r="http://schemas.openxmlformats.org/officeDocument/2006/relationships" xmlns:p="http://schemas.openxmlformats.org/presentationml/2006/main">
   <p:cSld>
     <p:spTree>
@@ -14685,239 +15334,7 @@
 </p:sld>
 </file>
 
-<file path=ppt/slides/slide3.xml><?xml version="1.0" encoding="utf-8"?>
-<p:sld xmlns:a="http://schemas.openxmlformats.org/drawingml/2006/main" xmlns:r="http://schemas.openxmlformats.org/officeDocument/2006/relationships" xmlns:p="http://schemas.openxmlformats.org/presentationml/2006/main">
-  <p:cSld>
-    <p:spTree>
-      <p:nvGrpSpPr>
-        <p:cNvPr id="1" name=""/>
-        <p:cNvGrpSpPr/>
-        <p:nvPr/>
-      </p:nvGrpSpPr>
-      <p:grpSpPr>
-        <a:xfrm>
-          <a:off x="0" y="0"/>
-          <a:ext cx="0" cy="0"/>
-          <a:chOff x="0" y="0"/>
-          <a:chExt cx="0" cy="0"/>
-        </a:xfrm>
-      </p:grpSpPr>
-      <p:sp>
-        <p:nvSpPr>
-          <p:cNvPr id="5121" name="标题 1">
-            <a:extLst>
-              <a:ext uri="{FF2B5EF4-FFF2-40B4-BE49-F238E27FC236}">
-                <a16:creationId xmlns:a16="http://schemas.microsoft.com/office/drawing/2014/main" id="{42173AF0-7800-4F79-B889-8B508C9EDC22}"/>
-              </a:ext>
-            </a:extLst>
-          </p:cNvPr>
-          <p:cNvSpPr>
-            <a:spLocks noGrp="1" noChangeArrowheads="1"/>
-          </p:cNvSpPr>
-          <p:nvPr>
-            <p:ph type="title"/>
-          </p:nvPr>
-        </p:nvSpPr>
-        <p:spPr/>
-        <p:txBody>
-          <a:bodyPr/>
-          <a:lstStyle/>
-          <a:p>
-            <a:r>
-              <a:rPr lang="zh-CN" altLang="zh-CN" sz="3600">
-                <a:sym typeface="宋体" panose="02010600030101010101" pitchFamily="2" charset="-122"/>
-              </a:rPr>
-              <a:t>第九章</a:t>
-            </a:r>
-            <a:r>
-              <a:rPr lang="zh-CN" altLang="zh-CN" sz="3600"/>
-              <a:t>  </a:t>
-            </a:r>
-            <a:r>
-              <a:rPr lang="zh-CN" altLang="zh-CN" sz="3600">
-                <a:sym typeface="宋体" panose="02010600030101010101" pitchFamily="2" charset="-122"/>
-              </a:rPr>
-              <a:t>关系</a:t>
-            </a:r>
-            <a:r>
-              <a:rPr lang="zh-CN" altLang="en-US" sz="3600">
-                <a:sym typeface="宋体" panose="02010600030101010101" pitchFamily="2" charset="-122"/>
-              </a:rPr>
-              <a:t>查询处理和查询</a:t>
-            </a:r>
-            <a:r>
-              <a:rPr lang="zh-CN" altLang="zh-CN" sz="3600">
-                <a:sym typeface="宋体" panose="02010600030101010101" pitchFamily="2" charset="-122"/>
-              </a:rPr>
-              <a:t>优化</a:t>
-            </a:r>
-            <a:endParaRPr lang="zh-CN" altLang="en-US" sz="3600"/>
-          </a:p>
-        </p:txBody>
-      </p:sp>
-      <p:sp>
-        <p:nvSpPr>
-          <p:cNvPr id="5122" name="内容占位符 2">
-            <a:extLst>
-              <a:ext uri="{FF2B5EF4-FFF2-40B4-BE49-F238E27FC236}">
-                <a16:creationId xmlns:a16="http://schemas.microsoft.com/office/drawing/2014/main" id="{55AE9D0D-89F7-4F03-8347-52FEB484F028}"/>
-              </a:ext>
-            </a:extLst>
-          </p:cNvPr>
-          <p:cNvSpPr>
-            <a:spLocks noGrp="1" noChangeArrowheads="1"/>
-          </p:cNvSpPr>
-          <p:nvPr>
-            <p:ph idx="1"/>
-          </p:nvPr>
-        </p:nvSpPr>
-        <p:spPr/>
-        <p:txBody>
-          <a:bodyPr/>
-          <a:lstStyle/>
-          <a:p>
-            <a:pPr lvl="1" eaLnBrk="1" hangingPunct="1">
-              <a:lnSpc>
-                <a:spcPct val="140000"/>
-              </a:lnSpc>
-              <a:buFont typeface="Wingdings" panose="05000000000000000000" pitchFamily="2" charset="2"/>
-              <a:buNone/>
-            </a:pPr>
-            <a:r>
-              <a:rPr lang="en-US" altLang="zh-CN" sz="2800" dirty="0">
-                <a:solidFill>
-                  <a:srgbClr val="0066FF"/>
-                </a:solidFill>
-              </a:rPr>
-              <a:t>9.1 </a:t>
-            </a:r>
-            <a:r>
-              <a:rPr lang="zh-CN" altLang="en-US" sz="2800" dirty="0">
-                <a:solidFill>
-                  <a:srgbClr val="0066FF"/>
-                </a:solidFill>
-              </a:rPr>
-              <a:t>关系数据库系统的</a:t>
-            </a:r>
-            <a:r>
-              <a:rPr lang="zh-CN" altLang="en-US" sz="2800" dirty="0">
-                <a:solidFill>
-                  <a:srgbClr val="0066FF"/>
-                </a:solidFill>
-                <a:highlight>
-                  <a:srgbClr val="FFFF00"/>
-                </a:highlight>
-              </a:rPr>
-              <a:t>查询处理 </a:t>
-            </a:r>
-          </a:p>
-          <a:p>
-            <a:pPr lvl="1" eaLnBrk="1" hangingPunct="1">
-              <a:lnSpc>
-                <a:spcPct val="140000"/>
-              </a:lnSpc>
-              <a:buFont typeface="Wingdings" panose="05000000000000000000" pitchFamily="2" charset="2"/>
-              <a:buNone/>
-            </a:pPr>
-            <a:r>
-              <a:rPr lang="en-US" altLang="zh-CN" sz="2800" dirty="0"/>
-              <a:t>9.2 </a:t>
-            </a:r>
-            <a:r>
-              <a:rPr lang="zh-CN" altLang="en-US" sz="2800" dirty="0"/>
-              <a:t>关系数据库系统的</a:t>
-            </a:r>
-            <a:r>
-              <a:rPr lang="zh-CN" altLang="en-US" sz="2800" dirty="0">
-                <a:highlight>
-                  <a:srgbClr val="FFFF00"/>
-                </a:highlight>
-              </a:rPr>
-              <a:t>查询优化 </a:t>
-            </a:r>
-          </a:p>
-          <a:p>
-            <a:pPr lvl="1" eaLnBrk="1" hangingPunct="1">
-              <a:lnSpc>
-                <a:spcPct val="140000"/>
-              </a:lnSpc>
-              <a:buFont typeface="Wingdings" panose="05000000000000000000" pitchFamily="2" charset="2"/>
-              <a:buNone/>
-            </a:pPr>
-            <a:r>
-              <a:rPr lang="en-US" altLang="zh-CN" sz="2800" dirty="0"/>
-              <a:t>9.3 </a:t>
-            </a:r>
-            <a:r>
-              <a:rPr lang="zh-CN" altLang="en-US" sz="2800" dirty="0"/>
-              <a:t>代数优化 </a:t>
-            </a:r>
-          </a:p>
-          <a:p>
-            <a:pPr lvl="1" eaLnBrk="1" hangingPunct="1">
-              <a:lnSpc>
-                <a:spcPct val="140000"/>
-              </a:lnSpc>
-              <a:buFont typeface="Wingdings" panose="05000000000000000000" pitchFamily="2" charset="2"/>
-              <a:buNone/>
-            </a:pPr>
-            <a:r>
-              <a:rPr lang="en-US" altLang="zh-CN" sz="2800" dirty="0"/>
-              <a:t>9.4 </a:t>
-            </a:r>
-            <a:r>
-              <a:rPr lang="zh-CN" altLang="en-US" sz="2800" dirty="0"/>
-              <a:t>物理优化 </a:t>
-            </a:r>
-          </a:p>
-          <a:p>
-            <a:pPr lvl="1" eaLnBrk="1" hangingPunct="1">
-              <a:lnSpc>
-                <a:spcPct val="140000"/>
-              </a:lnSpc>
-              <a:buFont typeface="Wingdings" panose="05000000000000000000" pitchFamily="2" charset="2"/>
-              <a:buNone/>
-            </a:pPr>
-            <a:r>
-              <a:rPr lang="en-US" altLang="zh-CN" sz="2800" dirty="0"/>
-              <a:t>*9.5 </a:t>
-            </a:r>
-            <a:r>
-              <a:rPr lang="zh-CN" altLang="en-US" sz="2800" dirty="0"/>
-              <a:t>查询计划的执行</a:t>
-            </a:r>
-          </a:p>
-          <a:p>
-            <a:pPr lvl="1" eaLnBrk="1" hangingPunct="1">
-              <a:lnSpc>
-                <a:spcPct val="140000"/>
-              </a:lnSpc>
-              <a:buFont typeface="Wingdings" panose="05000000000000000000" pitchFamily="2" charset="2"/>
-              <a:buNone/>
-            </a:pPr>
-            <a:r>
-              <a:rPr lang="en-US" altLang="zh-CN" sz="2800" dirty="0"/>
-              <a:t>9.6 </a:t>
-            </a:r>
-            <a:r>
-              <a:rPr lang="zh-CN" altLang="en-US" sz="2800" dirty="0"/>
-              <a:t>小 结 </a:t>
-            </a:r>
-          </a:p>
-          <a:p>
-            <a:endParaRPr lang="zh-CN" altLang="en-US" dirty="0"/>
-          </a:p>
-        </p:txBody>
-      </p:sp>
-    </p:spTree>
-  </p:cSld>
-  <p:clrMapOvr>
-    <a:masterClrMapping/>
-  </p:clrMapOvr>
-</p:sld>
-</file>
-
-<file path=ppt/slides/slide30.xml><?xml version="1.0" encoding="utf-8"?>
+<file path=ppt/slides/slide31.xml><?xml version="1.0" encoding="utf-8"?>
 <p:sld xmlns:a="http://schemas.openxmlformats.org/drawingml/2006/main" xmlns:r="http://schemas.openxmlformats.org/officeDocument/2006/relationships" xmlns:p="http://schemas.openxmlformats.org/presentationml/2006/main">
   <p:cSld>
     <p:spTree>
@@ -15031,6 +15448,9 @@
                 <a:solidFill>
                   <a:srgbClr val="FF0000"/>
                 </a:solidFill>
+                <a:highlight>
+                  <a:srgbClr val="FFFF00"/>
+                </a:highlight>
               </a:rPr>
               <a:t>等价变换</a:t>
             </a:r>
@@ -15218,7 +15638,7 @@
 </p:sld>
 </file>
 
-<file path=ppt/slides/slide31.xml><?xml version="1.0" encoding="utf-8"?>
+<file path=ppt/slides/slide32.xml><?xml version="1.0" encoding="utf-8"?>
 <p:sld xmlns:a="http://schemas.openxmlformats.org/drawingml/2006/main" xmlns:r="http://schemas.openxmlformats.org/officeDocument/2006/relationships" xmlns:p="http://schemas.openxmlformats.org/presentationml/2006/main">
   <p:cSld>
     <p:spTree>
@@ -15488,7 +15908,7 @@
 </p:sld>
 </file>
 
-<file path=ppt/slides/slide32.xml><?xml version="1.0" encoding="utf-8"?>
+<file path=ppt/slides/slide33.xml><?xml version="1.0" encoding="utf-8"?>
 <p:sld xmlns:a="http://schemas.openxmlformats.org/drawingml/2006/main" xmlns:r="http://schemas.openxmlformats.org/officeDocument/2006/relationships" xmlns:p="http://schemas.openxmlformats.org/presentationml/2006/main">
   <p:cSld>
     <p:spTree>
@@ -15980,7 +16400,7 @@
 </p:sld>
 </file>
 
-<file path=ppt/slides/slide33.xml><?xml version="1.0" encoding="utf-8"?>
+<file path=ppt/slides/slide34.xml><?xml version="1.0" encoding="utf-8"?>
 <p:sld xmlns:a="http://schemas.openxmlformats.org/drawingml/2006/main" xmlns:r="http://schemas.openxmlformats.org/officeDocument/2006/relationships" xmlns:p="http://schemas.openxmlformats.org/presentationml/2006/main">
   <p:cSld>
     <p:spTree>
@@ -16386,7 +16806,7 @@
 </p:sld>
 </file>
 
-<file path=ppt/slides/slide34.xml><?xml version="1.0" encoding="utf-8"?>
+<file path=ppt/slides/slide35.xml><?xml version="1.0" encoding="utf-8"?>
 <p:sld xmlns:a="http://schemas.openxmlformats.org/drawingml/2006/main" xmlns:r="http://schemas.openxmlformats.org/officeDocument/2006/relationships" xmlns:p="http://schemas.openxmlformats.org/presentationml/2006/main">
   <p:cSld>
     <p:spTree>
@@ -16685,7 +17105,7 @@
 </p:sld>
 </file>
 
-<file path=ppt/slides/slide35.xml><?xml version="1.0" encoding="utf-8"?>
+<file path=ppt/slides/slide36.xml><?xml version="1.0" encoding="utf-8"?>
 <p:sld xmlns:a="http://schemas.openxmlformats.org/drawingml/2006/main" xmlns:r="http://schemas.openxmlformats.org/officeDocument/2006/relationships" xmlns:p="http://schemas.openxmlformats.org/presentationml/2006/main">
   <p:cSld>
     <p:spTree>
@@ -16898,7 +17318,7 @@
 </p:sld>
 </file>
 
-<file path=ppt/slides/slide36.xml><?xml version="1.0" encoding="utf-8"?>
+<file path=ppt/slides/slide37.xml><?xml version="1.0" encoding="utf-8"?>
 <p:sld xmlns:a="http://schemas.openxmlformats.org/drawingml/2006/main" xmlns:r="http://schemas.openxmlformats.org/officeDocument/2006/relationships" xmlns:p="http://schemas.openxmlformats.org/presentationml/2006/main">
   <p:cSld>
     <p:spTree>
@@ -17144,7 +17564,7 @@
 </p:sld>
 </file>
 
-<file path=ppt/slides/slide37.xml><?xml version="1.0" encoding="utf-8"?>
+<file path=ppt/slides/slide38.xml><?xml version="1.0" encoding="utf-8"?>
 <p:sld xmlns:a="http://schemas.openxmlformats.org/drawingml/2006/main" xmlns:r="http://schemas.openxmlformats.org/officeDocument/2006/relationships" xmlns:p="http://schemas.openxmlformats.org/presentationml/2006/main">
   <p:cSld>
     <p:spTree>
@@ -17364,6 +17784,238 @@
 </file>
 
 <file path=ppt/slides/slide4.xml><?xml version="1.0" encoding="utf-8"?>
+<p:sld xmlns:a="http://schemas.openxmlformats.org/drawingml/2006/main" xmlns:r="http://schemas.openxmlformats.org/officeDocument/2006/relationships" xmlns:p="http://schemas.openxmlformats.org/presentationml/2006/main">
+  <p:cSld>
+    <p:spTree>
+      <p:nvGrpSpPr>
+        <p:cNvPr id="1" name=""/>
+        <p:cNvGrpSpPr/>
+        <p:nvPr/>
+      </p:nvGrpSpPr>
+      <p:grpSpPr>
+        <a:xfrm>
+          <a:off x="0" y="0"/>
+          <a:ext cx="0" cy="0"/>
+          <a:chOff x="0" y="0"/>
+          <a:chExt cx="0" cy="0"/>
+        </a:xfrm>
+      </p:grpSpPr>
+      <p:sp>
+        <p:nvSpPr>
+          <p:cNvPr id="5121" name="标题 1">
+            <a:extLst>
+              <a:ext uri="{FF2B5EF4-FFF2-40B4-BE49-F238E27FC236}">
+                <a16:creationId xmlns:a16="http://schemas.microsoft.com/office/drawing/2014/main" id="{42173AF0-7800-4F79-B889-8B508C9EDC22}"/>
+              </a:ext>
+            </a:extLst>
+          </p:cNvPr>
+          <p:cNvSpPr>
+            <a:spLocks noGrp="1" noChangeArrowheads="1"/>
+          </p:cNvSpPr>
+          <p:nvPr>
+            <p:ph type="title"/>
+          </p:nvPr>
+        </p:nvSpPr>
+        <p:spPr/>
+        <p:txBody>
+          <a:bodyPr/>
+          <a:lstStyle/>
+          <a:p>
+            <a:r>
+              <a:rPr lang="zh-CN" altLang="zh-CN" sz="3600">
+                <a:sym typeface="宋体" panose="02010600030101010101" pitchFamily="2" charset="-122"/>
+              </a:rPr>
+              <a:t>第九章</a:t>
+            </a:r>
+            <a:r>
+              <a:rPr lang="zh-CN" altLang="zh-CN" sz="3600"/>
+              <a:t>  </a:t>
+            </a:r>
+            <a:r>
+              <a:rPr lang="zh-CN" altLang="zh-CN" sz="3600">
+                <a:sym typeface="宋体" panose="02010600030101010101" pitchFamily="2" charset="-122"/>
+              </a:rPr>
+              <a:t>关系</a:t>
+            </a:r>
+            <a:r>
+              <a:rPr lang="zh-CN" altLang="en-US" sz="3600">
+                <a:sym typeface="宋体" panose="02010600030101010101" pitchFamily="2" charset="-122"/>
+              </a:rPr>
+              <a:t>查询处理和查询</a:t>
+            </a:r>
+            <a:r>
+              <a:rPr lang="zh-CN" altLang="zh-CN" sz="3600">
+                <a:sym typeface="宋体" panose="02010600030101010101" pitchFamily="2" charset="-122"/>
+              </a:rPr>
+              <a:t>优化</a:t>
+            </a:r>
+            <a:endParaRPr lang="zh-CN" altLang="en-US" sz="3600"/>
+          </a:p>
+        </p:txBody>
+      </p:sp>
+      <p:sp>
+        <p:nvSpPr>
+          <p:cNvPr id="5122" name="内容占位符 2">
+            <a:extLst>
+              <a:ext uri="{FF2B5EF4-FFF2-40B4-BE49-F238E27FC236}">
+                <a16:creationId xmlns:a16="http://schemas.microsoft.com/office/drawing/2014/main" id="{55AE9D0D-89F7-4F03-8347-52FEB484F028}"/>
+              </a:ext>
+            </a:extLst>
+          </p:cNvPr>
+          <p:cNvSpPr>
+            <a:spLocks noGrp="1" noChangeArrowheads="1"/>
+          </p:cNvSpPr>
+          <p:nvPr>
+            <p:ph idx="1"/>
+          </p:nvPr>
+        </p:nvSpPr>
+        <p:spPr/>
+        <p:txBody>
+          <a:bodyPr/>
+          <a:lstStyle/>
+          <a:p>
+            <a:pPr lvl="1" eaLnBrk="1" hangingPunct="1">
+              <a:lnSpc>
+                <a:spcPct val="140000"/>
+              </a:lnSpc>
+              <a:buFont typeface="Wingdings" panose="05000000000000000000" pitchFamily="2" charset="2"/>
+              <a:buNone/>
+            </a:pPr>
+            <a:r>
+              <a:rPr lang="en-US" altLang="zh-CN" sz="2800" dirty="0">
+                <a:solidFill>
+                  <a:srgbClr val="0066FF"/>
+                </a:solidFill>
+              </a:rPr>
+              <a:t>9.1 </a:t>
+            </a:r>
+            <a:r>
+              <a:rPr lang="zh-CN" altLang="en-US" sz="2800" dirty="0">
+                <a:solidFill>
+                  <a:srgbClr val="0066FF"/>
+                </a:solidFill>
+              </a:rPr>
+              <a:t>关系数据库系统的</a:t>
+            </a:r>
+            <a:r>
+              <a:rPr lang="zh-CN" altLang="en-US" sz="2800" dirty="0">
+                <a:solidFill>
+                  <a:srgbClr val="0066FF"/>
+                </a:solidFill>
+                <a:highlight>
+                  <a:srgbClr val="FFFF00"/>
+                </a:highlight>
+              </a:rPr>
+              <a:t>查询处理 </a:t>
+            </a:r>
+          </a:p>
+          <a:p>
+            <a:pPr lvl="1" eaLnBrk="1" hangingPunct="1">
+              <a:lnSpc>
+                <a:spcPct val="140000"/>
+              </a:lnSpc>
+              <a:buFont typeface="Wingdings" panose="05000000000000000000" pitchFamily="2" charset="2"/>
+              <a:buNone/>
+            </a:pPr>
+            <a:r>
+              <a:rPr lang="en-US" altLang="zh-CN" sz="2800" dirty="0"/>
+              <a:t>9.2 </a:t>
+            </a:r>
+            <a:r>
+              <a:rPr lang="zh-CN" altLang="en-US" sz="2800" dirty="0"/>
+              <a:t>关系数据库系统的</a:t>
+            </a:r>
+            <a:r>
+              <a:rPr lang="zh-CN" altLang="en-US" sz="2800" dirty="0">
+                <a:highlight>
+                  <a:srgbClr val="FFFF00"/>
+                </a:highlight>
+              </a:rPr>
+              <a:t>查询优化 </a:t>
+            </a:r>
+          </a:p>
+          <a:p>
+            <a:pPr lvl="1" eaLnBrk="1" hangingPunct="1">
+              <a:lnSpc>
+                <a:spcPct val="140000"/>
+              </a:lnSpc>
+              <a:buFont typeface="Wingdings" panose="05000000000000000000" pitchFamily="2" charset="2"/>
+              <a:buNone/>
+            </a:pPr>
+            <a:r>
+              <a:rPr lang="en-US" altLang="zh-CN" sz="2800" dirty="0"/>
+              <a:t>9.3 </a:t>
+            </a:r>
+            <a:r>
+              <a:rPr lang="zh-CN" altLang="en-US" sz="2800" dirty="0"/>
+              <a:t>代数优化 </a:t>
+            </a:r>
+          </a:p>
+          <a:p>
+            <a:pPr lvl="1" eaLnBrk="1" hangingPunct="1">
+              <a:lnSpc>
+                <a:spcPct val="140000"/>
+              </a:lnSpc>
+              <a:buFont typeface="Wingdings" panose="05000000000000000000" pitchFamily="2" charset="2"/>
+              <a:buNone/>
+            </a:pPr>
+            <a:r>
+              <a:rPr lang="en-US" altLang="zh-CN" sz="2800" dirty="0"/>
+              <a:t>9.4 </a:t>
+            </a:r>
+            <a:r>
+              <a:rPr lang="zh-CN" altLang="en-US" sz="2800" dirty="0"/>
+              <a:t>物理优化 </a:t>
+            </a:r>
+          </a:p>
+          <a:p>
+            <a:pPr lvl="1" eaLnBrk="1" hangingPunct="1">
+              <a:lnSpc>
+                <a:spcPct val="140000"/>
+              </a:lnSpc>
+              <a:buFont typeface="Wingdings" panose="05000000000000000000" pitchFamily="2" charset="2"/>
+              <a:buNone/>
+            </a:pPr>
+            <a:r>
+              <a:rPr lang="en-US" altLang="zh-CN" sz="2800" dirty="0"/>
+              <a:t>*9.5 </a:t>
+            </a:r>
+            <a:r>
+              <a:rPr lang="zh-CN" altLang="en-US" sz="2800" dirty="0"/>
+              <a:t>查询计划的执行</a:t>
+            </a:r>
+          </a:p>
+          <a:p>
+            <a:pPr lvl="1" eaLnBrk="1" hangingPunct="1">
+              <a:lnSpc>
+                <a:spcPct val="140000"/>
+              </a:lnSpc>
+              <a:buFont typeface="Wingdings" panose="05000000000000000000" pitchFamily="2" charset="2"/>
+              <a:buNone/>
+            </a:pPr>
+            <a:r>
+              <a:rPr lang="en-US" altLang="zh-CN" sz="2800" dirty="0"/>
+              <a:t>9.6 </a:t>
+            </a:r>
+            <a:r>
+              <a:rPr lang="zh-CN" altLang="en-US" sz="2800" dirty="0"/>
+              <a:t>小 结 </a:t>
+            </a:r>
+          </a:p>
+          <a:p>
+            <a:endParaRPr lang="zh-CN" altLang="en-US" dirty="0"/>
+          </a:p>
+        </p:txBody>
+      </p:sp>
+    </p:spTree>
+  </p:cSld>
+  <p:clrMapOvr>
+    <a:masterClrMapping/>
+  </p:clrMapOvr>
+</p:sld>
+</file>
+
+<file path=ppt/slides/slide5.xml><?xml version="1.0" encoding="utf-8"?>
 <p:sld xmlns:a="http://schemas.openxmlformats.org/drawingml/2006/main" xmlns:r="http://schemas.openxmlformats.org/officeDocument/2006/relationships" xmlns:p="http://schemas.openxmlformats.org/presentationml/2006/main">
   <p:cSld>
     <p:spTree>
@@ -22689,7 +23341,7 @@
 </p:sld>
 </file>
 
-<file path=ppt/slides/slide5.xml><?xml version="1.0" encoding="utf-8"?>
+<file path=ppt/slides/slide6.xml><?xml version="1.0" encoding="utf-8"?>
 <p:sld xmlns:a="http://schemas.openxmlformats.org/drawingml/2006/main" xmlns:r="http://schemas.openxmlformats.org/officeDocument/2006/relationships" xmlns:p="http://schemas.openxmlformats.org/presentationml/2006/main">
   <p:cSld>
     <p:spTree>
@@ -22825,7 +23477,7 @@
 </p:sld>
 </file>
 
-<file path=ppt/slides/slide6.xml><?xml version="1.0" encoding="utf-8"?>
+<file path=ppt/slides/slide7.xml><?xml version="1.0" encoding="utf-8"?>
 <p:sld xmlns:a="http://schemas.openxmlformats.org/drawingml/2006/main" xmlns:r="http://schemas.openxmlformats.org/officeDocument/2006/relationships" xmlns:p="http://schemas.openxmlformats.org/presentationml/2006/main">
   <p:cSld>
     <p:spTree>
@@ -23079,7 +23731,7 @@
 </p:sld>
 </file>
 
-<file path=ppt/slides/slide7.xml><?xml version="1.0" encoding="utf-8"?>
+<file path=ppt/slides/slide8.xml><?xml version="1.0" encoding="utf-8"?>
 <p:sld xmlns:a="http://schemas.openxmlformats.org/drawingml/2006/main" xmlns:r="http://schemas.openxmlformats.org/officeDocument/2006/relationships" xmlns:p="http://schemas.openxmlformats.org/presentationml/2006/main">
   <p:cSld>
     <p:spTree>
@@ -23491,7 +24143,7 @@
 </p:sld>
 </file>
 
-<file path=ppt/slides/slide8.xml><?xml version="1.0" encoding="utf-8"?>
+<file path=ppt/slides/slide9.xml><?xml version="1.0" encoding="utf-8"?>
 <p:sld xmlns:a="http://schemas.openxmlformats.org/drawingml/2006/main" xmlns:r="http://schemas.openxmlformats.org/officeDocument/2006/relationships" xmlns:p="http://schemas.openxmlformats.org/presentationml/2006/main">
   <p:cSld>
     <p:spTree>
@@ -23709,247 +24361,6 @@
               <a:defRPr/>
             </a:pPr>
             <a:endParaRPr lang="zh-CN" altLang="en-US" sz="3200" dirty="0"/>
-          </a:p>
-        </p:txBody>
-      </p:sp>
-    </p:spTree>
-  </p:cSld>
-  <p:clrMapOvr>
-    <a:masterClrMapping/>
-  </p:clrMapOvr>
-</p:sld>
-</file>
-
-<file path=ppt/slides/slide9.xml><?xml version="1.0" encoding="utf-8"?>
-<p:sld xmlns:a="http://schemas.openxmlformats.org/drawingml/2006/main" xmlns:r="http://schemas.openxmlformats.org/officeDocument/2006/relationships" xmlns:p="http://schemas.openxmlformats.org/presentationml/2006/main">
-  <p:cSld>
-    <p:spTree>
-      <p:nvGrpSpPr>
-        <p:cNvPr id="1" name=""/>
-        <p:cNvGrpSpPr/>
-        <p:nvPr/>
-      </p:nvGrpSpPr>
-      <p:grpSpPr>
-        <a:xfrm>
-          <a:off x="0" y="0"/>
-          <a:ext cx="0" cy="0"/>
-          <a:chOff x="0" y="0"/>
-          <a:chExt cx="0" cy="0"/>
-        </a:xfrm>
-      </p:grpSpPr>
-      <p:sp>
-        <p:nvSpPr>
-          <p:cNvPr id="11265" name="标题 1">
-            <a:extLst>
-              <a:ext uri="{FF2B5EF4-FFF2-40B4-BE49-F238E27FC236}">
-                <a16:creationId xmlns:a16="http://schemas.microsoft.com/office/drawing/2014/main" id="{77983260-FCC6-4B9D-AA1D-43A9FC700432}"/>
-              </a:ext>
-            </a:extLst>
-          </p:cNvPr>
-          <p:cNvSpPr>
-            <a:spLocks noGrp="1" noChangeArrowheads="1"/>
-          </p:cNvSpPr>
-          <p:nvPr>
-            <p:ph type="title"/>
-          </p:nvPr>
-        </p:nvSpPr>
-        <p:spPr/>
-        <p:txBody>
-          <a:bodyPr/>
-          <a:lstStyle/>
-          <a:p>
-            <a:r>
-              <a:rPr lang="zh-CN" altLang="zh-CN" sz="3600"/>
-              <a:t>选择操作的实现（续）</a:t>
-            </a:r>
-            <a:endParaRPr lang="zh-CN" altLang="en-US" sz="3600"/>
-          </a:p>
-        </p:txBody>
-      </p:sp>
-      <p:sp>
-        <p:nvSpPr>
-          <p:cNvPr id="20482" name="内容占位符 2">
-            <a:extLst>
-              <a:ext uri="{FF2B5EF4-FFF2-40B4-BE49-F238E27FC236}">
-                <a16:creationId xmlns:a16="http://schemas.microsoft.com/office/drawing/2014/main" id="{FE25FF54-CE59-458B-8082-91CD535A3574}"/>
-              </a:ext>
-            </a:extLst>
-          </p:cNvPr>
-          <p:cNvSpPr>
-            <a:spLocks noGrp="1"/>
-          </p:cNvSpPr>
-          <p:nvPr>
-            <p:ph idx="1"/>
-          </p:nvPr>
-        </p:nvSpPr>
-        <p:spPr>
-          <a:xfrm>
-            <a:off x="457200" y="1098550"/>
-            <a:ext cx="8229600" cy="5095875"/>
-          </a:xfrm>
-          <a:ln>
-            <a:miter/>
-          </a:ln>
-        </p:spPr>
-        <p:txBody>
-          <a:bodyPr/>
-          <a:lstStyle/>
-          <a:p>
-            <a:pPr>
-              <a:lnSpc>
-                <a:spcPct val="120000"/>
-              </a:lnSpc>
-            </a:pPr>
-            <a:r>
-              <a:rPr lang="zh-CN" altLang="en-US" noProof="1"/>
-              <a:t>索引扫描算法</a:t>
-            </a:r>
-            <a:endParaRPr lang="en-US" altLang="zh-CN" noProof="1"/>
-          </a:p>
-          <a:p>
-            <a:pPr marL="0" indent="0">
-              <a:lnSpc>
-                <a:spcPct val="120000"/>
-              </a:lnSpc>
-              <a:buFont typeface="Wingdings" panose="05000000000000000000" pitchFamily="2" charset="2"/>
-              <a:buNone/>
-            </a:pPr>
-            <a:r>
-              <a:rPr lang="en-US" altLang="zh-CN" noProof="1"/>
-              <a:t>[</a:t>
-            </a:r>
-            <a:r>
-              <a:rPr lang="zh-CN" altLang="en-US" noProof="1"/>
-              <a:t>例</a:t>
-            </a:r>
-            <a:r>
-              <a:rPr lang="en-US" altLang="zh-CN" noProof="1"/>
-              <a:t>9.1-</a:t>
-            </a:r>
-            <a:r>
-              <a:rPr lang="en-US" altLang="zh-CN" noProof="1">
-                <a:solidFill>
-                  <a:srgbClr val="0066FF"/>
-                </a:solidFill>
-              </a:rPr>
-              <a:t>C2</a:t>
-            </a:r>
-            <a:r>
-              <a:rPr lang="en-US" altLang="zh-CN" noProof="1"/>
-              <a:t>]    SELECT * </a:t>
-            </a:r>
-          </a:p>
-          <a:p>
-            <a:pPr>
-              <a:lnSpc>
-                <a:spcPct val="120000"/>
-              </a:lnSpc>
-              <a:buFont typeface="Wingdings" panose="05000000000000000000" pitchFamily="2" charset="2"/>
-              <a:buNone/>
-            </a:pPr>
-            <a:r>
-              <a:rPr lang="en-US" altLang="zh-CN" noProof="1"/>
-              <a:t>                     FROM Student</a:t>
-            </a:r>
-          </a:p>
-          <a:p>
-            <a:pPr>
-              <a:lnSpc>
-                <a:spcPct val="120000"/>
-              </a:lnSpc>
-              <a:buFont typeface="Wingdings" panose="05000000000000000000" pitchFamily="2" charset="2"/>
-              <a:buNone/>
-            </a:pPr>
-            <a:r>
-              <a:rPr lang="en-US" altLang="zh-CN" noProof="1"/>
-              <a:t>                     WHERE    Sno='201215121'</a:t>
-            </a:r>
-            <a:endParaRPr lang="zh-CN" altLang="en-US" noProof="1"/>
-          </a:p>
-          <a:p>
-            <a:pPr lvl="1">
-              <a:lnSpc>
-                <a:spcPct val="120000"/>
-              </a:lnSpc>
-            </a:pPr>
-            <a:r>
-              <a:rPr lang="zh-CN" altLang="en-US" noProof="1"/>
-              <a:t>假设</a:t>
-            </a:r>
-            <a:r>
-              <a:rPr lang="en-US" altLang="zh-CN" noProof="1"/>
-              <a:t>Sno</a:t>
-            </a:r>
-            <a:r>
-              <a:rPr lang="zh-CN" altLang="en-US" noProof="1"/>
-              <a:t>上有索引</a:t>
-            </a:r>
-          </a:p>
-          <a:p>
-            <a:pPr lvl="1">
-              <a:lnSpc>
-                <a:spcPct val="120000"/>
-              </a:lnSpc>
-            </a:pPr>
-            <a:r>
-              <a:rPr lang="zh-CN" altLang="en-US" noProof="1"/>
-              <a:t>算法：</a:t>
-            </a:r>
-          </a:p>
-          <a:p>
-            <a:pPr lvl="2">
-              <a:lnSpc>
-                <a:spcPct val="120000"/>
-              </a:lnSpc>
-              <a:buSzPct val="87000"/>
-              <a:buFont typeface="Wingdings" panose="05000000000000000000" pitchFamily="2" charset="2"/>
-              <a:buChar char="l"/>
-            </a:pPr>
-            <a:r>
-              <a:rPr lang="zh-CN" altLang="en-US" noProof="1"/>
-              <a:t>使用索引得到</a:t>
-            </a:r>
-            <a:r>
-              <a:rPr lang="en-US" altLang="zh-CN" noProof="1"/>
-              <a:t>Sno</a:t>
-            </a:r>
-            <a:r>
-              <a:rPr lang="zh-CN" altLang="en-US" noProof="1"/>
-              <a:t>为‘</a:t>
-            </a:r>
-            <a:r>
-              <a:rPr lang="en-US" altLang="zh-CN" noProof="1"/>
-              <a:t>201215121’ </a:t>
-            </a:r>
-            <a:r>
-              <a:rPr lang="zh-CN" altLang="en-US" noProof="1"/>
-              <a:t>元组的指针</a:t>
-            </a:r>
-          </a:p>
-          <a:p>
-            <a:pPr lvl="2">
-              <a:lnSpc>
-                <a:spcPct val="120000"/>
-              </a:lnSpc>
-              <a:buSzPct val="87000"/>
-              <a:buFont typeface="Wingdings" panose="05000000000000000000" pitchFamily="2" charset="2"/>
-              <a:buChar char="l"/>
-            </a:pPr>
-            <a:r>
-              <a:rPr lang="zh-CN" altLang="en-US" noProof="1"/>
-              <a:t>通过元组指针在</a:t>
-            </a:r>
-            <a:r>
-              <a:rPr lang="en-US" altLang="zh-CN" noProof="1"/>
-              <a:t>Student</a:t>
-            </a:r>
-            <a:r>
-              <a:rPr lang="zh-CN" altLang="en-US" noProof="1"/>
-              <a:t>表中检索到该学生</a:t>
-            </a:r>
-          </a:p>
-          <a:p>
-            <a:endParaRPr lang="zh-CN" altLang="en-US" noProof="1"/>
           </a:p>
         </p:txBody>
       </p:sp>
